--- a/docs/Презентация диплом.pptx
+++ b/docs/Презентация диплом.pptx
@@ -18231,18 +18231,7 @@
                   </a:schemeClr>
                 </a:solidFill>
               </a:rPr>
-              <a:t>Клие</a:t>
-            </a:r>
-            <a:r>
-              <a:rPr lang="ru-RU" sz="3600" dirty="0" smtClean="0">
-                <a:solidFill>
-                  <a:schemeClr val="accent6">
-                    <a:lumMod val="60000"/>
-                    <a:lumOff val="40000"/>
-                  </a:schemeClr>
-                </a:solidFill>
-              </a:rPr>
-              <a:t>нт </a:t>
+              <a:t>Клиент </a:t>
             </a:r>
             <a:r>
               <a:rPr lang="en-US" sz="3600" dirty="0" smtClean="0">
@@ -21029,18 +21018,7 @@
                   </a:schemeClr>
                 </a:solidFill>
               </a:rPr>
-              <a:t>ростота </a:t>
-            </a:r>
-            <a:r>
-              <a:rPr lang="ru-RU" sz="2400" dirty="0" smtClean="0">
-                <a:solidFill>
-                  <a:schemeClr val="accent6">
-                    <a:lumMod val="60000"/>
-                    <a:lumOff val="40000"/>
-                  </a:schemeClr>
-                </a:solidFill>
-              </a:rPr>
-              <a:t>в использовании</a:t>
+              <a:t>ростота в использовании</a:t>
             </a:r>
             <a:endParaRPr lang="ru-RU" sz="2400" dirty="0">
               <a:solidFill>
@@ -21062,29 +21040,7 @@
                   </a:schemeClr>
                 </a:solidFill>
               </a:rPr>
-              <a:t>Р</a:t>
-            </a:r>
-            <a:r>
-              <a:rPr lang="ru-RU" sz="2400" dirty="0" smtClean="0">
-                <a:solidFill>
-                  <a:schemeClr val="accent6">
-                    <a:lumMod val="60000"/>
-                    <a:lumOff val="40000"/>
-                  </a:schemeClr>
-                </a:solidFill>
-              </a:rPr>
-              <a:t>усификация </a:t>
-            </a:r>
-            <a:r>
-              <a:rPr lang="ru-RU" sz="2400" dirty="0" smtClean="0">
-                <a:solidFill>
-                  <a:schemeClr val="accent6">
-                    <a:lumMod val="60000"/>
-                    <a:lumOff val="40000"/>
-                  </a:schemeClr>
-                </a:solidFill>
-              </a:rPr>
-              <a:t>и выбор языка</a:t>
+              <a:t>Русификация и выбор языка</a:t>
             </a:r>
             <a:endParaRPr lang="ru-RU" sz="2400" dirty="0">
               <a:solidFill>
@@ -21106,29 +21062,7 @@
                   </a:schemeClr>
                 </a:solidFill>
               </a:rPr>
-              <a:t>Ш</a:t>
-            </a:r>
-            <a:r>
-              <a:rPr lang="ru-RU" sz="2400" dirty="0" smtClean="0">
-                <a:solidFill>
-                  <a:schemeClr val="accent6">
-                    <a:lumMod val="60000"/>
-                    <a:lumOff val="40000"/>
-                  </a:schemeClr>
-                </a:solidFill>
-              </a:rPr>
-              <a:t>ифрование </a:t>
-            </a:r>
-            <a:r>
-              <a:rPr lang="ru-RU" sz="2400" dirty="0" smtClean="0">
-                <a:solidFill>
-                  <a:schemeClr val="accent6">
-                    <a:lumMod val="60000"/>
-                    <a:lumOff val="40000"/>
-                  </a:schemeClr>
-                </a:solidFill>
-              </a:rPr>
-              <a:t>данных</a:t>
+              <a:t>Шифрование данных</a:t>
             </a:r>
           </a:p>
           <a:p>
@@ -21142,18 +21076,7 @@
                   </a:schemeClr>
                 </a:solidFill>
               </a:rPr>
-              <a:t>А</a:t>
-            </a:r>
-            <a:r>
-              <a:rPr lang="ru-RU" sz="2400" dirty="0" smtClean="0">
-                <a:solidFill>
-                  <a:schemeClr val="accent6">
-                    <a:lumMod val="60000"/>
-                    <a:lumOff val="40000"/>
-                  </a:schemeClr>
-                </a:solidFill>
-              </a:rPr>
-              <a:t>втокоммит</a:t>
+              <a:t>Автокоммит</a:t>
             </a:r>
           </a:p>
           <a:p>
@@ -21410,14 +21333,6 @@
               </a:rPr>
               <a:t>требования</a:t>
             </a:r>
-            <a:endParaRPr lang="ru-RU" sz="4000" dirty="0">
-              <a:solidFill>
-                <a:schemeClr val="accent6">
-                  <a:lumMod val="60000"/>
-                  <a:lumOff val="40000"/>
-                </a:schemeClr>
-              </a:solidFill>
-            </a:endParaRPr>
           </a:p>
         </p:txBody>
       </p:sp>
@@ -22500,7 +22415,7 @@
                 <a:ea typeface="Roboto" panose="020B0604020202020204" charset="0"/>
                 <a:cs typeface="Roboto" panose="020B0604020202020204" charset="0"/>
               </a:rPr>
-              <a:t>checkout</a:t>
+              <a:t>rollback</a:t>
             </a:r>
             <a:r>
               <a:rPr lang="ru-RU" sz="1800" dirty="0" smtClean="0">
@@ -22853,8 +22768,71 @@
                 <a:ea typeface="Roboto" panose="020B0604020202020204" charset="0"/>
                 <a:cs typeface="Roboto" panose="020B0604020202020204" charset="0"/>
               </a:rPr>
-              <a:t>Выбор языка</a:t>
+              <a:t>Выбор </a:t>
             </a:r>
+            <a:r>
+              <a:rPr lang="ru-RU" sz="1800" dirty="0" smtClean="0">
+                <a:solidFill>
+                  <a:schemeClr val="tx1"/>
+                </a:solidFill>
+                <a:latin typeface="Roboto" panose="020B0604020202020204" charset="0"/>
+                <a:ea typeface="Roboto" panose="020B0604020202020204" charset="0"/>
+                <a:cs typeface="Roboto" panose="020B0604020202020204" charset="0"/>
+              </a:rPr>
+              <a:t>языка</a:t>
+            </a:r>
+            <a:r>
+              <a:rPr lang="en-US" sz="1800" dirty="0" smtClean="0">
+                <a:solidFill>
+                  <a:schemeClr val="tx1"/>
+                </a:solidFill>
+                <a:latin typeface="Roboto" panose="020B0604020202020204" charset="0"/>
+                <a:ea typeface="Roboto" panose="020B0604020202020204" charset="0"/>
+                <a:cs typeface="Roboto" panose="020B0604020202020204" charset="0"/>
+              </a:rPr>
+              <a:t> (</a:t>
+            </a:r>
+            <a:r>
+              <a:rPr lang="en-US" sz="1800" dirty="0" err="1" smtClean="0">
+                <a:solidFill>
+                  <a:schemeClr val="tx1"/>
+                </a:solidFill>
+                <a:latin typeface="Roboto" panose="020B0604020202020204" charset="0"/>
+                <a:ea typeface="Roboto" panose="020B0604020202020204" charset="0"/>
+                <a:cs typeface="Roboto" panose="020B0604020202020204" charset="0"/>
+              </a:rPr>
+              <a:t>vcs</a:t>
+            </a:r>
+            <a:r>
+              <a:rPr lang="en-US" sz="1800" dirty="0" smtClean="0">
+                <a:solidFill>
+                  <a:schemeClr val="tx1"/>
+                </a:solidFill>
+                <a:latin typeface="Roboto" panose="020B0604020202020204" charset="0"/>
+                <a:ea typeface="Roboto" panose="020B0604020202020204" charset="0"/>
+                <a:cs typeface="Roboto" panose="020B0604020202020204" charset="0"/>
+              </a:rPr>
+              <a:t> </a:t>
+            </a:r>
+            <a:r>
+              <a:rPr lang="en-US" sz="1800" smtClean="0">
+                <a:solidFill>
+                  <a:schemeClr val="tx1"/>
+                </a:solidFill>
+                <a:latin typeface="Roboto" panose="020B0604020202020204" charset="0"/>
+                <a:ea typeface="Roboto" panose="020B0604020202020204" charset="0"/>
+                <a:cs typeface="Roboto" panose="020B0604020202020204" charset="0"/>
+              </a:rPr>
+              <a:t>lang)</a:t>
+            </a:r>
+            <a:endParaRPr lang="ru-RU" sz="1800" dirty="0" smtClean="0">
+              <a:solidFill>
+                <a:schemeClr val="tx1"/>
+              </a:solidFill>
+              <a:latin typeface="Roboto" panose="020B0604020202020204" charset="0"/>
+              <a:ea typeface="Roboto" panose="020B0604020202020204" charset="0"/>
+              <a:cs typeface="Roboto" panose="020B0604020202020204" charset="0"/>
+            </a:endParaRPr>
           </a:p>
           <a:p>
             <a:pPr marL="285750" indent="-285750">
@@ -23422,11 +23400,6 @@
               </a:rPr>
               <a:t>Скорость и производительность</a:t>
             </a:r>
-            <a:endParaRPr lang="ru-RU" sz="2200" dirty="0">
-              <a:solidFill>
-                <a:schemeClr val="tx1"/>
-              </a:solidFill>
-            </a:endParaRPr>
           </a:p>
         </p:txBody>
       </p:sp>
@@ -23660,11 +23633,6 @@
               </a:rPr>
               <a:t>Надежность и отказоустойчивость</a:t>
             </a:r>
-            <a:endParaRPr lang="ru-RU" sz="2200" dirty="0">
-              <a:solidFill>
-                <a:schemeClr val="tx1"/>
-              </a:solidFill>
-            </a:endParaRPr>
           </a:p>
         </p:txBody>
       </p:sp>

--- a/docs/Презентация диплом.pptx
+++ b/docs/Презентация диплом.pptx
@@ -5,50 +5,54 @@
     <p:sldMasterId id="2147483668" r:id="rId1"/>
   </p:sldMasterIdLst>
   <p:notesMasterIdLst>
-    <p:notesMasterId r:id="rId15"/>
+    <p:notesMasterId r:id="rId16"/>
   </p:notesMasterIdLst>
+  <p:handoutMasterIdLst>
+    <p:handoutMasterId r:id="rId17"/>
+  </p:handoutMasterIdLst>
   <p:sldIdLst>
     <p:sldId id="256" r:id="rId2"/>
     <p:sldId id="269" r:id="rId3"/>
     <p:sldId id="261" r:id="rId4"/>
     <p:sldId id="299" r:id="rId5"/>
-    <p:sldId id="308" r:id="rId6"/>
-    <p:sldId id="302" r:id="rId7"/>
-    <p:sldId id="309" r:id="rId8"/>
-    <p:sldId id="304" r:id="rId9"/>
-    <p:sldId id="298" r:id="rId10"/>
+    <p:sldId id="311" r:id="rId6"/>
+    <p:sldId id="308" r:id="rId7"/>
+    <p:sldId id="304" r:id="rId8"/>
+    <p:sldId id="302" r:id="rId9"/>
+    <p:sldId id="309" r:id="rId10"/>
     <p:sldId id="306" r:id="rId11"/>
-    <p:sldId id="307" r:id="rId12"/>
-    <p:sldId id="301" r:id="rId13"/>
-    <p:sldId id="300" r:id="rId14"/>
+    <p:sldId id="298" r:id="rId12"/>
+    <p:sldId id="307" r:id="rId13"/>
+    <p:sldId id="301" r:id="rId14"/>
+    <p:sldId id="300" r:id="rId15"/>
   </p:sldIdLst>
   <p:sldSz cx="12192000" cy="6858000"/>
   <p:notesSz cx="6858000" cy="9144000"/>
   <p:embeddedFontLst>
     <p:embeddedFont>
       <p:font typeface="Calibri" panose="020F0502020204030204" pitchFamily="34" charset="0"/>
-      <p:regular r:id="rId16"/>
-      <p:bold r:id="rId17"/>
-      <p:italic r:id="rId18"/>
-      <p:boldItalic r:id="rId19"/>
+      <p:regular r:id="rId18"/>
+      <p:bold r:id="rId19"/>
+      <p:italic r:id="rId20"/>
+      <p:boldItalic r:id="rId21"/>
     </p:embeddedFont>
     <p:embeddedFont>
       <p:font typeface="Abril Fatface" panose="020B0604020202020204" charset="0"/>
-      <p:regular r:id="rId20"/>
+      <p:regular r:id="rId22"/>
     </p:embeddedFont>
     <p:embeddedFont>
       <p:font typeface="Roboto" panose="020B0604020202020204" charset="0"/>
-      <p:regular r:id="rId21"/>
-      <p:bold r:id="rId22"/>
-      <p:italic r:id="rId23"/>
-      <p:boldItalic r:id="rId24"/>
+      <p:regular r:id="rId23"/>
+      <p:bold r:id="rId24"/>
+      <p:italic r:id="rId25"/>
+      <p:boldItalic r:id="rId26"/>
     </p:embeddedFont>
     <p:embeddedFont>
       <p:font typeface="Roboto Mono" panose="020B0604020202020204" charset="0"/>
-      <p:regular r:id="rId25"/>
-      <p:bold r:id="rId26"/>
-      <p:italic r:id="rId27"/>
-      <p:boldItalic r:id="rId28"/>
+      <p:regular r:id="rId27"/>
+      <p:bold r:id="rId28"/>
+      <p:italic r:id="rId29"/>
+      <p:boldItalic r:id="rId30"/>
     </p:embeddedFont>
   </p:embeddedFontLst>
   <p:defaultTextStyle>
@@ -299,6 +303,172 @@
 </p:presentation>
 </file>
 
+<file path=ppt/handoutMasters/handoutMaster1.xml><?xml version="1.0" encoding="utf-8"?>
+<p:handoutMaster xmlns:a="http://schemas.openxmlformats.org/drawingml/2006/main" xmlns:r="http://schemas.openxmlformats.org/officeDocument/2006/relationships" xmlns:p="http://schemas.openxmlformats.org/presentationml/2006/main">
+  <p:cSld>
+    <p:bg>
+      <p:bgRef idx="1001">
+        <a:schemeClr val="bg1"/>
+      </p:bgRef>
+    </p:bg>
+    <p:spTree>
+      <p:nvGrpSpPr>
+        <p:cNvPr id="1" name=""/>
+        <p:cNvGrpSpPr/>
+        <p:nvPr/>
+      </p:nvGrpSpPr>
+      <p:grpSpPr>
+        <a:xfrm>
+          <a:off x="0" y="0"/>
+          <a:ext cx="0" cy="0"/>
+          <a:chOff x="0" y="0"/>
+          <a:chExt cx="0" cy="0"/>
+        </a:xfrm>
+      </p:grpSpPr>
+      <p:sp>
+        <p:nvSpPr>
+          <p:cNvPr id="2" name="Верхний колонтитул 1"/>
+          <p:cNvSpPr>
+            <a:spLocks noGrp="1"/>
+          </p:cNvSpPr>
+          <p:nvPr>
+            <p:ph type="hdr" sz="quarter"/>
+          </p:nvPr>
+        </p:nvSpPr>
+        <p:spPr>
+          <a:xfrm>
+            <a:off x="0" y="0"/>
+            <a:ext cx="2971800" cy="458788"/>
+          </a:xfrm>
+          <a:prstGeom prst="rect">
+            <a:avLst/>
+          </a:prstGeom>
+        </p:spPr>
+        <p:txBody>
+          <a:bodyPr vert="horz" lIns="91440" tIns="45720" rIns="91440" bIns="45720" rtlCol="0"/>
+          <a:lstStyle>
+            <a:lvl1pPr algn="l">
+              <a:defRPr sz="1200"/>
+            </a:lvl1pPr>
+          </a:lstStyle>
+          <a:p>
+            <a:endParaRPr lang="ru-RU"/>
+          </a:p>
+        </p:txBody>
+      </p:sp>
+      <p:sp>
+        <p:nvSpPr>
+          <p:cNvPr id="3" name="Дата 2"/>
+          <p:cNvSpPr>
+            <a:spLocks noGrp="1"/>
+          </p:cNvSpPr>
+          <p:nvPr>
+            <p:ph type="dt" sz="quarter" idx="1"/>
+          </p:nvPr>
+        </p:nvSpPr>
+        <p:spPr>
+          <a:xfrm>
+            <a:off x="3884613" y="0"/>
+            <a:ext cx="2971800" cy="458788"/>
+          </a:xfrm>
+          <a:prstGeom prst="rect">
+            <a:avLst/>
+          </a:prstGeom>
+        </p:spPr>
+        <p:txBody>
+          <a:bodyPr vert="horz" lIns="91440" tIns="45720" rIns="91440" bIns="45720" rtlCol="0"/>
+          <a:lstStyle>
+            <a:lvl1pPr algn="r">
+              <a:defRPr sz="1200"/>
+            </a:lvl1pPr>
+          </a:lstStyle>
+          <a:p>
+            <a:fld id="{2BD7265C-1BA8-4D75-9E43-960B942DDB64}" type="datetimeFigureOut">
+              <a:rPr lang="ru-RU" smtClean="0"/>
+              <a:t>24.04.2024</a:t>
+            </a:fld>
+            <a:endParaRPr lang="ru-RU"/>
+          </a:p>
+        </p:txBody>
+      </p:sp>
+      <p:sp>
+        <p:nvSpPr>
+          <p:cNvPr id="4" name="Нижний колонтитул 3"/>
+          <p:cNvSpPr>
+            <a:spLocks noGrp="1"/>
+          </p:cNvSpPr>
+          <p:nvPr>
+            <p:ph type="ftr" sz="quarter" idx="2"/>
+          </p:nvPr>
+        </p:nvSpPr>
+        <p:spPr>
+          <a:xfrm>
+            <a:off x="0" y="8685213"/>
+            <a:ext cx="2971800" cy="458787"/>
+          </a:xfrm>
+          <a:prstGeom prst="rect">
+            <a:avLst/>
+          </a:prstGeom>
+        </p:spPr>
+        <p:txBody>
+          <a:bodyPr vert="horz" lIns="91440" tIns="45720" rIns="91440" bIns="45720" rtlCol="0" anchor="b"/>
+          <a:lstStyle>
+            <a:lvl1pPr algn="l">
+              <a:defRPr sz="1200"/>
+            </a:lvl1pPr>
+          </a:lstStyle>
+          <a:p>
+            <a:endParaRPr lang="ru-RU"/>
+          </a:p>
+        </p:txBody>
+      </p:sp>
+      <p:sp>
+        <p:nvSpPr>
+          <p:cNvPr id="5" name="Номер слайда 4"/>
+          <p:cNvSpPr>
+            <a:spLocks noGrp="1"/>
+          </p:cNvSpPr>
+          <p:nvPr>
+            <p:ph type="sldNum" sz="quarter" idx="3"/>
+          </p:nvPr>
+        </p:nvSpPr>
+        <p:spPr>
+          <a:xfrm>
+            <a:off x="3884613" y="8685213"/>
+            <a:ext cx="2971800" cy="458787"/>
+          </a:xfrm>
+          <a:prstGeom prst="rect">
+            <a:avLst/>
+          </a:prstGeom>
+        </p:spPr>
+        <p:txBody>
+          <a:bodyPr vert="horz" lIns="91440" tIns="45720" rIns="91440" bIns="45720" rtlCol="0" anchor="b"/>
+          <a:lstStyle>
+            <a:lvl1pPr algn="r">
+              <a:defRPr sz="1200"/>
+            </a:lvl1pPr>
+          </a:lstStyle>
+          <a:p>
+            <a:fld id="{8A050820-3E2B-461A-87B0-CABD2AECFE68}" type="slidenum">
+              <a:rPr lang="ru-RU" smtClean="0"/>
+              <a:t>‹#›</a:t>
+            </a:fld>
+            <a:endParaRPr lang="ru-RU"/>
+          </a:p>
+        </p:txBody>
+      </p:sp>
+    </p:spTree>
+    <p:extLst>
+      <p:ext uri="{BB962C8B-B14F-4D97-AF65-F5344CB8AC3E}">
+        <p14:creationId xmlns:p14="http://schemas.microsoft.com/office/powerpoint/2010/main" val="1072919399"/>
+      </p:ext>
+    </p:extLst>
+  </p:cSld>
+  <p:clrMap bg1="lt1" tx1="dk1" bg2="lt2" tx2="dk2" accent1="accent1" accent2="accent2" accent3="accent3" accent4="accent4" accent5="accent5" accent6="accent6" hlink="hlink" folHlink="folHlink"/>
+  <p:hf hdr="0" ftr="0" dt="0"/>
+</p:handoutMaster>
+</file>
+
 <file path=ppt/notesMasters/notesMaster1.xml><?xml version="1.0" encoding="utf-8"?>
 <p:notesMaster xmlns:a="http://schemas.openxmlformats.org/drawingml/2006/main" xmlns:r="http://schemas.openxmlformats.org/officeDocument/2006/relationships" xmlns:p="http://schemas.openxmlformats.org/presentationml/2006/main">
   <p:cSld>
@@ -508,6 +678,7 @@
     </p:spTree>
   </p:cSld>
   <p:clrMap bg1="lt1" tx1="dk1" bg2="dk2" tx2="lt2" accent1="accent1" accent2="accent2" accent3="accent3" accent4="accent4" accent5="accent5" accent6="accent6" hlink="hlink" folHlink="folHlink"/>
+  <p:hf hdr="0" ftr="0" dt="0"/>
   <p:notesStyle>
     <a:defPPr marR="0" lvl="0" algn="l" rtl="0">
       <a:lnSpc>
@@ -1052,7 +1223,7 @@
     </p:spTree>
     <p:extLst>
       <p:ext uri="{BB962C8B-B14F-4D97-AF65-F5344CB8AC3E}">
-        <p14:creationId xmlns:p14="http://schemas.microsoft.com/office/powerpoint/2010/main" val="2292825842"/>
+        <p14:creationId xmlns:p14="http://schemas.microsoft.com/office/powerpoint/2010/main" val="3907829456"/>
       </p:ext>
     </p:extLst>
   </p:cSld>
@@ -1161,6 +1332,115 @@
     </p:spTree>
     <p:extLst>
       <p:ext uri="{BB962C8B-B14F-4D97-AF65-F5344CB8AC3E}">
+        <p14:creationId xmlns:p14="http://schemas.microsoft.com/office/powerpoint/2010/main" val="2292825842"/>
+      </p:ext>
+    </p:extLst>
+  </p:cSld>
+  <p:clrMapOvr>
+    <a:masterClrMapping/>
+  </p:clrMapOvr>
+</p:notes>
+</file>
+
+<file path=ppt/notesSlides/notesSlide13.xml><?xml version="1.0" encoding="utf-8"?>
+<p:notes xmlns:a="http://schemas.openxmlformats.org/drawingml/2006/main" xmlns:r="http://schemas.openxmlformats.org/officeDocument/2006/relationships" xmlns:p="http://schemas.openxmlformats.org/presentationml/2006/main" showMasterSp="0" showMasterPhAnim="0">
+  <p:cSld>
+    <p:spTree>
+      <p:nvGrpSpPr>
+        <p:cNvPr id="1" name="Shape 508"/>
+        <p:cNvGrpSpPr/>
+        <p:nvPr/>
+      </p:nvGrpSpPr>
+      <p:grpSpPr>
+        <a:xfrm>
+          <a:off x="0" y="0"/>
+          <a:ext cx="0" cy="0"/>
+          <a:chOff x="0" y="0"/>
+          <a:chExt cx="0" cy="0"/>
+        </a:xfrm>
+      </p:grpSpPr>
+      <p:sp>
+        <p:nvSpPr>
+          <p:cNvPr id="509" name="Google Shape;509;g111c3728c19_0_120:notes"/>
+          <p:cNvSpPr>
+            <a:spLocks noGrp="1" noRot="1" noChangeAspect="1"/>
+          </p:cNvSpPr>
+          <p:nvPr>
+            <p:ph type="sldImg" idx="2"/>
+          </p:nvPr>
+        </p:nvSpPr>
+        <p:spPr>
+          <a:xfrm>
+            <a:off x="381000" y="685800"/>
+            <a:ext cx="6096000" cy="3429000"/>
+          </a:xfrm>
+          <a:custGeom>
+            <a:avLst/>
+            <a:gdLst/>
+            <a:ahLst/>
+            <a:cxnLst/>
+            <a:rect l="l" t="t" r="r" b="b"/>
+            <a:pathLst>
+              <a:path w="120000" h="120000" extrusionOk="0">
+                <a:moveTo>
+                  <a:pt x="0" y="0"/>
+                </a:moveTo>
+                <a:lnTo>
+                  <a:pt x="120000" y="0"/>
+                </a:lnTo>
+                <a:lnTo>
+                  <a:pt x="120000" y="120000"/>
+                </a:lnTo>
+                <a:lnTo>
+                  <a:pt x="0" y="120000"/>
+                </a:lnTo>
+                <a:close/>
+              </a:path>
+            </a:pathLst>
+          </a:custGeom>
+        </p:spPr>
+      </p:sp>
+      <p:sp>
+        <p:nvSpPr>
+          <p:cNvPr id="510" name="Google Shape;510;g111c3728c19_0_120:notes"/>
+          <p:cNvSpPr txBox="1">
+            <a:spLocks noGrp="1"/>
+          </p:cNvSpPr>
+          <p:nvPr>
+            <p:ph type="body" idx="1"/>
+          </p:nvPr>
+        </p:nvSpPr>
+        <p:spPr>
+          <a:xfrm>
+            <a:off x="685800" y="4343400"/>
+            <a:ext cx="5486400" cy="4114800"/>
+          </a:xfrm>
+          <a:prstGeom prst="rect">
+            <a:avLst/>
+          </a:prstGeom>
+        </p:spPr>
+        <p:txBody>
+          <a:bodyPr spcFirstLastPara="1" wrap="square" lIns="91425" tIns="91425" rIns="91425" bIns="91425" anchor="t" anchorCtr="0">
+            <a:noAutofit/>
+          </a:bodyPr>
+          <a:lstStyle/>
+          <a:p>
+            <a:pPr marL="0" lvl="0" indent="0" algn="l" rtl="0">
+              <a:spcBef>
+                <a:spcPts val="0"/>
+              </a:spcBef>
+              <a:spcAft>
+                <a:spcPts val="0"/>
+              </a:spcAft>
+              <a:buNone/>
+            </a:pPr>
+            <a:endParaRPr/>
+          </a:p>
+        </p:txBody>
+      </p:sp>
+    </p:spTree>
+    <p:extLst>
+      <p:ext uri="{BB962C8B-B14F-4D97-AF65-F5344CB8AC3E}">
         <p14:creationId xmlns:p14="http://schemas.microsoft.com/office/powerpoint/2010/main" val="1529641332"/>
       </p:ext>
     </p:extLst>
@@ -1171,7 +1451,7 @@
 </p:notes>
 </file>
 
-<file path=ppt/notesSlides/notesSlide13.xml><?xml version="1.0" encoding="utf-8"?>
+<file path=ppt/notesSlides/notesSlide14.xml><?xml version="1.0" encoding="utf-8"?>
 <p:notes xmlns:a="http://schemas.openxmlformats.org/drawingml/2006/main" xmlns:r="http://schemas.openxmlformats.org/officeDocument/2006/relationships" xmlns:p="http://schemas.openxmlformats.org/presentationml/2006/main" showMasterSp="0" showMasterPhAnim="0">
   <p:cSld>
     <p:spTree>
@@ -1602,6 +1882,115 @@
   <p:cSld>
     <p:spTree>
       <p:nvGrpSpPr>
+        <p:cNvPr id="1" name="Shape 508"/>
+        <p:cNvGrpSpPr/>
+        <p:nvPr/>
+      </p:nvGrpSpPr>
+      <p:grpSpPr>
+        <a:xfrm>
+          <a:off x="0" y="0"/>
+          <a:ext cx="0" cy="0"/>
+          <a:chOff x="0" y="0"/>
+          <a:chExt cx="0" cy="0"/>
+        </a:xfrm>
+      </p:grpSpPr>
+      <p:sp>
+        <p:nvSpPr>
+          <p:cNvPr id="509" name="Google Shape;509;g111c3728c19_0_120:notes"/>
+          <p:cNvSpPr>
+            <a:spLocks noGrp="1" noRot="1" noChangeAspect="1"/>
+          </p:cNvSpPr>
+          <p:nvPr>
+            <p:ph type="sldImg" idx="2"/>
+          </p:nvPr>
+        </p:nvSpPr>
+        <p:spPr>
+          <a:xfrm>
+            <a:off x="381000" y="685800"/>
+            <a:ext cx="6096000" cy="3429000"/>
+          </a:xfrm>
+          <a:custGeom>
+            <a:avLst/>
+            <a:gdLst/>
+            <a:ahLst/>
+            <a:cxnLst/>
+            <a:rect l="l" t="t" r="r" b="b"/>
+            <a:pathLst>
+              <a:path w="120000" h="120000" extrusionOk="0">
+                <a:moveTo>
+                  <a:pt x="0" y="0"/>
+                </a:moveTo>
+                <a:lnTo>
+                  <a:pt x="120000" y="0"/>
+                </a:lnTo>
+                <a:lnTo>
+                  <a:pt x="120000" y="120000"/>
+                </a:lnTo>
+                <a:lnTo>
+                  <a:pt x="0" y="120000"/>
+                </a:lnTo>
+                <a:close/>
+              </a:path>
+            </a:pathLst>
+          </a:custGeom>
+        </p:spPr>
+      </p:sp>
+      <p:sp>
+        <p:nvSpPr>
+          <p:cNvPr id="510" name="Google Shape;510;g111c3728c19_0_120:notes"/>
+          <p:cNvSpPr txBox="1">
+            <a:spLocks noGrp="1"/>
+          </p:cNvSpPr>
+          <p:nvPr>
+            <p:ph type="body" idx="1"/>
+          </p:nvPr>
+        </p:nvSpPr>
+        <p:spPr>
+          <a:xfrm>
+            <a:off x="685800" y="4343400"/>
+            <a:ext cx="5486400" cy="4114800"/>
+          </a:xfrm>
+          <a:prstGeom prst="rect">
+            <a:avLst/>
+          </a:prstGeom>
+        </p:spPr>
+        <p:txBody>
+          <a:bodyPr spcFirstLastPara="1" wrap="square" lIns="91425" tIns="91425" rIns="91425" bIns="91425" anchor="t" anchorCtr="0">
+            <a:noAutofit/>
+          </a:bodyPr>
+          <a:lstStyle/>
+          <a:p>
+            <a:pPr marL="0" lvl="0" indent="0" algn="l" rtl="0">
+              <a:spcBef>
+                <a:spcPts val="0"/>
+              </a:spcBef>
+              <a:spcAft>
+                <a:spcPts val="0"/>
+              </a:spcAft>
+              <a:buNone/>
+            </a:pPr>
+            <a:endParaRPr/>
+          </a:p>
+        </p:txBody>
+      </p:sp>
+    </p:spTree>
+    <p:extLst>
+      <p:ext uri="{BB962C8B-B14F-4D97-AF65-F5344CB8AC3E}">
+        <p14:creationId xmlns:p14="http://schemas.microsoft.com/office/powerpoint/2010/main" val="3362728519"/>
+      </p:ext>
+    </p:extLst>
+  </p:cSld>
+  <p:clrMapOvr>
+    <a:masterClrMapping/>
+  </p:clrMapOvr>
+</p:notes>
+</file>
+
+<file path=ppt/notesSlides/notesSlide6.xml><?xml version="1.0" encoding="utf-8"?>
+<p:notes xmlns:a="http://schemas.openxmlformats.org/drawingml/2006/main" xmlns:r="http://schemas.openxmlformats.org/officeDocument/2006/relationships" xmlns:p="http://schemas.openxmlformats.org/presentationml/2006/main" showMasterSp="0" showMasterPhAnim="0">
+  <p:cSld>
+    <p:spTree>
+      <p:nvGrpSpPr>
         <p:cNvPr id="1" name="Shape 389"/>
         <p:cNvGrpSpPr/>
         <p:nvPr/>
@@ -1697,115 +2086,6 @@
     <p:extLst>
       <p:ext uri="{BB962C8B-B14F-4D97-AF65-F5344CB8AC3E}">
         <p14:creationId xmlns:p14="http://schemas.microsoft.com/office/powerpoint/2010/main" val="1410988944"/>
-      </p:ext>
-    </p:extLst>
-  </p:cSld>
-  <p:clrMapOvr>
-    <a:masterClrMapping/>
-  </p:clrMapOvr>
-</p:notes>
-</file>
-
-<file path=ppt/notesSlides/notesSlide6.xml><?xml version="1.0" encoding="utf-8"?>
-<p:notes xmlns:a="http://schemas.openxmlformats.org/drawingml/2006/main" xmlns:r="http://schemas.openxmlformats.org/officeDocument/2006/relationships" xmlns:p="http://schemas.openxmlformats.org/presentationml/2006/main" showMasterSp="0" showMasterPhAnim="0">
-  <p:cSld>
-    <p:spTree>
-      <p:nvGrpSpPr>
-        <p:cNvPr id="1" name="Shape 508"/>
-        <p:cNvGrpSpPr/>
-        <p:nvPr/>
-      </p:nvGrpSpPr>
-      <p:grpSpPr>
-        <a:xfrm>
-          <a:off x="0" y="0"/>
-          <a:ext cx="0" cy="0"/>
-          <a:chOff x="0" y="0"/>
-          <a:chExt cx="0" cy="0"/>
-        </a:xfrm>
-      </p:grpSpPr>
-      <p:sp>
-        <p:nvSpPr>
-          <p:cNvPr id="509" name="Google Shape;509;g111c3728c19_0_120:notes"/>
-          <p:cNvSpPr>
-            <a:spLocks noGrp="1" noRot="1" noChangeAspect="1"/>
-          </p:cNvSpPr>
-          <p:nvPr>
-            <p:ph type="sldImg" idx="2"/>
-          </p:nvPr>
-        </p:nvSpPr>
-        <p:spPr>
-          <a:xfrm>
-            <a:off x="381000" y="685800"/>
-            <a:ext cx="6096000" cy="3429000"/>
-          </a:xfrm>
-          <a:custGeom>
-            <a:avLst/>
-            <a:gdLst/>
-            <a:ahLst/>
-            <a:cxnLst/>
-            <a:rect l="l" t="t" r="r" b="b"/>
-            <a:pathLst>
-              <a:path w="120000" h="120000" extrusionOk="0">
-                <a:moveTo>
-                  <a:pt x="0" y="0"/>
-                </a:moveTo>
-                <a:lnTo>
-                  <a:pt x="120000" y="0"/>
-                </a:lnTo>
-                <a:lnTo>
-                  <a:pt x="120000" y="120000"/>
-                </a:lnTo>
-                <a:lnTo>
-                  <a:pt x="0" y="120000"/>
-                </a:lnTo>
-                <a:close/>
-              </a:path>
-            </a:pathLst>
-          </a:custGeom>
-        </p:spPr>
-      </p:sp>
-      <p:sp>
-        <p:nvSpPr>
-          <p:cNvPr id="510" name="Google Shape;510;g111c3728c19_0_120:notes"/>
-          <p:cNvSpPr txBox="1">
-            <a:spLocks noGrp="1"/>
-          </p:cNvSpPr>
-          <p:nvPr>
-            <p:ph type="body" idx="1"/>
-          </p:nvPr>
-        </p:nvSpPr>
-        <p:spPr>
-          <a:xfrm>
-            <a:off x="685800" y="4343400"/>
-            <a:ext cx="5486400" cy="4114800"/>
-          </a:xfrm>
-          <a:prstGeom prst="rect">
-            <a:avLst/>
-          </a:prstGeom>
-        </p:spPr>
-        <p:txBody>
-          <a:bodyPr spcFirstLastPara="1" wrap="square" lIns="91425" tIns="91425" rIns="91425" bIns="91425" anchor="t" anchorCtr="0">
-            <a:noAutofit/>
-          </a:bodyPr>
-          <a:lstStyle/>
-          <a:p>
-            <a:pPr marL="0" lvl="0" indent="0" algn="l" rtl="0">
-              <a:spcBef>
-                <a:spcPts val="0"/>
-              </a:spcBef>
-              <a:spcAft>
-                <a:spcPts val="0"/>
-              </a:spcAft>
-              <a:buNone/>
-            </a:pPr>
-            <a:endParaRPr/>
-          </a:p>
-        </p:txBody>
-      </p:sp>
-    </p:spTree>
-    <p:extLst>
-      <p:ext uri="{BB962C8B-B14F-4D97-AF65-F5344CB8AC3E}">
-        <p14:creationId xmlns:p14="http://schemas.microsoft.com/office/powerpoint/2010/main" val="4223640086"/>
       </p:ext>
     </p:extLst>
   </p:cSld>
@@ -1914,7 +2194,7 @@
     </p:spTree>
     <p:extLst>
       <p:ext uri="{BB962C8B-B14F-4D97-AF65-F5344CB8AC3E}">
-        <p14:creationId xmlns:p14="http://schemas.microsoft.com/office/powerpoint/2010/main" val="2003673587"/>
+        <p14:creationId xmlns:p14="http://schemas.microsoft.com/office/powerpoint/2010/main" val="3991111790"/>
       </p:ext>
     </p:extLst>
   </p:cSld>
@@ -2023,7 +2303,7 @@
     </p:spTree>
     <p:extLst>
       <p:ext uri="{BB962C8B-B14F-4D97-AF65-F5344CB8AC3E}">
-        <p14:creationId xmlns:p14="http://schemas.microsoft.com/office/powerpoint/2010/main" val="3991111790"/>
+        <p14:creationId xmlns:p14="http://schemas.microsoft.com/office/powerpoint/2010/main" val="4223640086"/>
       </p:ext>
     </p:extLst>
   </p:cSld>
@@ -2132,7 +2412,7 @@
     </p:spTree>
     <p:extLst>
       <p:ext uri="{BB962C8B-B14F-4D97-AF65-F5344CB8AC3E}">
-        <p14:creationId xmlns:p14="http://schemas.microsoft.com/office/powerpoint/2010/main" val="3907829456"/>
+        <p14:creationId xmlns:p14="http://schemas.microsoft.com/office/powerpoint/2010/main" val="2003673587"/>
       </p:ext>
     </p:extLst>
   </p:cSld>
@@ -3208,11 +3488,137 @@
           </a:p>
         </p:txBody>
       </p:sp>
+      <p:sp>
+        <p:nvSpPr>
+          <p:cNvPr id="23" name="Google Shape;8;p1"/>
+          <p:cNvSpPr txBox="1">
+            <a:spLocks noGrp="1"/>
+          </p:cNvSpPr>
+          <p:nvPr>
+            <p:ph type="sldNum" idx="12"/>
+          </p:nvPr>
+        </p:nvSpPr>
+        <p:spPr>
+          <a:xfrm>
+            <a:off x="11296610" y="6217622"/>
+            <a:ext cx="731700" cy="524700"/>
+          </a:xfrm>
+          <a:prstGeom prst="rect">
+            <a:avLst/>
+          </a:prstGeom>
+          <a:noFill/>
+          <a:ln>
+            <a:noFill/>
+          </a:ln>
+        </p:spPr>
+        <p:txBody>
+          <a:bodyPr spcFirstLastPara="1" wrap="square" lIns="121900" tIns="121900" rIns="121900" bIns="121900" anchor="ctr" anchorCtr="0">
+            <a:noAutofit/>
+          </a:bodyPr>
+          <a:lstStyle>
+            <a:lvl1pPr lvl="0" algn="r">
+              <a:buNone/>
+              <a:defRPr sz="1300">
+                <a:solidFill>
+                  <a:schemeClr val="dk2"/>
+                </a:solidFill>
+              </a:defRPr>
+            </a:lvl1pPr>
+            <a:lvl2pPr lvl="1" algn="r">
+              <a:buNone/>
+              <a:defRPr sz="1300">
+                <a:solidFill>
+                  <a:schemeClr val="dk2"/>
+                </a:solidFill>
+              </a:defRPr>
+            </a:lvl2pPr>
+            <a:lvl3pPr lvl="2" algn="r">
+              <a:buNone/>
+              <a:defRPr sz="1300">
+                <a:solidFill>
+                  <a:schemeClr val="dk2"/>
+                </a:solidFill>
+              </a:defRPr>
+            </a:lvl3pPr>
+            <a:lvl4pPr lvl="3" algn="r">
+              <a:buNone/>
+              <a:defRPr sz="1300">
+                <a:solidFill>
+                  <a:schemeClr val="dk2"/>
+                </a:solidFill>
+              </a:defRPr>
+            </a:lvl4pPr>
+            <a:lvl5pPr lvl="4" algn="r">
+              <a:buNone/>
+              <a:defRPr sz="1300">
+                <a:solidFill>
+                  <a:schemeClr val="dk2"/>
+                </a:solidFill>
+              </a:defRPr>
+            </a:lvl5pPr>
+            <a:lvl6pPr lvl="5" algn="r">
+              <a:buNone/>
+              <a:defRPr sz="1300">
+                <a:solidFill>
+                  <a:schemeClr val="dk2"/>
+                </a:solidFill>
+              </a:defRPr>
+            </a:lvl6pPr>
+            <a:lvl7pPr lvl="6" algn="r">
+              <a:buNone/>
+              <a:defRPr sz="1300">
+                <a:solidFill>
+                  <a:schemeClr val="dk2"/>
+                </a:solidFill>
+              </a:defRPr>
+            </a:lvl7pPr>
+            <a:lvl8pPr lvl="7" algn="r">
+              <a:buNone/>
+              <a:defRPr sz="1300">
+                <a:solidFill>
+                  <a:schemeClr val="dk2"/>
+                </a:solidFill>
+              </a:defRPr>
+            </a:lvl8pPr>
+            <a:lvl9pPr lvl="8" algn="r">
+              <a:buNone/>
+              <a:defRPr sz="1300">
+                <a:solidFill>
+                  <a:schemeClr val="dk2"/>
+                </a:solidFill>
+              </a:defRPr>
+            </a:lvl9pPr>
+          </a:lstStyle>
+          <a:p>
+            <a:pPr marL="0" lvl="0" indent="0" algn="r" rtl="0">
+              <a:spcBef>
+                <a:spcPts val="0"/>
+              </a:spcBef>
+              <a:spcAft>
+                <a:spcPts val="0"/>
+              </a:spcAft>
+              <a:buNone/>
+            </a:pPr>
+            <a:fld id="{00000000-1234-1234-1234-123412341234}" type="slidenum">
+              <a:rPr lang="en"/>
+              <a:t>‹#›</a:t>
+            </a:fld>
+            <a:endParaRPr dirty="0"/>
+          </a:p>
+        </p:txBody>
+      </p:sp>
     </p:spTree>
   </p:cSld>
   <p:clrMapOvr>
     <a:masterClrMapping/>
   </p:clrMapOvr>
+  <p:timing>
+    <p:tnLst>
+      <p:par>
+        <p:cTn id="1" dur="indefinite" restart="never" nodeType="tmRoot"/>
+      </p:par>
+    </p:tnLst>
+  </p:timing>
 </p:sldLayout>
 </file>
 
@@ -7331,11 +7737,137 @@
           </a:p>
         </p:txBody>
       </p:sp>
+      <p:sp>
+        <p:nvSpPr>
+          <p:cNvPr id="51" name="Google Shape;8;p1"/>
+          <p:cNvSpPr txBox="1">
+            <a:spLocks noGrp="1"/>
+          </p:cNvSpPr>
+          <p:nvPr>
+            <p:ph type="sldNum" idx="12"/>
+          </p:nvPr>
+        </p:nvSpPr>
+        <p:spPr>
+          <a:xfrm>
+            <a:off x="11296610" y="6217622"/>
+            <a:ext cx="731700" cy="524700"/>
+          </a:xfrm>
+          <a:prstGeom prst="rect">
+            <a:avLst/>
+          </a:prstGeom>
+          <a:noFill/>
+          <a:ln>
+            <a:noFill/>
+          </a:ln>
+        </p:spPr>
+        <p:txBody>
+          <a:bodyPr spcFirstLastPara="1" wrap="square" lIns="121900" tIns="121900" rIns="121900" bIns="121900" anchor="ctr" anchorCtr="0">
+            <a:noAutofit/>
+          </a:bodyPr>
+          <a:lstStyle>
+            <a:lvl1pPr lvl="0" algn="r">
+              <a:buNone/>
+              <a:defRPr sz="1300">
+                <a:solidFill>
+                  <a:schemeClr val="dk2"/>
+                </a:solidFill>
+              </a:defRPr>
+            </a:lvl1pPr>
+            <a:lvl2pPr lvl="1" algn="r">
+              <a:buNone/>
+              <a:defRPr sz="1300">
+                <a:solidFill>
+                  <a:schemeClr val="dk2"/>
+                </a:solidFill>
+              </a:defRPr>
+            </a:lvl2pPr>
+            <a:lvl3pPr lvl="2" algn="r">
+              <a:buNone/>
+              <a:defRPr sz="1300">
+                <a:solidFill>
+                  <a:schemeClr val="dk2"/>
+                </a:solidFill>
+              </a:defRPr>
+            </a:lvl3pPr>
+            <a:lvl4pPr lvl="3" algn="r">
+              <a:buNone/>
+              <a:defRPr sz="1300">
+                <a:solidFill>
+                  <a:schemeClr val="dk2"/>
+                </a:solidFill>
+              </a:defRPr>
+            </a:lvl4pPr>
+            <a:lvl5pPr lvl="4" algn="r">
+              <a:buNone/>
+              <a:defRPr sz="1300">
+                <a:solidFill>
+                  <a:schemeClr val="dk2"/>
+                </a:solidFill>
+              </a:defRPr>
+            </a:lvl5pPr>
+            <a:lvl6pPr lvl="5" algn="r">
+              <a:buNone/>
+              <a:defRPr sz="1300">
+                <a:solidFill>
+                  <a:schemeClr val="dk2"/>
+                </a:solidFill>
+              </a:defRPr>
+            </a:lvl6pPr>
+            <a:lvl7pPr lvl="6" algn="r">
+              <a:buNone/>
+              <a:defRPr sz="1300">
+                <a:solidFill>
+                  <a:schemeClr val="dk2"/>
+                </a:solidFill>
+              </a:defRPr>
+            </a:lvl7pPr>
+            <a:lvl8pPr lvl="7" algn="r">
+              <a:buNone/>
+              <a:defRPr sz="1300">
+                <a:solidFill>
+                  <a:schemeClr val="dk2"/>
+                </a:solidFill>
+              </a:defRPr>
+            </a:lvl8pPr>
+            <a:lvl9pPr lvl="8" algn="r">
+              <a:buNone/>
+              <a:defRPr sz="1300">
+                <a:solidFill>
+                  <a:schemeClr val="dk2"/>
+                </a:solidFill>
+              </a:defRPr>
+            </a:lvl9pPr>
+          </a:lstStyle>
+          <a:p>
+            <a:pPr marL="0" lvl="0" indent="0" algn="r" rtl="0">
+              <a:spcBef>
+                <a:spcPts val="0"/>
+              </a:spcBef>
+              <a:spcAft>
+                <a:spcPts val="0"/>
+              </a:spcAft>
+              <a:buNone/>
+            </a:pPr>
+            <a:fld id="{00000000-1234-1234-1234-123412341234}" type="slidenum">
+              <a:rPr lang="en"/>
+              <a:t>‹#›</a:t>
+            </a:fld>
+            <a:endParaRPr dirty="0"/>
+          </a:p>
+        </p:txBody>
+      </p:sp>
     </p:spTree>
   </p:cSld>
   <p:clrMapOvr>
     <a:masterClrMapping/>
   </p:clrMapOvr>
+  <p:timing>
+    <p:tnLst>
+      <p:par>
+        <p:cTn id="1" dur="indefinite" restart="never" nodeType="tmRoot"/>
+      </p:par>
+    </p:tnLst>
+  </p:timing>
 </p:sldLayout>
 </file>
 
@@ -8278,11 +8810,137 @@
           </a:p>
         </p:txBody>
       </p:sp>
+      <p:sp>
+        <p:nvSpPr>
+          <p:cNvPr id="15" name="Google Shape;8;p1"/>
+          <p:cNvSpPr txBox="1">
+            <a:spLocks noGrp="1"/>
+          </p:cNvSpPr>
+          <p:nvPr>
+            <p:ph type="sldNum" idx="12"/>
+          </p:nvPr>
+        </p:nvSpPr>
+        <p:spPr>
+          <a:xfrm>
+            <a:off x="11296610" y="6217622"/>
+            <a:ext cx="731700" cy="524700"/>
+          </a:xfrm>
+          <a:prstGeom prst="rect">
+            <a:avLst/>
+          </a:prstGeom>
+          <a:noFill/>
+          <a:ln>
+            <a:noFill/>
+          </a:ln>
+        </p:spPr>
+        <p:txBody>
+          <a:bodyPr spcFirstLastPara="1" wrap="square" lIns="121900" tIns="121900" rIns="121900" bIns="121900" anchor="ctr" anchorCtr="0">
+            <a:noAutofit/>
+          </a:bodyPr>
+          <a:lstStyle>
+            <a:lvl1pPr lvl="0" algn="r">
+              <a:buNone/>
+              <a:defRPr sz="1300">
+                <a:solidFill>
+                  <a:schemeClr val="dk2"/>
+                </a:solidFill>
+              </a:defRPr>
+            </a:lvl1pPr>
+            <a:lvl2pPr lvl="1" algn="r">
+              <a:buNone/>
+              <a:defRPr sz="1300">
+                <a:solidFill>
+                  <a:schemeClr val="dk2"/>
+                </a:solidFill>
+              </a:defRPr>
+            </a:lvl2pPr>
+            <a:lvl3pPr lvl="2" algn="r">
+              <a:buNone/>
+              <a:defRPr sz="1300">
+                <a:solidFill>
+                  <a:schemeClr val="dk2"/>
+                </a:solidFill>
+              </a:defRPr>
+            </a:lvl3pPr>
+            <a:lvl4pPr lvl="3" algn="r">
+              <a:buNone/>
+              <a:defRPr sz="1300">
+                <a:solidFill>
+                  <a:schemeClr val="dk2"/>
+                </a:solidFill>
+              </a:defRPr>
+            </a:lvl4pPr>
+            <a:lvl5pPr lvl="4" algn="r">
+              <a:buNone/>
+              <a:defRPr sz="1300">
+                <a:solidFill>
+                  <a:schemeClr val="dk2"/>
+                </a:solidFill>
+              </a:defRPr>
+            </a:lvl5pPr>
+            <a:lvl6pPr lvl="5" algn="r">
+              <a:buNone/>
+              <a:defRPr sz="1300">
+                <a:solidFill>
+                  <a:schemeClr val="dk2"/>
+                </a:solidFill>
+              </a:defRPr>
+            </a:lvl6pPr>
+            <a:lvl7pPr lvl="6" algn="r">
+              <a:buNone/>
+              <a:defRPr sz="1300">
+                <a:solidFill>
+                  <a:schemeClr val="dk2"/>
+                </a:solidFill>
+              </a:defRPr>
+            </a:lvl7pPr>
+            <a:lvl8pPr lvl="7" algn="r">
+              <a:buNone/>
+              <a:defRPr sz="1300">
+                <a:solidFill>
+                  <a:schemeClr val="dk2"/>
+                </a:solidFill>
+              </a:defRPr>
+            </a:lvl8pPr>
+            <a:lvl9pPr lvl="8" algn="r">
+              <a:buNone/>
+              <a:defRPr sz="1300">
+                <a:solidFill>
+                  <a:schemeClr val="dk2"/>
+                </a:solidFill>
+              </a:defRPr>
+            </a:lvl9pPr>
+          </a:lstStyle>
+          <a:p>
+            <a:pPr marL="0" lvl="0" indent="0" algn="r" rtl="0">
+              <a:spcBef>
+                <a:spcPts val="0"/>
+              </a:spcBef>
+              <a:spcAft>
+                <a:spcPts val="0"/>
+              </a:spcAft>
+              <a:buNone/>
+            </a:pPr>
+            <a:fld id="{00000000-1234-1234-1234-123412341234}" type="slidenum">
+              <a:rPr lang="en"/>
+              <a:t>‹#›</a:t>
+            </a:fld>
+            <a:endParaRPr dirty="0"/>
+          </a:p>
+        </p:txBody>
+      </p:sp>
     </p:spTree>
   </p:cSld>
   <p:clrMapOvr>
     <a:masterClrMapping/>
   </p:clrMapOvr>
+  <p:timing>
+    <p:tnLst>
+      <p:par>
+        <p:cTn id="1" dur="indefinite" restart="never" nodeType="tmRoot"/>
+      </p:par>
+    </p:tnLst>
+  </p:timing>
 </p:sldLayout>
 </file>
 
@@ -9301,11 +9959,137 @@
           </a:p>
         </p:txBody>
       </p:sp>
+      <p:sp>
+        <p:nvSpPr>
+          <p:cNvPr id="16" name="Google Shape;8;p1"/>
+          <p:cNvSpPr txBox="1">
+            <a:spLocks noGrp="1"/>
+          </p:cNvSpPr>
+          <p:nvPr>
+            <p:ph type="sldNum" idx="12"/>
+          </p:nvPr>
+        </p:nvSpPr>
+        <p:spPr>
+          <a:xfrm>
+            <a:off x="11296610" y="6217622"/>
+            <a:ext cx="731700" cy="524700"/>
+          </a:xfrm>
+          <a:prstGeom prst="rect">
+            <a:avLst/>
+          </a:prstGeom>
+          <a:noFill/>
+          <a:ln>
+            <a:noFill/>
+          </a:ln>
+        </p:spPr>
+        <p:txBody>
+          <a:bodyPr spcFirstLastPara="1" wrap="square" lIns="121900" tIns="121900" rIns="121900" bIns="121900" anchor="ctr" anchorCtr="0">
+            <a:noAutofit/>
+          </a:bodyPr>
+          <a:lstStyle>
+            <a:lvl1pPr lvl="0" algn="r">
+              <a:buNone/>
+              <a:defRPr sz="1300">
+                <a:solidFill>
+                  <a:schemeClr val="dk2"/>
+                </a:solidFill>
+              </a:defRPr>
+            </a:lvl1pPr>
+            <a:lvl2pPr lvl="1" algn="r">
+              <a:buNone/>
+              <a:defRPr sz="1300">
+                <a:solidFill>
+                  <a:schemeClr val="dk2"/>
+                </a:solidFill>
+              </a:defRPr>
+            </a:lvl2pPr>
+            <a:lvl3pPr lvl="2" algn="r">
+              <a:buNone/>
+              <a:defRPr sz="1300">
+                <a:solidFill>
+                  <a:schemeClr val="dk2"/>
+                </a:solidFill>
+              </a:defRPr>
+            </a:lvl3pPr>
+            <a:lvl4pPr lvl="3" algn="r">
+              <a:buNone/>
+              <a:defRPr sz="1300">
+                <a:solidFill>
+                  <a:schemeClr val="dk2"/>
+                </a:solidFill>
+              </a:defRPr>
+            </a:lvl4pPr>
+            <a:lvl5pPr lvl="4" algn="r">
+              <a:buNone/>
+              <a:defRPr sz="1300">
+                <a:solidFill>
+                  <a:schemeClr val="dk2"/>
+                </a:solidFill>
+              </a:defRPr>
+            </a:lvl5pPr>
+            <a:lvl6pPr lvl="5" algn="r">
+              <a:buNone/>
+              <a:defRPr sz="1300">
+                <a:solidFill>
+                  <a:schemeClr val="dk2"/>
+                </a:solidFill>
+              </a:defRPr>
+            </a:lvl6pPr>
+            <a:lvl7pPr lvl="6" algn="r">
+              <a:buNone/>
+              <a:defRPr sz="1300">
+                <a:solidFill>
+                  <a:schemeClr val="dk2"/>
+                </a:solidFill>
+              </a:defRPr>
+            </a:lvl7pPr>
+            <a:lvl8pPr lvl="7" algn="r">
+              <a:buNone/>
+              <a:defRPr sz="1300">
+                <a:solidFill>
+                  <a:schemeClr val="dk2"/>
+                </a:solidFill>
+              </a:defRPr>
+            </a:lvl8pPr>
+            <a:lvl9pPr lvl="8" algn="r">
+              <a:buNone/>
+              <a:defRPr sz="1300">
+                <a:solidFill>
+                  <a:schemeClr val="dk2"/>
+                </a:solidFill>
+              </a:defRPr>
+            </a:lvl9pPr>
+          </a:lstStyle>
+          <a:p>
+            <a:pPr marL="0" lvl="0" indent="0" algn="r" rtl="0">
+              <a:spcBef>
+                <a:spcPts val="0"/>
+              </a:spcBef>
+              <a:spcAft>
+                <a:spcPts val="0"/>
+              </a:spcAft>
+              <a:buNone/>
+            </a:pPr>
+            <a:fld id="{00000000-1234-1234-1234-123412341234}" type="slidenum">
+              <a:rPr lang="en"/>
+              <a:t>‹#›</a:t>
+            </a:fld>
+            <a:endParaRPr dirty="0"/>
+          </a:p>
+        </p:txBody>
+      </p:sp>
     </p:spTree>
   </p:cSld>
   <p:clrMapOvr>
     <a:masterClrMapping/>
   </p:clrMapOvr>
+  <p:timing>
+    <p:tnLst>
+      <p:par>
+        <p:cTn id="1" dur="indefinite" restart="never" nodeType="tmRoot"/>
+      </p:par>
+    </p:tnLst>
+  </p:timing>
 </p:sldLayout>
 </file>
 
@@ -9584,6 +10368,125 @@
           </a:p>
         </p:txBody>
       </p:sp>
+      <p:sp>
+        <p:nvSpPr>
+          <p:cNvPr id="4" name="Google Shape;8;p1"/>
+          <p:cNvSpPr txBox="1">
+            <a:spLocks noGrp="1"/>
+          </p:cNvSpPr>
+          <p:nvPr>
+            <p:ph type="sldNum" idx="12"/>
+          </p:nvPr>
+        </p:nvSpPr>
+        <p:spPr>
+          <a:xfrm>
+            <a:off x="11296610" y="6217622"/>
+            <a:ext cx="731700" cy="524700"/>
+          </a:xfrm>
+          <a:prstGeom prst="rect">
+            <a:avLst/>
+          </a:prstGeom>
+          <a:noFill/>
+          <a:ln>
+            <a:noFill/>
+          </a:ln>
+        </p:spPr>
+        <p:txBody>
+          <a:bodyPr spcFirstLastPara="1" wrap="square" lIns="121900" tIns="121900" rIns="121900" bIns="121900" anchor="ctr" anchorCtr="0">
+            <a:noAutofit/>
+          </a:bodyPr>
+          <a:lstStyle>
+            <a:lvl1pPr lvl="0" algn="r">
+              <a:buNone/>
+              <a:defRPr sz="1300">
+                <a:solidFill>
+                  <a:schemeClr val="dk2"/>
+                </a:solidFill>
+              </a:defRPr>
+            </a:lvl1pPr>
+            <a:lvl2pPr lvl="1" algn="r">
+              <a:buNone/>
+              <a:defRPr sz="1300">
+                <a:solidFill>
+                  <a:schemeClr val="dk2"/>
+                </a:solidFill>
+              </a:defRPr>
+            </a:lvl2pPr>
+            <a:lvl3pPr lvl="2" algn="r">
+              <a:buNone/>
+              <a:defRPr sz="1300">
+                <a:solidFill>
+                  <a:schemeClr val="dk2"/>
+                </a:solidFill>
+              </a:defRPr>
+            </a:lvl3pPr>
+            <a:lvl4pPr lvl="3" algn="r">
+              <a:buNone/>
+              <a:defRPr sz="1300">
+                <a:solidFill>
+                  <a:schemeClr val="dk2"/>
+                </a:solidFill>
+              </a:defRPr>
+            </a:lvl4pPr>
+            <a:lvl5pPr lvl="4" algn="r">
+              <a:buNone/>
+              <a:defRPr sz="1300">
+                <a:solidFill>
+                  <a:schemeClr val="dk2"/>
+                </a:solidFill>
+              </a:defRPr>
+            </a:lvl5pPr>
+            <a:lvl6pPr lvl="5" algn="r">
+              <a:buNone/>
+              <a:defRPr sz="1300">
+                <a:solidFill>
+                  <a:schemeClr val="dk2"/>
+                </a:solidFill>
+              </a:defRPr>
+            </a:lvl6pPr>
+            <a:lvl7pPr lvl="6" algn="r">
+              <a:buNone/>
+              <a:defRPr sz="1300">
+                <a:solidFill>
+                  <a:schemeClr val="dk2"/>
+                </a:solidFill>
+              </a:defRPr>
+            </a:lvl7pPr>
+            <a:lvl8pPr lvl="7" algn="r">
+              <a:buNone/>
+              <a:defRPr sz="1300">
+                <a:solidFill>
+                  <a:schemeClr val="dk2"/>
+                </a:solidFill>
+              </a:defRPr>
+            </a:lvl8pPr>
+            <a:lvl9pPr lvl="8" algn="r">
+              <a:buNone/>
+              <a:defRPr sz="1300">
+                <a:solidFill>
+                  <a:schemeClr val="dk2"/>
+                </a:solidFill>
+              </a:defRPr>
+            </a:lvl9pPr>
+          </a:lstStyle>
+          <a:p>
+            <a:pPr marL="0" lvl="0" indent="0" algn="r" rtl="0">
+              <a:spcBef>
+                <a:spcPts val="0"/>
+              </a:spcBef>
+              <a:spcAft>
+                <a:spcPts val="0"/>
+              </a:spcAft>
+              <a:buNone/>
+            </a:pPr>
+            <a:fld id="{00000000-1234-1234-1234-123412341234}" type="slidenum">
+              <a:rPr lang="en"/>
+              <a:t>‹#›</a:t>
+            </a:fld>
+            <a:endParaRPr dirty="0"/>
+          </a:p>
+        </p:txBody>
+      </p:sp>
     </p:spTree>
     <p:extLst>
       <p:ext uri="{BB962C8B-B14F-4D97-AF65-F5344CB8AC3E}">
@@ -9594,6 +10497,13 @@
   <p:clrMapOvr>
     <a:masterClrMapping/>
   </p:clrMapOvr>
+  <p:timing>
+    <p:tnLst>
+      <p:par>
+        <p:cTn id="1" dur="indefinite" restart="never" nodeType="tmRoot"/>
+      </p:par>
+    </p:tnLst>
+  </p:timing>
 </p:sldLayout>
 </file>
 
@@ -10273,7 +11183,7 @@
               <a:rPr lang="en"/>
               <a:t>‹#›</a:t>
             </a:fld>
-            <a:endParaRPr/>
+            <a:endParaRPr dirty="0"/>
           </a:p>
         </p:txBody>
       </p:sp>
@@ -17238,7 +18148,14 @@
     <p:sldLayoutId id="2147483666" r:id="rId4"/>
     <p:sldLayoutId id="2147483669" r:id="rId5"/>
   </p:sldLayoutIdLst>
-  <p:hf sldNum="0" hdr="0" ftr="0" dt="0"/>
+  <p:timing>
+    <p:tnLst>
+      <p:par>
+        <p:cTn id="1" dur="indefinite" restart="never" nodeType="tmRoot"/>
+      </p:par>
+    </p:tnLst>
+  </p:timing>
+  <p:hf hdr="0" ftr="0" dt="0"/>
   <p:txStyles>
     <p:titleStyle>
       <a:defPPr marR="0" lvl="0" algn="l" rtl="0">
@@ -18176,6 +19093,13 @@
   <p:clrMapOvr>
     <a:masterClrMapping/>
   </p:clrMapOvr>
+  <p:timing>
+    <p:tnLst>
+      <p:par>
+        <p:cTn id="1" dur="indefinite" restart="never" nodeType="tmRoot"/>
+      </p:par>
+    </p:tnLst>
+  </p:timing>
 </p:sld>
 </file>
 
@@ -18277,6 +19201,57 @@
           </a:prstGeom>
         </p:spPr>
       </p:pic>
+      <p:sp>
+        <p:nvSpPr>
+          <p:cNvPr id="4" name="TextBox 3"/>
+          <p:cNvSpPr txBox="1"/>
+          <p:nvPr/>
+        </p:nvSpPr>
+        <p:spPr>
+          <a:xfrm>
+            <a:off x="11342254" y="6193035"/>
+            <a:ext cx="775855" cy="461665"/>
+          </a:xfrm>
+          <a:prstGeom prst="rect">
+            <a:avLst/>
+          </a:prstGeom>
+          <a:noFill/>
+        </p:spPr>
+        <p:txBody>
+          <a:bodyPr wrap="square" rtlCol="0">
+            <a:spAutoFit/>
+          </a:bodyPr>
+          <a:lstStyle/>
+          <a:p>
+            <a:pPr algn="ctr"/>
+            <a:fld id="{34074BCA-7F77-4C69-83B9-16E6B9590AD4}" type="slidenum">
+              <a:rPr lang="ru-RU" sz="2400" smtClean="0">
+                <a:solidFill>
+                  <a:schemeClr val="accent6">
+                    <a:lumMod val="60000"/>
+                    <a:lumOff val="40000"/>
+                  </a:schemeClr>
+                </a:solidFill>
+                <a:latin typeface="Roboto" panose="020B0604020202020204" charset="0"/>
+                <a:ea typeface="Roboto" panose="020B0604020202020204" charset="0"/>
+                <a:cs typeface="Roboto" panose="020B0604020202020204" charset="0"/>
+              </a:rPr>
+              <a:t>10</a:t>
+            </a:fld>
+            <a:endParaRPr lang="ru-RU" sz="2400" dirty="0">
+              <a:solidFill>
+                <a:schemeClr val="accent6">
+                  <a:lumMod val="60000"/>
+                  <a:lumOff val="40000"/>
+                </a:schemeClr>
+              </a:solidFill>
+              <a:latin typeface="Roboto" panose="020B0604020202020204" charset="0"/>
+              <a:ea typeface="Roboto" panose="020B0604020202020204" charset="0"/>
+              <a:cs typeface="Roboto" panose="020B0604020202020204" charset="0"/>
+            </a:endParaRPr>
+          </a:p>
+        </p:txBody>
+      </p:sp>
     </p:spTree>
     <p:extLst>
       <p:ext uri="{BB962C8B-B14F-4D97-AF65-F5344CB8AC3E}">
@@ -18287,10 +19262,429 @@
   <p:clrMapOvr>
     <a:masterClrMapping/>
   </p:clrMapOvr>
+  <p:timing>
+    <p:tnLst>
+      <p:par>
+        <p:cTn id="1" dur="indefinite" restart="never" nodeType="tmRoot"/>
+      </p:par>
+    </p:tnLst>
+  </p:timing>
 </p:sld>
 </file>
 
 <file path=ppt/slides/slide11.xml><?xml version="1.0" encoding="utf-8"?>
+<p:sld xmlns:a="http://schemas.openxmlformats.org/drawingml/2006/main" xmlns:r="http://schemas.openxmlformats.org/officeDocument/2006/relationships" xmlns:p="http://schemas.openxmlformats.org/presentationml/2006/main">
+  <p:cSld>
+    <p:spTree>
+      <p:nvGrpSpPr>
+        <p:cNvPr id="1" name="Shape 511"/>
+        <p:cNvGrpSpPr/>
+        <p:nvPr/>
+      </p:nvGrpSpPr>
+      <p:grpSpPr>
+        <a:xfrm>
+          <a:off x="0" y="0"/>
+          <a:ext cx="0" cy="0"/>
+          <a:chOff x="0" y="0"/>
+          <a:chExt cx="0" cy="0"/>
+        </a:xfrm>
+      </p:grpSpPr>
+      <p:sp>
+        <p:nvSpPr>
+          <p:cNvPr id="512" name="Google Shape;512;p35"/>
+          <p:cNvSpPr/>
+          <p:nvPr/>
+        </p:nvSpPr>
+        <p:spPr>
+          <a:xfrm>
+            <a:off x="5950036" y="797130"/>
+            <a:ext cx="5662500" cy="5297400"/>
+          </a:xfrm>
+          <a:prstGeom prst="roundRect">
+            <a:avLst>
+              <a:gd name="adj" fmla="val 3539"/>
+            </a:avLst>
+          </a:prstGeom>
+          <a:solidFill>
+            <a:schemeClr val="lt2"/>
+          </a:solidFill>
+          <a:ln>
+            <a:noFill/>
+          </a:ln>
+          <a:effectLst>
+            <a:outerShdw blurRad="63500" sx="102000" sy="102000" algn="ctr" rotWithShape="0">
+              <a:srgbClr val="000000">
+                <a:alpha val="9800"/>
+              </a:srgbClr>
+            </a:outerShdw>
+          </a:effectLst>
+        </p:spPr>
+        <p:txBody>
+          <a:bodyPr spcFirstLastPara="1" wrap="square" lIns="91425" tIns="45700" rIns="91425" bIns="45700" anchor="ctr" anchorCtr="0">
+            <a:noAutofit/>
+          </a:bodyPr>
+          <a:lstStyle/>
+          <a:p>
+            <a:pPr marL="0" marR="0" lvl="0" indent="0" algn="ctr" rtl="0">
+              <a:spcBef>
+                <a:spcPts val="0"/>
+              </a:spcBef>
+              <a:spcAft>
+                <a:spcPts val="0"/>
+              </a:spcAft>
+              <a:buNone/>
+            </a:pPr>
+            <a:endParaRPr sz="1800" b="0" i="0" u="none" strike="noStrike" cap="none">
+              <a:solidFill>
+                <a:srgbClr val="FFFFFF"/>
+              </a:solidFill>
+              <a:latin typeface="Calibri"/>
+              <a:ea typeface="Calibri"/>
+              <a:cs typeface="Calibri"/>
+              <a:sym typeface="Calibri"/>
+            </a:endParaRPr>
+          </a:p>
+        </p:txBody>
+      </p:sp>
+      <p:grpSp>
+        <p:nvGrpSpPr>
+          <p:cNvPr id="520" name="Google Shape;520;p35"/>
+          <p:cNvGrpSpPr/>
+          <p:nvPr/>
+        </p:nvGrpSpPr>
+        <p:grpSpPr>
+          <a:xfrm>
+            <a:off x="6162591" y="900084"/>
+            <a:ext cx="635280" cy="147600"/>
+            <a:chOff x="2147366" y="4139382"/>
+            <a:chExt cx="635280" cy="147600"/>
+          </a:xfrm>
+        </p:grpSpPr>
+        <p:sp>
+          <p:nvSpPr>
+            <p:cNvPr id="521" name="Google Shape;521;p35"/>
+            <p:cNvSpPr/>
+            <p:nvPr/>
+          </p:nvSpPr>
+          <p:spPr>
+            <a:xfrm>
+              <a:off x="2147366" y="4139382"/>
+              <a:ext cx="147600" cy="147600"/>
+            </a:xfrm>
+            <a:prstGeom prst="ellipse">
+              <a:avLst/>
+            </a:prstGeom>
+            <a:solidFill>
+              <a:schemeClr val="accent4"/>
+            </a:solidFill>
+            <a:ln>
+              <a:noFill/>
+            </a:ln>
+          </p:spPr>
+          <p:txBody>
+            <a:bodyPr spcFirstLastPara="1" wrap="square" lIns="91425" tIns="45700" rIns="91425" bIns="45700" anchor="ctr" anchorCtr="0">
+              <a:noAutofit/>
+            </a:bodyPr>
+            <a:lstStyle/>
+            <a:p>
+              <a:pPr marL="0" marR="0" lvl="0" indent="0" algn="ctr" rtl="0">
+                <a:spcBef>
+                  <a:spcPts val="0"/>
+                </a:spcBef>
+                <a:spcAft>
+                  <a:spcPts val="0"/>
+                </a:spcAft>
+                <a:buNone/>
+              </a:pPr>
+              <a:endParaRPr sz="1800" b="0" i="0" u="none" strike="noStrike" cap="none">
+                <a:solidFill>
+                  <a:srgbClr val="FFFFFF"/>
+                </a:solidFill>
+                <a:latin typeface="Calibri"/>
+                <a:ea typeface="Calibri"/>
+                <a:cs typeface="Calibri"/>
+                <a:sym typeface="Calibri"/>
+              </a:endParaRPr>
+            </a:p>
+          </p:txBody>
+        </p:sp>
+        <p:sp>
+          <p:nvSpPr>
+            <p:cNvPr id="522" name="Google Shape;522;p35"/>
+            <p:cNvSpPr/>
+            <p:nvPr/>
+          </p:nvSpPr>
+          <p:spPr>
+            <a:xfrm>
+              <a:off x="2391206" y="4139382"/>
+              <a:ext cx="147600" cy="147600"/>
+            </a:xfrm>
+            <a:prstGeom prst="ellipse">
+              <a:avLst/>
+            </a:prstGeom>
+            <a:solidFill>
+              <a:schemeClr val="accent5"/>
+            </a:solidFill>
+            <a:ln>
+              <a:noFill/>
+            </a:ln>
+          </p:spPr>
+          <p:txBody>
+            <a:bodyPr spcFirstLastPara="1" wrap="square" lIns="91425" tIns="45700" rIns="91425" bIns="45700" anchor="ctr" anchorCtr="0">
+              <a:noAutofit/>
+            </a:bodyPr>
+            <a:lstStyle/>
+            <a:p>
+              <a:pPr marL="0" marR="0" lvl="0" indent="0" algn="ctr" rtl="0">
+                <a:spcBef>
+                  <a:spcPts val="0"/>
+                </a:spcBef>
+                <a:spcAft>
+                  <a:spcPts val="0"/>
+                </a:spcAft>
+                <a:buNone/>
+              </a:pPr>
+              <a:endParaRPr sz="1800" b="0" i="0" u="none" strike="noStrike" cap="none">
+                <a:solidFill>
+                  <a:srgbClr val="FFFFFF"/>
+                </a:solidFill>
+                <a:latin typeface="Calibri"/>
+                <a:ea typeface="Calibri"/>
+                <a:cs typeface="Calibri"/>
+                <a:sym typeface="Calibri"/>
+              </a:endParaRPr>
+            </a:p>
+          </p:txBody>
+        </p:sp>
+        <p:sp>
+          <p:nvSpPr>
+            <p:cNvPr id="523" name="Google Shape;523;p35"/>
+            <p:cNvSpPr/>
+            <p:nvPr/>
+          </p:nvSpPr>
+          <p:spPr>
+            <a:xfrm>
+              <a:off x="2635046" y="4139382"/>
+              <a:ext cx="147600" cy="147600"/>
+            </a:xfrm>
+            <a:prstGeom prst="ellipse">
+              <a:avLst/>
+            </a:prstGeom>
+            <a:solidFill>
+              <a:schemeClr val="accent6"/>
+            </a:solidFill>
+            <a:ln>
+              <a:noFill/>
+            </a:ln>
+          </p:spPr>
+          <p:txBody>
+            <a:bodyPr spcFirstLastPara="1" wrap="square" lIns="91425" tIns="45700" rIns="91425" bIns="45700" anchor="ctr" anchorCtr="0">
+              <a:noAutofit/>
+            </a:bodyPr>
+            <a:lstStyle/>
+            <a:p>
+              <a:pPr marL="0" marR="0" lvl="0" indent="0" algn="ctr" rtl="0">
+                <a:spcBef>
+                  <a:spcPts val="0"/>
+                </a:spcBef>
+                <a:spcAft>
+                  <a:spcPts val="0"/>
+                </a:spcAft>
+                <a:buNone/>
+              </a:pPr>
+              <a:endParaRPr sz="1800" b="0" i="0" u="none" strike="noStrike" cap="none">
+                <a:solidFill>
+                  <a:srgbClr val="FFFFFF"/>
+                </a:solidFill>
+                <a:latin typeface="Calibri"/>
+                <a:ea typeface="Calibri"/>
+                <a:cs typeface="Calibri"/>
+                <a:sym typeface="Calibri"/>
+              </a:endParaRPr>
+            </a:p>
+          </p:txBody>
+        </p:sp>
+      </p:grpSp>
+      <p:sp>
+        <p:nvSpPr>
+          <p:cNvPr id="3" name="Заголовок 2">
+            <a:extLst>
+              <a:ext uri="{FF2B5EF4-FFF2-40B4-BE49-F238E27FC236}">
+                <a16:creationId xmlns:a16="http://schemas.microsoft.com/office/drawing/2014/main" id="{119CE4A6-6B74-A1AA-DC1B-C372711939E7}"/>
+              </a:ext>
+            </a:extLst>
+          </p:cNvPr>
+          <p:cNvSpPr>
+            <a:spLocks noGrp="1"/>
+          </p:cNvSpPr>
+          <p:nvPr>
+            <p:ph type="title"/>
+          </p:nvPr>
+        </p:nvSpPr>
+        <p:spPr>
+          <a:xfrm>
+            <a:off x="801435" y="395015"/>
+            <a:ext cx="4793924" cy="804230"/>
+          </a:xfrm>
+        </p:spPr>
+        <p:txBody>
+          <a:bodyPr/>
+          <a:lstStyle/>
+          <a:p>
+            <a:r>
+              <a:rPr lang="ru-RU" sz="4000" dirty="0">
+                <a:solidFill>
+                  <a:schemeClr val="accent6">
+                    <a:lumMod val="60000"/>
+                    <a:lumOff val="40000"/>
+                  </a:schemeClr>
+                </a:solidFill>
+              </a:rPr>
+              <a:t>Модели БД</a:t>
+            </a:r>
+          </a:p>
+        </p:txBody>
+      </p:sp>
+      <p:pic>
+        <p:nvPicPr>
+          <p:cNvPr id="5" name="Рисунок 4">
+            <a:extLst>
+              <a:ext uri="{FF2B5EF4-FFF2-40B4-BE49-F238E27FC236}">
+                <a16:creationId xmlns:a16="http://schemas.microsoft.com/office/drawing/2014/main" id="{34924F0A-E27B-0B01-D419-B6C0E49F9F30}"/>
+              </a:ext>
+            </a:extLst>
+          </p:cNvPr>
+          <p:cNvPicPr>
+            <a:picLocks noChangeAspect="1"/>
+          </p:cNvPicPr>
+          <p:nvPr/>
+        </p:nvPicPr>
+        <p:blipFill>
+          <a:blip r:embed="rId3"/>
+          <a:stretch>
+            <a:fillRect/>
+          </a:stretch>
+        </p:blipFill>
+        <p:spPr>
+          <a:xfrm>
+            <a:off x="6061616" y="1244258"/>
+            <a:ext cx="5439339" cy="4564043"/>
+          </a:xfrm>
+          <a:prstGeom prst="rect">
+            <a:avLst/>
+          </a:prstGeom>
+        </p:spPr>
+      </p:pic>
+      <p:sp>
+        <p:nvSpPr>
+          <p:cNvPr id="4" name="TextBox 3"/>
+          <p:cNvSpPr txBox="1"/>
+          <p:nvPr/>
+        </p:nvSpPr>
+        <p:spPr>
+          <a:xfrm rot="1619995">
+            <a:off x="1782323" y="2882537"/>
+            <a:ext cx="10031095" cy="1446550"/>
+          </a:xfrm>
+          <a:prstGeom prst="rect">
+            <a:avLst/>
+          </a:prstGeom>
+          <a:noFill/>
+        </p:spPr>
+        <p:txBody>
+          <a:bodyPr wrap="square" rtlCol="0">
+            <a:spAutoFit/>
+          </a:bodyPr>
+          <a:lstStyle/>
+          <a:p>
+            <a:r>
+              <a:rPr lang="ru-RU" sz="8800" dirty="0" smtClean="0">
+                <a:solidFill>
+                  <a:srgbClr val="FF0000"/>
+                </a:solidFill>
+              </a:rPr>
+              <a:t>В РАЗРАБОТКЕ</a:t>
+            </a:r>
+            <a:endParaRPr lang="ru-RU" sz="8800" dirty="0">
+              <a:solidFill>
+                <a:srgbClr val="FF0000"/>
+              </a:solidFill>
+            </a:endParaRPr>
+          </a:p>
+        </p:txBody>
+      </p:sp>
+      <p:sp>
+        <p:nvSpPr>
+          <p:cNvPr id="10" name="TextBox 9"/>
+          <p:cNvSpPr txBox="1"/>
+          <p:nvPr/>
+        </p:nvSpPr>
+        <p:spPr>
+          <a:xfrm>
+            <a:off x="11342254" y="6193035"/>
+            <a:ext cx="775855" cy="461665"/>
+          </a:xfrm>
+          <a:prstGeom prst="rect">
+            <a:avLst/>
+          </a:prstGeom>
+          <a:noFill/>
+        </p:spPr>
+        <p:txBody>
+          <a:bodyPr wrap="square" rtlCol="0">
+            <a:spAutoFit/>
+          </a:bodyPr>
+          <a:lstStyle/>
+          <a:p>
+            <a:pPr algn="ctr"/>
+            <a:fld id="{C3616022-7878-4CC3-9F8D-17E65F4E7429}" type="slidenum">
+              <a:rPr lang="ru-RU" sz="2400" smtClean="0">
+                <a:solidFill>
+                  <a:schemeClr val="accent6">
+                    <a:lumMod val="60000"/>
+                    <a:lumOff val="40000"/>
+                  </a:schemeClr>
+                </a:solidFill>
+                <a:latin typeface="Roboto" panose="020B0604020202020204" charset="0"/>
+                <a:ea typeface="Roboto" panose="020B0604020202020204" charset="0"/>
+                <a:cs typeface="Roboto" panose="020B0604020202020204" charset="0"/>
+              </a:rPr>
+              <a:t>11</a:t>
+            </a:fld>
+            <a:endParaRPr lang="ru-RU" sz="2400" dirty="0">
+              <a:solidFill>
+                <a:schemeClr val="accent6">
+                  <a:lumMod val="60000"/>
+                  <a:lumOff val="40000"/>
+                </a:schemeClr>
+              </a:solidFill>
+              <a:latin typeface="Roboto" panose="020B0604020202020204" charset="0"/>
+              <a:ea typeface="Roboto" panose="020B0604020202020204" charset="0"/>
+              <a:cs typeface="Roboto" panose="020B0604020202020204" charset="0"/>
+            </a:endParaRPr>
+          </a:p>
+        </p:txBody>
+      </p:sp>
+    </p:spTree>
+    <p:extLst>
+      <p:ext uri="{BB962C8B-B14F-4D97-AF65-F5344CB8AC3E}">
+        <p14:creationId xmlns:p14="http://schemas.microsoft.com/office/powerpoint/2010/main" val="1046287989"/>
+      </p:ext>
+    </p:extLst>
+  </p:cSld>
+  <p:clrMapOvr>
+    <a:masterClrMapping/>
+  </p:clrMapOvr>
+  <p:timing>
+    <p:tnLst>
+      <p:par>
+        <p:cTn id="1" dur="indefinite" restart="never" nodeType="tmRoot"/>
+      </p:par>
+    </p:tnLst>
+  </p:timing>
+</p:sld>
+</file>
+
+<file path=ppt/slides/slide12.xml><?xml version="1.0" encoding="utf-8"?>
 <p:sld xmlns:a="http://schemas.openxmlformats.org/drawingml/2006/main" xmlns:r="http://schemas.openxmlformats.org/officeDocument/2006/relationships" xmlns:p="http://schemas.openxmlformats.org/presentationml/2006/main">
   <p:cSld>
     <p:spTree>
@@ -18404,6 +19798,57 @@
           </a:p>
         </p:txBody>
       </p:sp>
+      <p:sp>
+        <p:nvSpPr>
+          <p:cNvPr id="5" name="TextBox 4"/>
+          <p:cNvSpPr txBox="1"/>
+          <p:nvPr/>
+        </p:nvSpPr>
+        <p:spPr>
+          <a:xfrm>
+            <a:off x="11342254" y="6193035"/>
+            <a:ext cx="775855" cy="461665"/>
+          </a:xfrm>
+          <a:prstGeom prst="rect">
+            <a:avLst/>
+          </a:prstGeom>
+          <a:noFill/>
+        </p:spPr>
+        <p:txBody>
+          <a:bodyPr wrap="square" rtlCol="0">
+            <a:spAutoFit/>
+          </a:bodyPr>
+          <a:lstStyle/>
+          <a:p>
+            <a:pPr algn="ctr"/>
+            <a:fld id="{1D191035-150B-408D-BED9-7BCBFA4041ED}" type="slidenum">
+              <a:rPr lang="ru-RU" sz="2400" smtClean="0">
+                <a:solidFill>
+                  <a:schemeClr val="accent6">
+                    <a:lumMod val="60000"/>
+                    <a:lumOff val="40000"/>
+                  </a:schemeClr>
+                </a:solidFill>
+                <a:latin typeface="Roboto" panose="020B0604020202020204" charset="0"/>
+                <a:ea typeface="Roboto" panose="020B0604020202020204" charset="0"/>
+                <a:cs typeface="Roboto" panose="020B0604020202020204" charset="0"/>
+              </a:rPr>
+              <a:t>12</a:t>
+            </a:fld>
+            <a:endParaRPr lang="ru-RU" sz="2400" dirty="0">
+              <a:solidFill>
+                <a:schemeClr val="accent6">
+                  <a:lumMod val="60000"/>
+                  <a:lumOff val="40000"/>
+                </a:schemeClr>
+              </a:solidFill>
+              <a:latin typeface="Roboto" panose="020B0604020202020204" charset="0"/>
+              <a:ea typeface="Roboto" panose="020B0604020202020204" charset="0"/>
+              <a:cs typeface="Roboto" panose="020B0604020202020204" charset="0"/>
+            </a:endParaRPr>
+          </a:p>
+        </p:txBody>
+      </p:sp>
     </p:spTree>
     <p:extLst>
       <p:ext uri="{BB962C8B-B14F-4D97-AF65-F5344CB8AC3E}">
@@ -18414,10 +19859,17 @@
   <p:clrMapOvr>
     <a:masterClrMapping/>
   </p:clrMapOvr>
+  <p:timing>
+    <p:tnLst>
+      <p:par>
+        <p:cTn id="1" dur="indefinite" restart="never" nodeType="tmRoot"/>
+      </p:par>
+    </p:tnLst>
+  </p:timing>
 </p:sld>
 </file>
 
-<file path=ppt/slides/slide12.xml><?xml version="1.0" encoding="utf-8"?>
+<file path=ppt/slides/slide13.xml><?xml version="1.0" encoding="utf-8"?>
 <p:sld xmlns:a="http://schemas.openxmlformats.org/drawingml/2006/main" xmlns:r="http://schemas.openxmlformats.org/officeDocument/2006/relationships" xmlns:p="http://schemas.openxmlformats.org/presentationml/2006/main">
   <p:cSld>
     <p:spTree>
@@ -18448,7 +19900,7 @@
         </p:nvSpPr>
         <p:spPr>
           <a:xfrm>
-            <a:off x="5116748" y="2101174"/>
+            <a:off x="5107512" y="1611649"/>
             <a:ext cx="6967769" cy="4517970"/>
           </a:xfrm>
           <a:prstGeom prst="roundRect">
@@ -19114,7 +20566,7 @@
         </p:blipFill>
         <p:spPr>
           <a:xfrm>
-            <a:off x="5241528" y="2253673"/>
+            <a:off x="5232292" y="1764148"/>
             <a:ext cx="6718207" cy="4171277"/>
           </a:xfrm>
           <a:prstGeom prst="rect">
@@ -19122,6 +20574,57 @@
           </a:prstGeom>
         </p:spPr>
       </p:pic>
+      <p:sp>
+        <p:nvSpPr>
+          <p:cNvPr id="11" name="TextBox 10"/>
+          <p:cNvSpPr txBox="1"/>
+          <p:nvPr/>
+        </p:nvSpPr>
+        <p:spPr>
+          <a:xfrm>
+            <a:off x="11342254" y="6193035"/>
+            <a:ext cx="775855" cy="461665"/>
+          </a:xfrm>
+          <a:prstGeom prst="rect">
+            <a:avLst/>
+          </a:prstGeom>
+          <a:noFill/>
+        </p:spPr>
+        <p:txBody>
+          <a:bodyPr wrap="square" rtlCol="0">
+            <a:spAutoFit/>
+          </a:bodyPr>
+          <a:lstStyle/>
+          <a:p>
+            <a:pPr algn="ctr"/>
+            <a:fld id="{DCE66B21-2B6B-4A18-B958-99E456DA8FAF}" type="slidenum">
+              <a:rPr lang="ru-RU" sz="2400" smtClean="0">
+                <a:solidFill>
+                  <a:schemeClr val="accent6">
+                    <a:lumMod val="60000"/>
+                    <a:lumOff val="40000"/>
+                  </a:schemeClr>
+                </a:solidFill>
+                <a:latin typeface="Roboto" panose="020B0604020202020204" charset="0"/>
+                <a:ea typeface="Roboto" panose="020B0604020202020204" charset="0"/>
+                <a:cs typeface="Roboto" panose="020B0604020202020204" charset="0"/>
+              </a:rPr>
+              <a:t>13</a:t>
+            </a:fld>
+            <a:endParaRPr lang="ru-RU" sz="2400" dirty="0">
+              <a:solidFill>
+                <a:schemeClr val="accent6">
+                  <a:lumMod val="60000"/>
+                  <a:lumOff val="40000"/>
+                </a:schemeClr>
+              </a:solidFill>
+              <a:latin typeface="Roboto" panose="020B0604020202020204" charset="0"/>
+              <a:ea typeface="Roboto" panose="020B0604020202020204" charset="0"/>
+              <a:cs typeface="Roboto" panose="020B0604020202020204" charset="0"/>
+            </a:endParaRPr>
+          </a:p>
+        </p:txBody>
+      </p:sp>
     </p:spTree>
     <p:extLst>
       <p:ext uri="{BB962C8B-B14F-4D97-AF65-F5344CB8AC3E}">
@@ -19132,10 +20635,17 @@
   <p:clrMapOvr>
     <a:masterClrMapping/>
   </p:clrMapOvr>
+  <p:timing>
+    <p:tnLst>
+      <p:par>
+        <p:cTn id="1" dur="indefinite" restart="never" nodeType="tmRoot"/>
+      </p:par>
+    </p:tnLst>
+  </p:timing>
 </p:sld>
 </file>
 
-<file path=ppt/slides/slide13.xml><?xml version="1.0" encoding="utf-8"?>
+<file path=ppt/slides/slide14.xml><?xml version="1.0" encoding="utf-8"?>
 <p:sld xmlns:a="http://schemas.openxmlformats.org/drawingml/2006/main" xmlns:r="http://schemas.openxmlformats.org/officeDocument/2006/relationships" xmlns:p="http://schemas.openxmlformats.org/presentationml/2006/main">
   <p:cSld>
     <p:spTree>
@@ -19433,6 +20943,13 @@
   <p:clrMapOvr>
     <a:masterClrMapping/>
   </p:clrMapOvr>
+  <p:timing>
+    <p:tnLst>
+      <p:par>
+        <p:cTn id="1" dur="indefinite" restart="never" nodeType="tmRoot"/>
+      </p:par>
+    </p:tnLst>
+  </p:timing>
 </p:sld>
 </file>
 
@@ -20880,11 +22397,69 @@
           </a:p>
         </p:txBody>
       </p:sp>
+      <p:sp>
+        <p:nvSpPr>
+          <p:cNvPr id="2" name="TextBox 1"/>
+          <p:cNvSpPr txBox="1"/>
+          <p:nvPr/>
+        </p:nvSpPr>
+        <p:spPr>
+          <a:xfrm>
+            <a:off x="11342254" y="6193035"/>
+            <a:ext cx="775855" cy="461665"/>
+          </a:xfrm>
+          <a:prstGeom prst="rect">
+            <a:avLst/>
+          </a:prstGeom>
+          <a:noFill/>
+        </p:spPr>
+        <p:txBody>
+          <a:bodyPr wrap="square" rtlCol="0">
+            <a:spAutoFit/>
+          </a:bodyPr>
+          <a:lstStyle/>
+          <a:p>
+            <a:pPr algn="ctr"/>
+            <a:fld id="{C648858B-C876-47BC-B036-0C8ABFFB6548}" type="slidenum">
+              <a:rPr lang="ru-RU" sz="2400" smtClean="0">
+                <a:solidFill>
+                  <a:schemeClr val="accent6">
+                    <a:lumMod val="60000"/>
+                    <a:lumOff val="40000"/>
+                  </a:schemeClr>
+                </a:solidFill>
+                <a:latin typeface="Roboto" panose="020B0604020202020204" charset="0"/>
+                <a:ea typeface="Roboto" panose="020B0604020202020204" charset="0"/>
+                <a:cs typeface="Roboto" panose="020B0604020202020204" charset="0"/>
+              </a:rPr>
+              <a:t>2</a:t>
+            </a:fld>
+            <a:endParaRPr lang="ru-RU" sz="2400" dirty="0">
+              <a:solidFill>
+                <a:schemeClr val="accent6">
+                  <a:lumMod val="60000"/>
+                  <a:lumOff val="40000"/>
+                </a:schemeClr>
+              </a:solidFill>
+              <a:latin typeface="Roboto" panose="020B0604020202020204" charset="0"/>
+              <a:ea typeface="Roboto" panose="020B0604020202020204" charset="0"/>
+              <a:cs typeface="Roboto" panose="020B0604020202020204" charset="0"/>
+            </a:endParaRPr>
+          </a:p>
+        </p:txBody>
+      </p:sp>
     </p:spTree>
   </p:cSld>
   <p:clrMapOvr>
     <a:masterClrMapping/>
   </p:clrMapOvr>
+  <p:timing>
+    <p:tnLst>
+      <p:par>
+        <p:cTn id="1" dur="indefinite" restart="never" nodeType="tmRoot"/>
+      </p:par>
+    </p:tnLst>
+  </p:timing>
 </p:sld>
 </file>
 
@@ -21185,15 +22760,659 @@
           </a:p>
         </p:txBody>
       </p:sp>
+      <p:sp>
+        <p:nvSpPr>
+          <p:cNvPr id="8" name="TextBox 7"/>
+          <p:cNvSpPr txBox="1"/>
+          <p:nvPr/>
+        </p:nvSpPr>
+        <p:spPr>
+          <a:xfrm>
+            <a:off x="11342254" y="6202271"/>
+            <a:ext cx="775855" cy="461665"/>
+          </a:xfrm>
+          <a:prstGeom prst="rect">
+            <a:avLst/>
+          </a:prstGeom>
+          <a:noFill/>
+        </p:spPr>
+        <p:txBody>
+          <a:bodyPr wrap="square" rtlCol="0">
+            <a:spAutoFit/>
+          </a:bodyPr>
+          <a:lstStyle/>
+          <a:p>
+            <a:pPr algn="ctr"/>
+            <a:fld id="{F221D892-AC89-4CDB-8D70-069CE9561012}" type="slidenum">
+              <a:rPr lang="ru-RU" sz="2400" smtClean="0">
+                <a:solidFill>
+                  <a:schemeClr val="accent6">
+                    <a:lumMod val="60000"/>
+                    <a:lumOff val="40000"/>
+                  </a:schemeClr>
+                </a:solidFill>
+                <a:latin typeface="Roboto" panose="020B0604020202020204" charset="0"/>
+                <a:ea typeface="Roboto" panose="020B0604020202020204" charset="0"/>
+                <a:cs typeface="Roboto" panose="020B0604020202020204" charset="0"/>
+              </a:rPr>
+              <a:t>3</a:t>
+            </a:fld>
+            <a:endParaRPr lang="ru-RU" sz="2400" dirty="0">
+              <a:solidFill>
+                <a:schemeClr val="accent6">
+                  <a:lumMod val="60000"/>
+                  <a:lumOff val="40000"/>
+                </a:schemeClr>
+              </a:solidFill>
+              <a:latin typeface="Roboto" panose="020B0604020202020204" charset="0"/>
+              <a:ea typeface="Roboto" panose="020B0604020202020204" charset="0"/>
+              <a:cs typeface="Roboto" panose="020B0604020202020204" charset="0"/>
+            </a:endParaRPr>
+          </a:p>
+        </p:txBody>
+      </p:sp>
     </p:spTree>
   </p:cSld>
   <p:clrMapOvr>
     <a:masterClrMapping/>
   </p:clrMapOvr>
+  <p:timing>
+    <p:tnLst>
+      <p:par>
+        <p:cTn id="1" dur="indefinite" restart="never" nodeType="tmRoot"/>
+      </p:par>
+    </p:tnLst>
+  </p:timing>
 </p:sld>
 </file>
 
 <file path=ppt/slides/slide4.xml><?xml version="1.0" encoding="utf-8"?>
+<p:sld xmlns:a="http://schemas.openxmlformats.org/drawingml/2006/main" xmlns:r="http://schemas.openxmlformats.org/officeDocument/2006/relationships" xmlns:p="http://schemas.openxmlformats.org/presentationml/2006/main">
+  <p:cSld>
+    <p:spTree>
+      <p:nvGrpSpPr>
+        <p:cNvPr id="1" name="Shape 511"/>
+        <p:cNvGrpSpPr/>
+        <p:nvPr/>
+      </p:nvGrpSpPr>
+      <p:grpSpPr>
+        <a:xfrm>
+          <a:off x="0" y="0"/>
+          <a:ext cx="0" cy="0"/>
+          <a:chOff x="0" y="0"/>
+          <a:chExt cx="0" cy="0"/>
+        </a:xfrm>
+      </p:grpSpPr>
+      <p:sp>
+        <p:nvSpPr>
+          <p:cNvPr id="6" name="Google Shape;512;p35">
+            <a:extLst>
+              <a:ext uri="{FF2B5EF4-FFF2-40B4-BE49-F238E27FC236}">
+                <a16:creationId xmlns:a16="http://schemas.microsoft.com/office/drawing/2014/main" id="{DFF56C26-4A7A-EF07-70D3-D7C6BE739483}"/>
+              </a:ext>
+            </a:extLst>
+          </p:cNvPr>
+          <p:cNvSpPr/>
+          <p:nvPr/>
+        </p:nvSpPr>
+        <p:spPr>
+          <a:xfrm>
+            <a:off x="794327" y="1103048"/>
+            <a:ext cx="8589818" cy="5444392"/>
+          </a:xfrm>
+          <a:prstGeom prst="roundRect">
+            <a:avLst>
+              <a:gd name="adj" fmla="val 3539"/>
+            </a:avLst>
+          </a:prstGeom>
+          <a:solidFill>
+            <a:schemeClr val="lt2"/>
+          </a:solidFill>
+          <a:ln>
+            <a:noFill/>
+          </a:ln>
+          <a:effectLst>
+            <a:outerShdw blurRad="63500" sx="102000" sy="102000" algn="ctr" rotWithShape="0">
+              <a:srgbClr val="000000">
+                <a:alpha val="9800"/>
+              </a:srgbClr>
+            </a:outerShdw>
+          </a:effectLst>
+        </p:spPr>
+        <p:txBody>
+          <a:bodyPr spcFirstLastPara="1" wrap="square" lIns="91425" tIns="45700" rIns="91425" bIns="45700" anchor="ctr" anchorCtr="0">
+            <a:noAutofit/>
+          </a:bodyPr>
+          <a:lstStyle/>
+          <a:p>
+            <a:pPr marL="0" marR="0" lvl="0" indent="0" algn="ctr" rtl="0">
+              <a:spcBef>
+                <a:spcPts val="0"/>
+              </a:spcBef>
+              <a:spcAft>
+                <a:spcPts val="0"/>
+              </a:spcAft>
+              <a:buNone/>
+            </a:pPr>
+            <a:endParaRPr sz="1800" b="0" i="0" u="none" strike="noStrike" cap="none" dirty="0">
+              <a:solidFill>
+                <a:srgbClr val="FFFFFF"/>
+              </a:solidFill>
+              <a:latin typeface="Calibri"/>
+              <a:ea typeface="Calibri"/>
+              <a:cs typeface="Calibri"/>
+              <a:sym typeface="Calibri"/>
+            </a:endParaRPr>
+          </a:p>
+        </p:txBody>
+      </p:sp>
+      <p:sp>
+        <p:nvSpPr>
+          <p:cNvPr id="3" name="Заголовок 2">
+            <a:extLst>
+              <a:ext uri="{FF2B5EF4-FFF2-40B4-BE49-F238E27FC236}">
+                <a16:creationId xmlns:a16="http://schemas.microsoft.com/office/drawing/2014/main" id="{119CE4A6-6B74-A1AA-DC1B-C372711939E7}"/>
+              </a:ext>
+            </a:extLst>
+          </p:cNvPr>
+          <p:cNvSpPr>
+            <a:spLocks noGrp="1"/>
+          </p:cNvSpPr>
+          <p:nvPr>
+            <p:ph type="title"/>
+          </p:nvPr>
+        </p:nvSpPr>
+        <p:spPr>
+          <a:xfrm>
+            <a:off x="739984" y="230156"/>
+            <a:ext cx="7942563" cy="976585"/>
+          </a:xfrm>
+        </p:spPr>
+        <p:txBody>
+          <a:bodyPr/>
+          <a:lstStyle/>
+          <a:p>
+            <a:pPr lvl="0"/>
+            <a:r>
+              <a:rPr lang="ru-RU" sz="4000" dirty="0" smtClean="0">
+                <a:solidFill>
+                  <a:schemeClr val="accent6">
+                    <a:lumMod val="60000"/>
+                    <a:lumOff val="40000"/>
+                  </a:schemeClr>
+                </a:solidFill>
+              </a:rPr>
+              <a:t>Задачи проекта</a:t>
+            </a:r>
+            <a:endParaRPr lang="ru-RU" sz="4000" dirty="0">
+              <a:solidFill>
+                <a:schemeClr val="accent6">
+                  <a:lumMod val="60000"/>
+                  <a:lumOff val="40000"/>
+                </a:schemeClr>
+              </a:solidFill>
+            </a:endParaRPr>
+          </a:p>
+        </p:txBody>
+      </p:sp>
+      <p:grpSp>
+        <p:nvGrpSpPr>
+          <p:cNvPr id="7" name="Google Shape;520;p35">
+            <a:extLst>
+              <a:ext uri="{FF2B5EF4-FFF2-40B4-BE49-F238E27FC236}">
+                <a16:creationId xmlns:a16="http://schemas.microsoft.com/office/drawing/2014/main" id="{39AB6D46-1E53-7A5D-03D6-B9A323516E98}"/>
+              </a:ext>
+            </a:extLst>
+          </p:cNvPr>
+          <p:cNvGrpSpPr/>
+          <p:nvPr/>
+        </p:nvGrpSpPr>
+        <p:grpSpPr>
+          <a:xfrm>
+            <a:off x="963504" y="1206741"/>
+            <a:ext cx="635280" cy="147600"/>
+            <a:chOff x="2147366" y="4139382"/>
+            <a:chExt cx="635280" cy="147600"/>
+          </a:xfrm>
+        </p:grpSpPr>
+        <p:sp>
+          <p:nvSpPr>
+            <p:cNvPr id="8" name="Google Shape;521;p35">
+              <a:extLst>
+                <a:ext uri="{FF2B5EF4-FFF2-40B4-BE49-F238E27FC236}">
+                  <a16:creationId xmlns:a16="http://schemas.microsoft.com/office/drawing/2014/main" id="{1DA8B802-0E03-895D-0A9D-F455E76BDE0C}"/>
+                </a:ext>
+              </a:extLst>
+            </p:cNvPr>
+            <p:cNvSpPr/>
+            <p:nvPr/>
+          </p:nvSpPr>
+          <p:spPr>
+            <a:xfrm>
+              <a:off x="2147366" y="4139382"/>
+              <a:ext cx="147600" cy="147600"/>
+            </a:xfrm>
+            <a:prstGeom prst="ellipse">
+              <a:avLst/>
+            </a:prstGeom>
+            <a:solidFill>
+              <a:schemeClr val="accent4"/>
+            </a:solidFill>
+            <a:ln>
+              <a:noFill/>
+            </a:ln>
+          </p:spPr>
+          <p:txBody>
+            <a:bodyPr spcFirstLastPara="1" wrap="square" lIns="91425" tIns="45700" rIns="91425" bIns="45700" anchor="ctr" anchorCtr="0">
+              <a:noAutofit/>
+            </a:bodyPr>
+            <a:lstStyle/>
+            <a:p>
+              <a:pPr marL="0" marR="0" lvl="0" indent="0" algn="ctr" rtl="0">
+                <a:spcBef>
+                  <a:spcPts val="0"/>
+                </a:spcBef>
+                <a:spcAft>
+                  <a:spcPts val="0"/>
+                </a:spcAft>
+                <a:buNone/>
+              </a:pPr>
+              <a:endParaRPr sz="1800" b="0" i="0" u="none" strike="noStrike" cap="none">
+                <a:solidFill>
+                  <a:srgbClr val="FFFFFF"/>
+                </a:solidFill>
+                <a:latin typeface="Calibri"/>
+                <a:ea typeface="Calibri"/>
+                <a:cs typeface="Calibri"/>
+                <a:sym typeface="Calibri"/>
+              </a:endParaRPr>
+            </a:p>
+          </p:txBody>
+        </p:sp>
+        <p:sp>
+          <p:nvSpPr>
+            <p:cNvPr id="10" name="Google Shape;522;p35">
+              <a:extLst>
+                <a:ext uri="{FF2B5EF4-FFF2-40B4-BE49-F238E27FC236}">
+                  <a16:creationId xmlns:a16="http://schemas.microsoft.com/office/drawing/2014/main" id="{AF04FCF3-3557-1786-48CA-10674FB48D4D}"/>
+                </a:ext>
+              </a:extLst>
+            </p:cNvPr>
+            <p:cNvSpPr/>
+            <p:nvPr/>
+          </p:nvSpPr>
+          <p:spPr>
+            <a:xfrm>
+              <a:off x="2391206" y="4139382"/>
+              <a:ext cx="147600" cy="147600"/>
+            </a:xfrm>
+            <a:prstGeom prst="ellipse">
+              <a:avLst/>
+            </a:prstGeom>
+            <a:solidFill>
+              <a:schemeClr val="accent5"/>
+            </a:solidFill>
+            <a:ln>
+              <a:noFill/>
+            </a:ln>
+          </p:spPr>
+          <p:txBody>
+            <a:bodyPr spcFirstLastPara="1" wrap="square" lIns="91425" tIns="45700" rIns="91425" bIns="45700" anchor="ctr" anchorCtr="0">
+              <a:noAutofit/>
+            </a:bodyPr>
+            <a:lstStyle/>
+            <a:p>
+              <a:pPr marL="0" marR="0" lvl="0" indent="0" algn="ctr" rtl="0">
+                <a:spcBef>
+                  <a:spcPts val="0"/>
+                </a:spcBef>
+                <a:spcAft>
+                  <a:spcPts val="0"/>
+                </a:spcAft>
+                <a:buNone/>
+              </a:pPr>
+              <a:endParaRPr sz="1800" b="0" i="0" u="none" strike="noStrike" cap="none">
+                <a:solidFill>
+                  <a:srgbClr val="FFFFFF"/>
+                </a:solidFill>
+                <a:latin typeface="Calibri"/>
+                <a:ea typeface="Calibri"/>
+                <a:cs typeface="Calibri"/>
+                <a:sym typeface="Calibri"/>
+              </a:endParaRPr>
+            </a:p>
+          </p:txBody>
+        </p:sp>
+        <p:sp>
+          <p:nvSpPr>
+            <p:cNvPr id="11" name="Google Shape;523;p35">
+              <a:extLst>
+                <a:ext uri="{FF2B5EF4-FFF2-40B4-BE49-F238E27FC236}">
+                  <a16:creationId xmlns:a16="http://schemas.microsoft.com/office/drawing/2014/main" id="{ADFB14CF-360B-71D5-8C12-3E0E4EAB0D22}"/>
+                </a:ext>
+              </a:extLst>
+            </p:cNvPr>
+            <p:cNvSpPr/>
+            <p:nvPr/>
+          </p:nvSpPr>
+          <p:spPr>
+            <a:xfrm>
+              <a:off x="2635046" y="4139382"/>
+              <a:ext cx="147600" cy="147600"/>
+            </a:xfrm>
+            <a:prstGeom prst="ellipse">
+              <a:avLst/>
+            </a:prstGeom>
+            <a:solidFill>
+              <a:schemeClr val="accent6"/>
+            </a:solidFill>
+            <a:ln>
+              <a:noFill/>
+            </a:ln>
+          </p:spPr>
+          <p:txBody>
+            <a:bodyPr spcFirstLastPara="1" wrap="square" lIns="91425" tIns="45700" rIns="91425" bIns="45700" anchor="ctr" anchorCtr="0">
+              <a:noAutofit/>
+            </a:bodyPr>
+            <a:lstStyle/>
+            <a:p>
+              <a:pPr marL="0" marR="0" lvl="0" indent="0" algn="ctr" rtl="0">
+                <a:spcBef>
+                  <a:spcPts val="0"/>
+                </a:spcBef>
+                <a:spcAft>
+                  <a:spcPts val="0"/>
+                </a:spcAft>
+                <a:buNone/>
+              </a:pPr>
+              <a:endParaRPr sz="1800" b="0" i="0" u="none" strike="noStrike" cap="none">
+                <a:solidFill>
+                  <a:srgbClr val="FFFFFF"/>
+                </a:solidFill>
+                <a:latin typeface="Calibri"/>
+                <a:ea typeface="Calibri"/>
+                <a:cs typeface="Calibri"/>
+                <a:sym typeface="Calibri"/>
+              </a:endParaRPr>
+            </a:p>
+          </p:txBody>
+        </p:sp>
+      </p:grpSp>
+      <p:sp>
+        <p:nvSpPr>
+          <p:cNvPr id="25" name="TextBox 24"/>
+          <p:cNvSpPr txBox="1"/>
+          <p:nvPr/>
+        </p:nvSpPr>
+        <p:spPr>
+          <a:xfrm>
+            <a:off x="1111104" y="1688733"/>
+            <a:ext cx="7866641" cy="4524315"/>
+          </a:xfrm>
+          <a:prstGeom prst="rect">
+            <a:avLst/>
+          </a:prstGeom>
+          <a:noFill/>
+        </p:spPr>
+        <p:txBody>
+          <a:bodyPr wrap="square" rtlCol="0">
+            <a:spAutoFit/>
+          </a:bodyPr>
+          <a:lstStyle/>
+          <a:p>
+            <a:pPr marL="342900" indent="-342900">
+              <a:buClr>
+                <a:schemeClr val="tx1"/>
+              </a:buClr>
+              <a:buFont typeface="+mj-lt"/>
+              <a:buAutoNum type="arabicPeriod"/>
+            </a:pPr>
+            <a:r>
+              <a:rPr lang="ru-RU" sz="3200" dirty="0" smtClean="0">
+                <a:solidFill>
+                  <a:schemeClr val="tx1"/>
+                </a:solidFill>
+                <a:latin typeface="Roboto" panose="020B0604020202020204" charset="0"/>
+                <a:ea typeface="Roboto" panose="020B0604020202020204" charset="0"/>
+                <a:cs typeface="Roboto" panose="020B0604020202020204" charset="0"/>
+              </a:rPr>
+              <a:t> Проектирование архитектуры:</a:t>
+            </a:r>
+          </a:p>
+          <a:p>
+            <a:pPr marL="432000" indent="285750">
+              <a:buClr>
+                <a:schemeClr val="tx1"/>
+              </a:buClr>
+              <a:buFont typeface="Arial" panose="020B0604020202020204" pitchFamily="34" charset="0"/>
+              <a:buChar char="•"/>
+            </a:pPr>
+            <a:r>
+              <a:rPr lang="ru-RU" sz="3200" dirty="0" smtClean="0">
+                <a:solidFill>
+                  <a:schemeClr val="tx1"/>
+                </a:solidFill>
+                <a:latin typeface="Roboto" panose="020B0604020202020204" charset="0"/>
+                <a:ea typeface="Roboto" panose="020B0604020202020204" charset="0"/>
+                <a:cs typeface="Roboto" panose="020B0604020202020204" charset="0"/>
+              </a:rPr>
+              <a:t>Проектирование клиентской части</a:t>
+            </a:r>
+          </a:p>
+          <a:p>
+            <a:pPr marL="432000" indent="285750">
+              <a:buClr>
+                <a:schemeClr val="tx1"/>
+              </a:buClr>
+              <a:buFont typeface="Arial" panose="020B0604020202020204" pitchFamily="34" charset="0"/>
+              <a:buChar char="•"/>
+            </a:pPr>
+            <a:r>
+              <a:rPr lang="ru-RU" sz="3200" dirty="0" smtClean="0">
+                <a:solidFill>
+                  <a:schemeClr val="tx1"/>
+                </a:solidFill>
+                <a:latin typeface="Roboto" panose="020B0604020202020204" charset="0"/>
+                <a:ea typeface="Roboto" panose="020B0604020202020204" charset="0"/>
+                <a:cs typeface="Roboto" panose="020B0604020202020204" charset="0"/>
+              </a:rPr>
+              <a:t>Проектирование серверной части</a:t>
+            </a:r>
+          </a:p>
+          <a:p>
+            <a:pPr marL="342900" indent="-342900">
+              <a:buClr>
+                <a:schemeClr val="tx1"/>
+              </a:buClr>
+              <a:buFont typeface="+mj-lt"/>
+              <a:buAutoNum type="arabicPeriod" startAt="2"/>
+            </a:pPr>
+            <a:r>
+              <a:rPr lang="ru-RU" sz="3200" dirty="0" smtClean="0">
+                <a:solidFill>
+                  <a:schemeClr val="tx1"/>
+                </a:solidFill>
+                <a:latin typeface="Roboto" panose="020B0604020202020204" charset="0"/>
+                <a:ea typeface="Roboto" panose="020B0604020202020204" charset="0"/>
+                <a:cs typeface="Roboto" panose="020B0604020202020204" charset="0"/>
+              </a:rPr>
+              <a:t> Разработка:</a:t>
+            </a:r>
+          </a:p>
+          <a:p>
+            <a:pPr marL="432000" indent="285750">
+              <a:buClr>
+                <a:schemeClr val="tx1"/>
+              </a:buClr>
+              <a:buFont typeface="Arial" panose="020B0604020202020204" pitchFamily="34" charset="0"/>
+              <a:buChar char="•"/>
+            </a:pPr>
+            <a:r>
+              <a:rPr lang="ru-RU" sz="3200" dirty="0" smtClean="0">
+                <a:solidFill>
+                  <a:schemeClr val="tx1"/>
+                </a:solidFill>
+                <a:latin typeface="Roboto" panose="020B0604020202020204" charset="0"/>
+                <a:ea typeface="Roboto" panose="020B0604020202020204" charset="0"/>
+                <a:cs typeface="Roboto" panose="020B0604020202020204" charset="0"/>
+              </a:rPr>
+              <a:t>Разработка клиента</a:t>
+            </a:r>
+          </a:p>
+          <a:p>
+            <a:pPr marL="432000" indent="285750">
+              <a:buClr>
+                <a:schemeClr val="tx1"/>
+              </a:buClr>
+              <a:buFont typeface="Arial" panose="020B0604020202020204" pitchFamily="34" charset="0"/>
+              <a:buChar char="•"/>
+            </a:pPr>
+            <a:r>
+              <a:rPr lang="ru-RU" sz="3200" dirty="0" smtClean="0">
+                <a:solidFill>
+                  <a:schemeClr val="tx1"/>
+                </a:solidFill>
+                <a:latin typeface="Roboto" panose="020B0604020202020204" charset="0"/>
+                <a:ea typeface="Roboto" panose="020B0604020202020204" charset="0"/>
+                <a:cs typeface="Roboto" panose="020B0604020202020204" charset="0"/>
+              </a:rPr>
+              <a:t>Разработка сервера</a:t>
+            </a:r>
+          </a:p>
+          <a:p>
+            <a:pPr marL="342900" indent="-342900">
+              <a:buClr>
+                <a:schemeClr val="tx1"/>
+              </a:buClr>
+              <a:buFont typeface="+mj-lt"/>
+              <a:buAutoNum type="arabicPeriod" startAt="3"/>
+            </a:pPr>
+            <a:r>
+              <a:rPr lang="ru-RU" sz="3200" dirty="0" smtClean="0">
+                <a:solidFill>
+                  <a:schemeClr val="tx1"/>
+                </a:solidFill>
+                <a:latin typeface="Roboto" panose="020B0604020202020204" charset="0"/>
+                <a:ea typeface="Roboto" panose="020B0604020202020204" charset="0"/>
+                <a:cs typeface="Roboto" panose="020B0604020202020204" charset="0"/>
+              </a:rPr>
+              <a:t> Интеграция:</a:t>
+            </a:r>
+          </a:p>
+          <a:p>
+            <a:pPr marL="432000" indent="285750">
+              <a:buClr>
+                <a:schemeClr val="tx1"/>
+              </a:buClr>
+              <a:buFont typeface="Arial" panose="020B0604020202020204" pitchFamily="34" charset="0"/>
+              <a:buChar char="•"/>
+            </a:pPr>
+            <a:r>
+              <a:rPr lang="ru-RU" sz="3200" dirty="0" smtClean="0">
+                <a:solidFill>
+                  <a:schemeClr val="tx1"/>
+                </a:solidFill>
+                <a:latin typeface="Roboto" panose="020B0604020202020204" charset="0"/>
+                <a:ea typeface="Roboto" panose="020B0604020202020204" charset="0"/>
+                <a:cs typeface="Roboto" panose="020B0604020202020204" charset="0"/>
+              </a:rPr>
+              <a:t>Связывание клиента и сервера</a:t>
+            </a:r>
+          </a:p>
+          <a:p>
+            <a:pPr marL="342900" indent="-342900">
+              <a:buClr>
+                <a:schemeClr val="tx1"/>
+              </a:buClr>
+              <a:buFont typeface="+mj-lt"/>
+              <a:buAutoNum type="arabicPeriod" startAt="4"/>
+            </a:pPr>
+            <a:r>
+              <a:rPr lang="ru-RU" sz="3200" dirty="0" smtClean="0">
+                <a:solidFill>
+                  <a:schemeClr val="tx1"/>
+                </a:solidFill>
+                <a:latin typeface="Roboto" panose="020B0604020202020204" charset="0"/>
+                <a:ea typeface="Roboto" panose="020B0604020202020204" charset="0"/>
+                <a:cs typeface="Roboto" panose="020B0604020202020204" charset="0"/>
+              </a:rPr>
+              <a:t> Тестирование и отладка</a:t>
+            </a:r>
+          </a:p>
+        </p:txBody>
+      </p:sp>
+      <p:sp>
+        <p:nvSpPr>
+          <p:cNvPr id="9" name="TextBox 8"/>
+          <p:cNvSpPr txBox="1"/>
+          <p:nvPr/>
+        </p:nvSpPr>
+        <p:spPr>
+          <a:xfrm>
+            <a:off x="11342254" y="6193035"/>
+            <a:ext cx="775855" cy="461665"/>
+          </a:xfrm>
+          <a:prstGeom prst="rect">
+            <a:avLst/>
+          </a:prstGeom>
+          <a:noFill/>
+        </p:spPr>
+        <p:txBody>
+          <a:bodyPr wrap="square" rtlCol="0">
+            <a:spAutoFit/>
+          </a:bodyPr>
+          <a:lstStyle/>
+          <a:p>
+            <a:pPr algn="ctr"/>
+            <a:fld id="{74C3FF88-E11A-4C50-90A6-41D0AA2B3660}" type="slidenum">
+              <a:rPr lang="ru-RU" sz="2400" smtClean="0">
+                <a:solidFill>
+                  <a:schemeClr val="accent6">
+                    <a:lumMod val="60000"/>
+                    <a:lumOff val="40000"/>
+                  </a:schemeClr>
+                </a:solidFill>
+                <a:latin typeface="Roboto" panose="020B0604020202020204" charset="0"/>
+                <a:ea typeface="Roboto" panose="020B0604020202020204" charset="0"/>
+                <a:cs typeface="Roboto" panose="020B0604020202020204" charset="0"/>
+              </a:rPr>
+              <a:t>4</a:t>
+            </a:fld>
+            <a:endParaRPr lang="ru-RU" sz="2400" dirty="0">
+              <a:solidFill>
+                <a:schemeClr val="accent6">
+                  <a:lumMod val="60000"/>
+                  <a:lumOff val="40000"/>
+                </a:schemeClr>
+              </a:solidFill>
+              <a:latin typeface="Roboto" panose="020B0604020202020204" charset="0"/>
+              <a:ea typeface="Roboto" panose="020B0604020202020204" charset="0"/>
+              <a:cs typeface="Roboto" panose="020B0604020202020204" charset="0"/>
+            </a:endParaRPr>
+          </a:p>
+        </p:txBody>
+      </p:sp>
+    </p:spTree>
+    <p:extLst>
+      <p:ext uri="{BB962C8B-B14F-4D97-AF65-F5344CB8AC3E}">
+        <p14:creationId xmlns:p14="http://schemas.microsoft.com/office/powerpoint/2010/main" val="1013703416"/>
+      </p:ext>
+    </p:extLst>
+  </p:cSld>
+  <p:clrMapOvr>
+    <a:masterClrMapping/>
+  </p:clrMapOvr>
+  <p:timing>
+    <p:tnLst>
+      <p:par>
+        <p:cTn id="1" dur="indefinite" restart="never" nodeType="tmRoot"/>
+      </p:par>
+    </p:tnLst>
+  </p:timing>
+</p:sld>
+</file>
+
+<file path=ppt/slides/slide5.xml><?xml version="1.0" encoding="utf-8"?>
 <p:sld xmlns:a="http://schemas.openxmlformats.org/drawingml/2006/main" xmlns:r="http://schemas.openxmlformats.org/officeDocument/2006/relationships" xmlns:p="http://schemas.openxmlformats.org/presentationml/2006/main">
   <p:cSld>
     <p:spTree>
@@ -21291,7 +23510,7 @@
         </p:nvSpPr>
         <p:spPr>
           <a:xfrm>
-            <a:off x="369455" y="-162106"/>
+            <a:off x="369455" y="218135"/>
             <a:ext cx="7942563" cy="976585"/>
           </a:xfrm>
         </p:spPr>
@@ -22768,18 +24987,7 @@
                 <a:ea typeface="Roboto" panose="020B0604020202020204" charset="0"/>
                 <a:cs typeface="Roboto" panose="020B0604020202020204" charset="0"/>
               </a:rPr>
-              <a:t>Выбор </a:t>
-            </a:r>
-            <a:r>
-              <a:rPr lang="ru-RU" sz="1800" dirty="0" smtClean="0">
-                <a:solidFill>
-                  <a:schemeClr val="tx1"/>
-                </a:solidFill>
-                <a:latin typeface="Roboto" panose="020B0604020202020204" charset="0"/>
-                <a:ea typeface="Roboto" panose="020B0604020202020204" charset="0"/>
-                <a:cs typeface="Roboto" panose="020B0604020202020204" charset="0"/>
-              </a:rPr>
-              <a:t>языка</a:t>
+              <a:t>Выбор языка</a:t>
             </a:r>
             <a:r>
               <a:rPr lang="en-US" sz="1800" dirty="0" smtClean="0">
@@ -23186,20 +25394,78 @@
           </a:p>
         </p:txBody>
       </p:sp>
+      <p:sp>
+        <p:nvSpPr>
+          <p:cNvPr id="17" name="TextBox 16"/>
+          <p:cNvSpPr txBox="1"/>
+          <p:nvPr/>
+        </p:nvSpPr>
+        <p:spPr>
+          <a:xfrm>
+            <a:off x="11286836" y="6122721"/>
+            <a:ext cx="775855" cy="461665"/>
+          </a:xfrm>
+          <a:prstGeom prst="rect">
+            <a:avLst/>
+          </a:prstGeom>
+          <a:noFill/>
+        </p:spPr>
+        <p:txBody>
+          <a:bodyPr wrap="square" rtlCol="0">
+            <a:spAutoFit/>
+          </a:bodyPr>
+          <a:lstStyle/>
+          <a:p>
+            <a:pPr algn="ctr"/>
+            <a:fld id="{AAF5D716-E7FC-4B00-B443-913764DEA9E8}" type="slidenum">
+              <a:rPr lang="ru-RU" sz="2400" smtClean="0">
+                <a:solidFill>
+                  <a:schemeClr val="accent6">
+                    <a:lumMod val="60000"/>
+                    <a:lumOff val="40000"/>
+                  </a:schemeClr>
+                </a:solidFill>
+                <a:latin typeface="Roboto" panose="020B0604020202020204" charset="0"/>
+                <a:ea typeface="Roboto" panose="020B0604020202020204" charset="0"/>
+                <a:cs typeface="Roboto" panose="020B0604020202020204" charset="0"/>
+              </a:rPr>
+              <a:t>5</a:t>
+            </a:fld>
+            <a:endParaRPr lang="ru-RU" sz="2400" dirty="0">
+              <a:solidFill>
+                <a:schemeClr val="accent6">
+                  <a:lumMod val="60000"/>
+                  <a:lumOff val="40000"/>
+                </a:schemeClr>
+              </a:solidFill>
+              <a:latin typeface="Roboto" panose="020B0604020202020204" charset="0"/>
+              <a:ea typeface="Roboto" panose="020B0604020202020204" charset="0"/>
+              <a:cs typeface="Roboto" panose="020B0604020202020204" charset="0"/>
+            </a:endParaRPr>
+          </a:p>
+        </p:txBody>
+      </p:sp>
     </p:spTree>
     <p:extLst>
       <p:ext uri="{BB962C8B-B14F-4D97-AF65-F5344CB8AC3E}">
-        <p14:creationId xmlns:p14="http://schemas.microsoft.com/office/powerpoint/2010/main" val="1013703416"/>
+        <p14:creationId xmlns:p14="http://schemas.microsoft.com/office/powerpoint/2010/main" val="2480235590"/>
       </p:ext>
     </p:extLst>
   </p:cSld>
   <p:clrMapOvr>
     <a:masterClrMapping/>
   </p:clrMapOvr>
+  <p:timing>
+    <p:tnLst>
+      <p:par>
+        <p:cTn id="1" dur="indefinite" restart="never" nodeType="tmRoot"/>
+      </p:par>
+    </p:tnLst>
+  </p:timing>
 </p:sld>
 </file>
 
-<file path=ppt/slides/slide5.xml><?xml version="1.0" encoding="utf-8"?>
+<file path=ppt/slides/slide6.xml><?xml version="1.0" encoding="utf-8"?>
 <p:sld xmlns:a="http://schemas.openxmlformats.org/drawingml/2006/main" xmlns:r="http://schemas.openxmlformats.org/officeDocument/2006/relationships" xmlns:p="http://schemas.openxmlformats.org/presentationml/2006/main">
   <p:cSld>
     <p:spTree>
@@ -23820,6 +26086,57 @@
           </a:p>
         </p:txBody>
       </p:sp>
+      <p:sp>
+        <p:nvSpPr>
+          <p:cNvPr id="15" name="TextBox 14"/>
+          <p:cNvSpPr txBox="1"/>
+          <p:nvPr/>
+        </p:nvSpPr>
+        <p:spPr>
+          <a:xfrm>
+            <a:off x="11342254" y="6193035"/>
+            <a:ext cx="775855" cy="461665"/>
+          </a:xfrm>
+          <a:prstGeom prst="rect">
+            <a:avLst/>
+          </a:prstGeom>
+          <a:noFill/>
+        </p:spPr>
+        <p:txBody>
+          <a:bodyPr wrap="square" rtlCol="0">
+            <a:spAutoFit/>
+          </a:bodyPr>
+          <a:lstStyle/>
+          <a:p>
+            <a:pPr algn="ctr"/>
+            <a:fld id="{71359057-2E0A-4C90-B485-A4DBA98336FB}" type="slidenum">
+              <a:rPr lang="ru-RU" sz="2400" smtClean="0">
+                <a:solidFill>
+                  <a:schemeClr val="accent6">
+                    <a:lumMod val="60000"/>
+                    <a:lumOff val="40000"/>
+                  </a:schemeClr>
+                </a:solidFill>
+                <a:latin typeface="Roboto" panose="020B0604020202020204" charset="0"/>
+                <a:ea typeface="Roboto" panose="020B0604020202020204" charset="0"/>
+                <a:cs typeface="Roboto" panose="020B0604020202020204" charset="0"/>
+              </a:rPr>
+              <a:t>6</a:t>
+            </a:fld>
+            <a:endParaRPr lang="ru-RU" sz="2400" dirty="0">
+              <a:solidFill>
+                <a:schemeClr val="accent6">
+                  <a:lumMod val="60000"/>
+                  <a:lumOff val="40000"/>
+                </a:schemeClr>
+              </a:solidFill>
+              <a:latin typeface="Roboto" panose="020B0604020202020204" charset="0"/>
+              <a:ea typeface="Roboto" panose="020B0604020202020204" charset="0"/>
+              <a:cs typeface="Roboto" panose="020B0604020202020204" charset="0"/>
+            </a:endParaRPr>
+          </a:p>
+        </p:txBody>
+      </p:sp>
     </p:spTree>
     <p:extLst>
       <p:ext uri="{BB962C8B-B14F-4D97-AF65-F5344CB8AC3E}">
@@ -23830,10 +26147,576 @@
   <p:clrMapOvr>
     <a:masterClrMapping/>
   </p:clrMapOvr>
+  <p:timing>
+    <p:tnLst>
+      <p:par>
+        <p:cTn id="1" dur="indefinite" restart="never" nodeType="tmRoot"/>
+      </p:par>
+    </p:tnLst>
+  </p:timing>
 </p:sld>
 </file>
 
-<file path=ppt/slides/slide6.xml><?xml version="1.0" encoding="utf-8"?>
+<file path=ppt/slides/slide7.xml><?xml version="1.0" encoding="utf-8"?>
+<p:sld xmlns:a="http://schemas.openxmlformats.org/drawingml/2006/main" xmlns:r="http://schemas.openxmlformats.org/officeDocument/2006/relationships" xmlns:p="http://schemas.openxmlformats.org/presentationml/2006/main">
+  <p:cSld>
+    <p:spTree>
+      <p:nvGrpSpPr>
+        <p:cNvPr id="1" name="Shape 511"/>
+        <p:cNvGrpSpPr/>
+        <p:nvPr/>
+      </p:nvGrpSpPr>
+      <p:grpSpPr>
+        <a:xfrm>
+          <a:off x="0" y="0"/>
+          <a:ext cx="0" cy="0"/>
+          <a:chOff x="0" y="0"/>
+          <a:chExt cx="0" cy="0"/>
+        </a:xfrm>
+      </p:grpSpPr>
+      <p:sp>
+        <p:nvSpPr>
+          <p:cNvPr id="24" name="Google Shape;424;p27"/>
+          <p:cNvSpPr txBox="1">
+            <a:spLocks/>
+          </p:cNvSpPr>
+          <p:nvPr/>
+        </p:nvSpPr>
+        <p:spPr>
+          <a:xfrm>
+            <a:off x="906683" y="513975"/>
+            <a:ext cx="10110300" cy="763500"/>
+          </a:xfrm>
+          <a:prstGeom prst="rect">
+            <a:avLst/>
+          </a:prstGeom>
+          <a:noFill/>
+          <a:ln>
+            <a:noFill/>
+          </a:ln>
+        </p:spPr>
+        <p:txBody>
+          <a:bodyPr spcFirstLastPara="1" wrap="square" lIns="121900" tIns="121900" rIns="121900" bIns="121900" anchor="t" anchorCtr="0">
+            <a:noAutofit/>
+          </a:bodyPr>
+          <a:lstStyle>
+            <a:defPPr marR="0" lvl="0" algn="l" rtl="0">
+              <a:lnSpc>
+                <a:spcPct val="100000"/>
+              </a:lnSpc>
+              <a:spcBef>
+                <a:spcPts val="0"/>
+              </a:spcBef>
+              <a:spcAft>
+                <a:spcPts val="0"/>
+              </a:spcAft>
+            </a:defPPr>
+            <a:lvl1pPr marR="0" lvl="0" algn="l" rtl="0">
+              <a:lnSpc>
+                <a:spcPct val="80000"/>
+              </a:lnSpc>
+              <a:spcBef>
+                <a:spcPts val="0"/>
+              </a:spcBef>
+              <a:spcAft>
+                <a:spcPts val="0"/>
+              </a:spcAft>
+              <a:buClr>
+                <a:schemeClr val="dk1"/>
+              </a:buClr>
+              <a:buSzPts val="6000"/>
+              <a:buFont typeface="Roboto"/>
+              <a:buNone/>
+              <a:defRPr sz="6000" b="1" i="0" u="none" strike="noStrike" cap="none">
+                <a:solidFill>
+                  <a:schemeClr val="dk1"/>
+                </a:solidFill>
+                <a:latin typeface="Roboto"/>
+                <a:ea typeface="Roboto"/>
+                <a:cs typeface="Roboto"/>
+                <a:sym typeface="Roboto"/>
+              </a:defRPr>
+            </a:lvl1pPr>
+            <a:lvl2pPr marR="0" lvl="1" algn="l" rtl="0">
+              <a:lnSpc>
+                <a:spcPct val="80000"/>
+              </a:lnSpc>
+              <a:spcBef>
+                <a:spcPts val="0"/>
+              </a:spcBef>
+              <a:spcAft>
+                <a:spcPts val="0"/>
+              </a:spcAft>
+              <a:buClr>
+                <a:schemeClr val="dk1"/>
+              </a:buClr>
+              <a:buSzPts val="15000"/>
+              <a:buFont typeface="Roboto"/>
+              <a:buNone/>
+              <a:defRPr sz="15000" b="1" i="0" u="none" strike="noStrike" cap="none">
+                <a:solidFill>
+                  <a:schemeClr val="dk1"/>
+                </a:solidFill>
+                <a:latin typeface="Roboto"/>
+                <a:ea typeface="Roboto"/>
+                <a:cs typeface="Roboto"/>
+                <a:sym typeface="Roboto"/>
+              </a:defRPr>
+            </a:lvl2pPr>
+            <a:lvl3pPr marR="0" lvl="2" algn="l" rtl="0">
+              <a:lnSpc>
+                <a:spcPct val="80000"/>
+              </a:lnSpc>
+              <a:spcBef>
+                <a:spcPts val="0"/>
+              </a:spcBef>
+              <a:spcAft>
+                <a:spcPts val="0"/>
+              </a:spcAft>
+              <a:buClr>
+                <a:schemeClr val="dk1"/>
+              </a:buClr>
+              <a:buSzPts val="15000"/>
+              <a:buFont typeface="Roboto"/>
+              <a:buNone/>
+              <a:defRPr sz="15000" b="1" i="0" u="none" strike="noStrike" cap="none">
+                <a:solidFill>
+                  <a:schemeClr val="dk1"/>
+                </a:solidFill>
+                <a:latin typeface="Roboto"/>
+                <a:ea typeface="Roboto"/>
+                <a:cs typeface="Roboto"/>
+                <a:sym typeface="Roboto"/>
+              </a:defRPr>
+            </a:lvl3pPr>
+            <a:lvl4pPr marR="0" lvl="3" algn="l" rtl="0">
+              <a:lnSpc>
+                <a:spcPct val="80000"/>
+              </a:lnSpc>
+              <a:spcBef>
+                <a:spcPts val="0"/>
+              </a:spcBef>
+              <a:spcAft>
+                <a:spcPts val="0"/>
+              </a:spcAft>
+              <a:buClr>
+                <a:schemeClr val="dk1"/>
+              </a:buClr>
+              <a:buSzPts val="15000"/>
+              <a:buFont typeface="Roboto"/>
+              <a:buNone/>
+              <a:defRPr sz="15000" b="1" i="0" u="none" strike="noStrike" cap="none">
+                <a:solidFill>
+                  <a:schemeClr val="dk1"/>
+                </a:solidFill>
+                <a:latin typeface="Roboto"/>
+                <a:ea typeface="Roboto"/>
+                <a:cs typeface="Roboto"/>
+                <a:sym typeface="Roboto"/>
+              </a:defRPr>
+            </a:lvl4pPr>
+            <a:lvl5pPr marR="0" lvl="4" algn="l" rtl="0">
+              <a:lnSpc>
+                <a:spcPct val="80000"/>
+              </a:lnSpc>
+              <a:spcBef>
+                <a:spcPts val="0"/>
+              </a:spcBef>
+              <a:spcAft>
+                <a:spcPts val="0"/>
+              </a:spcAft>
+              <a:buClr>
+                <a:schemeClr val="dk1"/>
+              </a:buClr>
+              <a:buSzPts val="15000"/>
+              <a:buFont typeface="Roboto"/>
+              <a:buNone/>
+              <a:defRPr sz="15000" b="1" i="0" u="none" strike="noStrike" cap="none">
+                <a:solidFill>
+                  <a:schemeClr val="dk1"/>
+                </a:solidFill>
+                <a:latin typeface="Roboto"/>
+                <a:ea typeface="Roboto"/>
+                <a:cs typeface="Roboto"/>
+                <a:sym typeface="Roboto"/>
+              </a:defRPr>
+            </a:lvl5pPr>
+            <a:lvl6pPr marR="0" lvl="5" algn="l" rtl="0">
+              <a:lnSpc>
+                <a:spcPct val="80000"/>
+              </a:lnSpc>
+              <a:spcBef>
+                <a:spcPts val="0"/>
+              </a:spcBef>
+              <a:spcAft>
+                <a:spcPts val="0"/>
+              </a:spcAft>
+              <a:buClr>
+                <a:schemeClr val="dk1"/>
+              </a:buClr>
+              <a:buSzPts val="15000"/>
+              <a:buFont typeface="Roboto"/>
+              <a:buNone/>
+              <a:defRPr sz="15000" b="1" i="0" u="none" strike="noStrike" cap="none">
+                <a:solidFill>
+                  <a:schemeClr val="dk1"/>
+                </a:solidFill>
+                <a:latin typeface="Roboto"/>
+                <a:ea typeface="Roboto"/>
+                <a:cs typeface="Roboto"/>
+                <a:sym typeface="Roboto"/>
+              </a:defRPr>
+            </a:lvl6pPr>
+            <a:lvl7pPr marR="0" lvl="6" algn="l" rtl="0">
+              <a:lnSpc>
+                <a:spcPct val="80000"/>
+              </a:lnSpc>
+              <a:spcBef>
+                <a:spcPts val="0"/>
+              </a:spcBef>
+              <a:spcAft>
+                <a:spcPts val="0"/>
+              </a:spcAft>
+              <a:buClr>
+                <a:schemeClr val="dk1"/>
+              </a:buClr>
+              <a:buSzPts val="15000"/>
+              <a:buFont typeface="Roboto"/>
+              <a:buNone/>
+              <a:defRPr sz="15000" b="1" i="0" u="none" strike="noStrike" cap="none">
+                <a:solidFill>
+                  <a:schemeClr val="dk1"/>
+                </a:solidFill>
+                <a:latin typeface="Roboto"/>
+                <a:ea typeface="Roboto"/>
+                <a:cs typeface="Roboto"/>
+                <a:sym typeface="Roboto"/>
+              </a:defRPr>
+            </a:lvl7pPr>
+            <a:lvl8pPr marR="0" lvl="7" algn="l" rtl="0">
+              <a:lnSpc>
+                <a:spcPct val="80000"/>
+              </a:lnSpc>
+              <a:spcBef>
+                <a:spcPts val="0"/>
+              </a:spcBef>
+              <a:spcAft>
+                <a:spcPts val="0"/>
+              </a:spcAft>
+              <a:buClr>
+                <a:schemeClr val="dk1"/>
+              </a:buClr>
+              <a:buSzPts val="15000"/>
+              <a:buFont typeface="Roboto"/>
+              <a:buNone/>
+              <a:defRPr sz="15000" b="1" i="0" u="none" strike="noStrike" cap="none">
+                <a:solidFill>
+                  <a:schemeClr val="dk1"/>
+                </a:solidFill>
+                <a:latin typeface="Roboto"/>
+                <a:ea typeface="Roboto"/>
+                <a:cs typeface="Roboto"/>
+                <a:sym typeface="Roboto"/>
+              </a:defRPr>
+            </a:lvl8pPr>
+            <a:lvl9pPr marR="0" lvl="8" algn="l" rtl="0">
+              <a:lnSpc>
+                <a:spcPct val="80000"/>
+              </a:lnSpc>
+              <a:spcBef>
+                <a:spcPts val="0"/>
+              </a:spcBef>
+              <a:spcAft>
+                <a:spcPts val="0"/>
+              </a:spcAft>
+              <a:buClr>
+                <a:schemeClr val="dk1"/>
+              </a:buClr>
+              <a:buSzPts val="15000"/>
+              <a:buFont typeface="Roboto"/>
+              <a:buNone/>
+              <a:defRPr sz="15000" b="1" i="0" u="none" strike="noStrike" cap="none">
+                <a:solidFill>
+                  <a:schemeClr val="dk1"/>
+                </a:solidFill>
+                <a:latin typeface="Roboto"/>
+                <a:ea typeface="Roboto"/>
+                <a:cs typeface="Roboto"/>
+                <a:sym typeface="Roboto"/>
+              </a:defRPr>
+            </a:lvl9pPr>
+          </a:lstStyle>
+          <a:p>
+            <a:r>
+              <a:rPr lang="ru" sz="4000" dirty="0">
+                <a:solidFill>
+                  <a:schemeClr val="accent6">
+                    <a:lumMod val="60000"/>
+                    <a:lumOff val="40000"/>
+                  </a:schemeClr>
+                </a:solidFill>
+              </a:rPr>
+              <a:t>Инструменты разработки</a:t>
+            </a:r>
+            <a:endParaRPr lang="ru-RU" dirty="0">
+              <a:solidFill>
+                <a:schemeClr val="accent6">
+                  <a:lumMod val="60000"/>
+                  <a:lumOff val="40000"/>
+                </a:schemeClr>
+              </a:solidFill>
+            </a:endParaRPr>
+          </a:p>
+        </p:txBody>
+      </p:sp>
+      <p:pic>
+        <p:nvPicPr>
+          <p:cNvPr id="14" name="Picture 10" descr="Django logo and symbol, meaning, history, PNG">
+            <a:extLst>
+              <a:ext uri="{FF2B5EF4-FFF2-40B4-BE49-F238E27FC236}">
+                <a16:creationId xmlns:a16="http://schemas.microsoft.com/office/drawing/2014/main" id="{DC315CB1-53B7-12F3-7E0D-5BA7DFC00210}"/>
+              </a:ext>
+            </a:extLst>
+          </p:cNvPr>
+          <p:cNvPicPr>
+            <a:picLocks noChangeAspect="1" noChangeArrowheads="1"/>
+          </p:cNvPicPr>
+          <p:nvPr/>
+        </p:nvPicPr>
+        <p:blipFill>
+          <a:blip r:embed="rId3" cstate="print">
+            <a:extLst>
+              <a:ext uri="{28A0092B-C50C-407E-A947-70E740481C1C}">
+                <a14:useLocalDpi xmlns:a14="http://schemas.microsoft.com/office/drawing/2010/main" val="0"/>
+              </a:ext>
+            </a:extLst>
+          </a:blip>
+          <a:srcRect/>
+          <a:stretch>
+            <a:fillRect/>
+          </a:stretch>
+        </p:blipFill>
+        <p:spPr bwMode="auto">
+          <a:xfrm>
+            <a:off x="1858826" y="3982318"/>
+            <a:ext cx="2718825" cy="1699266"/>
+          </a:xfrm>
+          <a:prstGeom prst="rect">
+            <a:avLst/>
+          </a:prstGeom>
+          <a:noFill/>
+          <a:extLst>
+            <a:ext uri="{909E8E84-426E-40DD-AFC4-6F175D3DCCD1}">
+              <a14:hiddenFill xmlns:a14="http://schemas.microsoft.com/office/drawing/2010/main">
+                <a:solidFill>
+                  <a:srgbClr val="FFFFFF"/>
+                </a:solidFill>
+              </a14:hiddenFill>
+            </a:ext>
+          </a:extLst>
+        </p:spPr>
+      </p:pic>
+      <p:pic>
+        <p:nvPicPr>
+          <p:cNvPr id="1028" name="Picture 4" descr="Файл:Python logo and wordmark.svg — Википедия"/>
+          <p:cNvPicPr>
+            <a:picLocks noChangeAspect="1" noChangeArrowheads="1"/>
+          </p:cNvPicPr>
+          <p:nvPr/>
+        </p:nvPicPr>
+        <p:blipFill>
+          <a:blip r:embed="rId4">
+            <a:extLst>
+              <a:ext uri="{28A0092B-C50C-407E-A947-70E740481C1C}">
+                <a14:useLocalDpi xmlns:a14="http://schemas.microsoft.com/office/drawing/2010/main" val="0"/>
+              </a:ext>
+            </a:extLst>
+          </a:blip>
+          <a:srcRect/>
+          <a:stretch>
+            <a:fillRect/>
+          </a:stretch>
+        </p:blipFill>
+        <p:spPr bwMode="auto">
+          <a:xfrm>
+            <a:off x="2301773" y="1955348"/>
+            <a:ext cx="4550312" cy="1349097"/>
+          </a:xfrm>
+          <a:prstGeom prst="rect">
+            <a:avLst/>
+          </a:prstGeom>
+          <a:noFill/>
+          <a:extLst>
+            <a:ext uri="{909E8E84-426E-40DD-AFC4-6F175D3DCCD1}">
+              <a14:hiddenFill xmlns:a14="http://schemas.microsoft.com/office/drawing/2010/main">
+                <a:solidFill>
+                  <a:srgbClr val="FFFFFF"/>
+                </a:solidFill>
+              </a14:hiddenFill>
+            </a:ext>
+          </a:extLst>
+        </p:spPr>
+      </p:pic>
+      <p:pic>
+        <p:nvPicPr>
+          <p:cNvPr id="1038" name="Picture 14" descr="в PostgreSQL равнина словесный логотип - Социальные медиа и логотипы Иконки"/>
+          <p:cNvPicPr>
+            <a:picLocks noChangeAspect="1" noChangeArrowheads="1"/>
+          </p:cNvPicPr>
+          <p:nvPr/>
+        </p:nvPicPr>
+        <p:blipFill>
+          <a:blip r:embed="rId5">
+            <a:extLst>
+              <a:ext uri="{28A0092B-C50C-407E-A947-70E740481C1C}">
+                <a14:useLocalDpi xmlns:a14="http://schemas.microsoft.com/office/drawing/2010/main" val="0"/>
+              </a:ext>
+            </a:extLst>
+          </a:blip>
+          <a:srcRect/>
+          <a:stretch>
+            <a:fillRect/>
+          </a:stretch>
+        </p:blipFill>
+        <p:spPr bwMode="auto">
+          <a:xfrm>
+            <a:off x="8183762" y="1743562"/>
+            <a:ext cx="2421846" cy="2421847"/>
+          </a:xfrm>
+          <a:prstGeom prst="rect">
+            <a:avLst/>
+          </a:prstGeom>
+          <a:noFill/>
+          <a:extLst>
+            <a:ext uri="{909E8E84-426E-40DD-AFC4-6F175D3DCCD1}">
+              <a14:hiddenFill xmlns:a14="http://schemas.microsoft.com/office/drawing/2010/main">
+                <a:solidFill>
+                  <a:srgbClr val="FFFFFF"/>
+                </a:solidFill>
+              </a14:hiddenFill>
+            </a:ext>
+          </a:extLst>
+        </p:spPr>
+      </p:pic>
+      <p:pic>
+        <p:nvPicPr>
+          <p:cNvPr id="23" name="Picture 6">
+            <a:extLst>
+              <a:ext uri="{FF2B5EF4-FFF2-40B4-BE49-F238E27FC236}">
+                <a16:creationId xmlns:a16="http://schemas.microsoft.com/office/drawing/2014/main" id="{9B7F5165-34E3-E2D9-2601-545D581470FF}"/>
+              </a:ext>
+            </a:extLst>
+          </p:cNvPr>
+          <p:cNvPicPr>
+            <a:picLocks noChangeAspect="1" noChangeArrowheads="1"/>
+          </p:cNvPicPr>
+          <p:nvPr/>
+        </p:nvPicPr>
+        <p:blipFill>
+          <a:blip r:embed="rId6" cstate="print">
+            <a:extLst>
+              <a:ext uri="{28A0092B-C50C-407E-A947-70E740481C1C}">
+                <a14:useLocalDpi xmlns:a14="http://schemas.microsoft.com/office/drawing/2010/main" val="0"/>
+              </a:ext>
+            </a:extLst>
+          </a:blip>
+          <a:srcRect/>
+          <a:stretch>
+            <a:fillRect/>
+          </a:stretch>
+        </p:blipFill>
+        <p:spPr bwMode="auto">
+          <a:xfrm>
+            <a:off x="5520408" y="3500274"/>
+            <a:ext cx="2663354" cy="2663354"/>
+          </a:xfrm>
+          <a:prstGeom prst="rect">
+            <a:avLst/>
+          </a:prstGeom>
+          <a:noFill/>
+          <a:extLst>
+            <a:ext uri="{909E8E84-426E-40DD-AFC4-6F175D3DCCD1}">
+              <a14:hiddenFill xmlns:a14="http://schemas.microsoft.com/office/drawing/2010/main">
+                <a:solidFill>
+                  <a:srgbClr val="FFFFFF"/>
+                </a:solidFill>
+              </a14:hiddenFill>
+            </a:ext>
+          </a:extLst>
+        </p:spPr>
+      </p:pic>
+      <p:sp>
+        <p:nvSpPr>
+          <p:cNvPr id="7" name="TextBox 6"/>
+          <p:cNvSpPr txBox="1"/>
+          <p:nvPr/>
+        </p:nvSpPr>
+        <p:spPr>
+          <a:xfrm>
+            <a:off x="11342254" y="6193035"/>
+            <a:ext cx="775855" cy="461665"/>
+          </a:xfrm>
+          <a:prstGeom prst="rect">
+            <a:avLst/>
+          </a:prstGeom>
+          <a:noFill/>
+        </p:spPr>
+        <p:txBody>
+          <a:bodyPr wrap="square" rtlCol="0">
+            <a:spAutoFit/>
+          </a:bodyPr>
+          <a:lstStyle/>
+          <a:p>
+            <a:pPr algn="ctr"/>
+            <a:fld id="{B08330D2-3CAD-4E72-ADC6-37C71068FE05}" type="slidenum">
+              <a:rPr lang="ru-RU" sz="2400" smtClean="0">
+                <a:solidFill>
+                  <a:schemeClr val="accent6">
+                    <a:lumMod val="60000"/>
+                    <a:lumOff val="40000"/>
+                  </a:schemeClr>
+                </a:solidFill>
+                <a:latin typeface="Roboto" panose="020B0604020202020204" charset="0"/>
+                <a:ea typeface="Roboto" panose="020B0604020202020204" charset="0"/>
+                <a:cs typeface="Roboto" panose="020B0604020202020204" charset="0"/>
+              </a:rPr>
+              <a:t>7</a:t>
+            </a:fld>
+            <a:endParaRPr lang="ru-RU" sz="2400" dirty="0">
+              <a:solidFill>
+                <a:schemeClr val="accent6">
+                  <a:lumMod val="60000"/>
+                  <a:lumOff val="40000"/>
+                </a:schemeClr>
+              </a:solidFill>
+              <a:latin typeface="Roboto" panose="020B0604020202020204" charset="0"/>
+              <a:ea typeface="Roboto" panose="020B0604020202020204" charset="0"/>
+              <a:cs typeface="Roboto" panose="020B0604020202020204" charset="0"/>
+            </a:endParaRPr>
+          </a:p>
+        </p:txBody>
+      </p:sp>
+    </p:spTree>
+    <p:extLst>
+      <p:ext uri="{BB962C8B-B14F-4D97-AF65-F5344CB8AC3E}">
+        <p14:creationId xmlns:p14="http://schemas.microsoft.com/office/powerpoint/2010/main" val="1807206091"/>
+      </p:ext>
+    </p:extLst>
+  </p:cSld>
+  <p:clrMapOvr>
+    <a:masterClrMapping/>
+  </p:clrMapOvr>
+  <p:timing>
+    <p:tnLst>
+      <p:par>
+        <p:cTn id="1" dur="indefinite" restart="never" nodeType="tmRoot"/>
+      </p:par>
+    </p:tnLst>
+  </p:timing>
+</p:sld>
+</file>
+
+<file path=ppt/slides/slide8.xml><?xml version="1.0" encoding="utf-8"?>
 <p:sld xmlns:a="http://schemas.openxmlformats.org/drawingml/2006/main" xmlns:r="http://schemas.openxmlformats.org/officeDocument/2006/relationships" xmlns:p="http://schemas.openxmlformats.org/presentationml/2006/main">
   <p:cSld>
     <p:spTree>
@@ -23913,8 +26796,7 @@
               <a:rPr lang="ru-RU" sz="3600" dirty="0" smtClean="0">
                 <a:solidFill>
                   <a:schemeClr val="accent6">
-                    <a:lumMod val="60000"/>
-                    <a:lumOff val="40000"/>
+                    <a:lumMod val="75000"/>
                   </a:schemeClr>
                 </a:solidFill>
               </a:rPr>
@@ -23923,10 +26805,58 @@
             <a:endParaRPr lang="ru-RU" sz="2000" dirty="0">
               <a:solidFill>
                 <a:schemeClr val="accent6">
-                  <a:lumMod val="60000"/>
-                  <a:lumOff val="40000"/>
+                  <a:lumMod val="75000"/>
                 </a:schemeClr>
               </a:solidFill>
+            </a:endParaRPr>
+          </a:p>
+        </p:txBody>
+      </p:sp>
+      <p:sp>
+        <p:nvSpPr>
+          <p:cNvPr id="4" name="TextBox 3"/>
+          <p:cNvSpPr txBox="1"/>
+          <p:nvPr/>
+        </p:nvSpPr>
+        <p:spPr>
+          <a:xfrm>
+            <a:off x="11342254" y="6193035"/>
+            <a:ext cx="775855" cy="461665"/>
+          </a:xfrm>
+          <a:prstGeom prst="rect">
+            <a:avLst/>
+          </a:prstGeom>
+          <a:noFill/>
+        </p:spPr>
+        <p:txBody>
+          <a:bodyPr wrap="square" rtlCol="0">
+            <a:spAutoFit/>
+          </a:bodyPr>
+          <a:lstStyle/>
+          <a:p>
+            <a:pPr algn="ctr"/>
+            <a:fld id="{367C1650-B721-4805-8860-23A7DBFD19E2}" type="slidenum">
+              <a:rPr lang="ru-RU" sz="2400" smtClean="0">
+                <a:solidFill>
+                  <a:schemeClr val="accent6">
+                    <a:lumMod val="75000"/>
+                  </a:schemeClr>
+                </a:solidFill>
+                <a:latin typeface="Roboto" panose="020B0604020202020204" charset="0"/>
+                <a:ea typeface="Roboto" panose="020B0604020202020204" charset="0"/>
+                <a:cs typeface="Roboto" panose="020B0604020202020204" charset="0"/>
+              </a:rPr>
+              <a:t>8</a:t>
+            </a:fld>
+            <a:endParaRPr lang="ru-RU" sz="2400" dirty="0">
+              <a:solidFill>
+                <a:schemeClr val="accent6">
+                  <a:lumMod val="75000"/>
+                </a:schemeClr>
+              </a:solidFill>
+              <a:latin typeface="Roboto" panose="020B0604020202020204" charset="0"/>
+              <a:ea typeface="Roboto" panose="020B0604020202020204" charset="0"/>
+              <a:cs typeface="Roboto" panose="020B0604020202020204" charset="0"/>
             </a:endParaRPr>
           </a:p>
         </p:txBody>
@@ -23941,10 +26871,17 @@
   <p:clrMapOvr>
     <a:masterClrMapping/>
   </p:clrMapOvr>
+  <p:timing>
+    <p:tnLst>
+      <p:par>
+        <p:cTn id="1" dur="indefinite" restart="never" nodeType="tmRoot"/>
+      </p:par>
+    </p:tnLst>
+  </p:timing>
 </p:sld>
 </file>
 
-<file path=ppt/slides/slide7.xml><?xml version="1.0" encoding="utf-8"?>
+<file path=ppt/slides/slide9.xml><?xml version="1.0" encoding="utf-8"?>
 <p:sld xmlns:a="http://schemas.openxmlformats.org/drawingml/2006/main" xmlns:r="http://schemas.openxmlformats.org/officeDocument/2006/relationships" xmlns:p="http://schemas.openxmlformats.org/presentationml/2006/main">
   <p:cSld>
     <p:spTree>
@@ -24043,7 +26980,7 @@
         <p:spPr>
           <a:xfrm>
             <a:off x="1293091" y="89609"/>
-            <a:ext cx="7406945" cy="976585"/>
+            <a:ext cx="8478982" cy="976585"/>
           </a:xfrm>
         </p:spPr>
         <p:txBody>
@@ -24288,833 +27225,16 @@
           </a:ln>
         </p:spPr>
       </p:pic>
-    </p:spTree>
-    <p:extLst>
-      <p:ext uri="{BB962C8B-B14F-4D97-AF65-F5344CB8AC3E}">
-        <p14:creationId xmlns:p14="http://schemas.microsoft.com/office/powerpoint/2010/main" val="177243930"/>
-      </p:ext>
-    </p:extLst>
-  </p:cSld>
-  <p:clrMapOvr>
-    <a:masterClrMapping/>
-  </p:clrMapOvr>
-</p:sld>
-</file>
-
-<file path=ppt/slides/slide8.xml><?xml version="1.0" encoding="utf-8"?>
-<p:sld xmlns:a="http://schemas.openxmlformats.org/drawingml/2006/main" xmlns:r="http://schemas.openxmlformats.org/officeDocument/2006/relationships" xmlns:p="http://schemas.openxmlformats.org/presentationml/2006/main">
-  <p:cSld>
-    <p:spTree>
-      <p:nvGrpSpPr>
-        <p:cNvPr id="1" name="Shape 511"/>
-        <p:cNvGrpSpPr/>
-        <p:nvPr/>
-      </p:nvGrpSpPr>
-      <p:grpSpPr>
-        <a:xfrm>
-          <a:off x="0" y="0"/>
-          <a:ext cx="0" cy="0"/>
-          <a:chOff x="0" y="0"/>
-          <a:chExt cx="0" cy="0"/>
-        </a:xfrm>
-      </p:grpSpPr>
       <p:sp>
         <p:nvSpPr>
-          <p:cNvPr id="24" name="Google Shape;424;p27"/>
-          <p:cNvSpPr txBox="1">
-            <a:spLocks/>
-          </p:cNvSpPr>
+          <p:cNvPr id="12" name="TextBox 11"/>
+          <p:cNvSpPr txBox="1"/>
           <p:nvPr/>
         </p:nvSpPr>
         <p:spPr>
           <a:xfrm>
-            <a:off x="906683" y="513975"/>
-            <a:ext cx="10110300" cy="763500"/>
-          </a:xfrm>
-          <a:prstGeom prst="rect">
-            <a:avLst/>
-          </a:prstGeom>
-          <a:noFill/>
-          <a:ln>
-            <a:noFill/>
-          </a:ln>
-        </p:spPr>
-        <p:txBody>
-          <a:bodyPr spcFirstLastPara="1" wrap="square" lIns="121900" tIns="121900" rIns="121900" bIns="121900" anchor="t" anchorCtr="0">
-            <a:noAutofit/>
-          </a:bodyPr>
-          <a:lstStyle>
-            <a:defPPr marR="0" lvl="0" algn="l" rtl="0">
-              <a:lnSpc>
-                <a:spcPct val="100000"/>
-              </a:lnSpc>
-              <a:spcBef>
-                <a:spcPts val="0"/>
-              </a:spcBef>
-              <a:spcAft>
-                <a:spcPts val="0"/>
-              </a:spcAft>
-            </a:defPPr>
-            <a:lvl1pPr marR="0" lvl="0" algn="l" rtl="0">
-              <a:lnSpc>
-                <a:spcPct val="80000"/>
-              </a:lnSpc>
-              <a:spcBef>
-                <a:spcPts val="0"/>
-              </a:spcBef>
-              <a:spcAft>
-                <a:spcPts val="0"/>
-              </a:spcAft>
-              <a:buClr>
-                <a:schemeClr val="dk1"/>
-              </a:buClr>
-              <a:buSzPts val="6000"/>
-              <a:buFont typeface="Roboto"/>
-              <a:buNone/>
-              <a:defRPr sz="6000" b="1" i="0" u="none" strike="noStrike" cap="none">
-                <a:solidFill>
-                  <a:schemeClr val="dk1"/>
-                </a:solidFill>
-                <a:latin typeface="Roboto"/>
-                <a:ea typeface="Roboto"/>
-                <a:cs typeface="Roboto"/>
-                <a:sym typeface="Roboto"/>
-              </a:defRPr>
-            </a:lvl1pPr>
-            <a:lvl2pPr marR="0" lvl="1" algn="l" rtl="0">
-              <a:lnSpc>
-                <a:spcPct val="80000"/>
-              </a:lnSpc>
-              <a:spcBef>
-                <a:spcPts val="0"/>
-              </a:spcBef>
-              <a:spcAft>
-                <a:spcPts val="0"/>
-              </a:spcAft>
-              <a:buClr>
-                <a:schemeClr val="dk1"/>
-              </a:buClr>
-              <a:buSzPts val="15000"/>
-              <a:buFont typeface="Roboto"/>
-              <a:buNone/>
-              <a:defRPr sz="15000" b="1" i="0" u="none" strike="noStrike" cap="none">
-                <a:solidFill>
-                  <a:schemeClr val="dk1"/>
-                </a:solidFill>
-                <a:latin typeface="Roboto"/>
-                <a:ea typeface="Roboto"/>
-                <a:cs typeface="Roboto"/>
-                <a:sym typeface="Roboto"/>
-              </a:defRPr>
-            </a:lvl2pPr>
-            <a:lvl3pPr marR="0" lvl="2" algn="l" rtl="0">
-              <a:lnSpc>
-                <a:spcPct val="80000"/>
-              </a:lnSpc>
-              <a:spcBef>
-                <a:spcPts val="0"/>
-              </a:spcBef>
-              <a:spcAft>
-                <a:spcPts val="0"/>
-              </a:spcAft>
-              <a:buClr>
-                <a:schemeClr val="dk1"/>
-              </a:buClr>
-              <a:buSzPts val="15000"/>
-              <a:buFont typeface="Roboto"/>
-              <a:buNone/>
-              <a:defRPr sz="15000" b="1" i="0" u="none" strike="noStrike" cap="none">
-                <a:solidFill>
-                  <a:schemeClr val="dk1"/>
-                </a:solidFill>
-                <a:latin typeface="Roboto"/>
-                <a:ea typeface="Roboto"/>
-                <a:cs typeface="Roboto"/>
-                <a:sym typeface="Roboto"/>
-              </a:defRPr>
-            </a:lvl3pPr>
-            <a:lvl4pPr marR="0" lvl="3" algn="l" rtl="0">
-              <a:lnSpc>
-                <a:spcPct val="80000"/>
-              </a:lnSpc>
-              <a:spcBef>
-                <a:spcPts val="0"/>
-              </a:spcBef>
-              <a:spcAft>
-                <a:spcPts val="0"/>
-              </a:spcAft>
-              <a:buClr>
-                <a:schemeClr val="dk1"/>
-              </a:buClr>
-              <a:buSzPts val="15000"/>
-              <a:buFont typeface="Roboto"/>
-              <a:buNone/>
-              <a:defRPr sz="15000" b="1" i="0" u="none" strike="noStrike" cap="none">
-                <a:solidFill>
-                  <a:schemeClr val="dk1"/>
-                </a:solidFill>
-                <a:latin typeface="Roboto"/>
-                <a:ea typeface="Roboto"/>
-                <a:cs typeface="Roboto"/>
-                <a:sym typeface="Roboto"/>
-              </a:defRPr>
-            </a:lvl4pPr>
-            <a:lvl5pPr marR="0" lvl="4" algn="l" rtl="0">
-              <a:lnSpc>
-                <a:spcPct val="80000"/>
-              </a:lnSpc>
-              <a:spcBef>
-                <a:spcPts val="0"/>
-              </a:spcBef>
-              <a:spcAft>
-                <a:spcPts val="0"/>
-              </a:spcAft>
-              <a:buClr>
-                <a:schemeClr val="dk1"/>
-              </a:buClr>
-              <a:buSzPts val="15000"/>
-              <a:buFont typeface="Roboto"/>
-              <a:buNone/>
-              <a:defRPr sz="15000" b="1" i="0" u="none" strike="noStrike" cap="none">
-                <a:solidFill>
-                  <a:schemeClr val="dk1"/>
-                </a:solidFill>
-                <a:latin typeface="Roboto"/>
-                <a:ea typeface="Roboto"/>
-                <a:cs typeface="Roboto"/>
-                <a:sym typeface="Roboto"/>
-              </a:defRPr>
-            </a:lvl5pPr>
-            <a:lvl6pPr marR="0" lvl="5" algn="l" rtl="0">
-              <a:lnSpc>
-                <a:spcPct val="80000"/>
-              </a:lnSpc>
-              <a:spcBef>
-                <a:spcPts val="0"/>
-              </a:spcBef>
-              <a:spcAft>
-                <a:spcPts val="0"/>
-              </a:spcAft>
-              <a:buClr>
-                <a:schemeClr val="dk1"/>
-              </a:buClr>
-              <a:buSzPts val="15000"/>
-              <a:buFont typeface="Roboto"/>
-              <a:buNone/>
-              <a:defRPr sz="15000" b="1" i="0" u="none" strike="noStrike" cap="none">
-                <a:solidFill>
-                  <a:schemeClr val="dk1"/>
-                </a:solidFill>
-                <a:latin typeface="Roboto"/>
-                <a:ea typeface="Roboto"/>
-                <a:cs typeface="Roboto"/>
-                <a:sym typeface="Roboto"/>
-              </a:defRPr>
-            </a:lvl6pPr>
-            <a:lvl7pPr marR="0" lvl="6" algn="l" rtl="0">
-              <a:lnSpc>
-                <a:spcPct val="80000"/>
-              </a:lnSpc>
-              <a:spcBef>
-                <a:spcPts val="0"/>
-              </a:spcBef>
-              <a:spcAft>
-                <a:spcPts val="0"/>
-              </a:spcAft>
-              <a:buClr>
-                <a:schemeClr val="dk1"/>
-              </a:buClr>
-              <a:buSzPts val="15000"/>
-              <a:buFont typeface="Roboto"/>
-              <a:buNone/>
-              <a:defRPr sz="15000" b="1" i="0" u="none" strike="noStrike" cap="none">
-                <a:solidFill>
-                  <a:schemeClr val="dk1"/>
-                </a:solidFill>
-                <a:latin typeface="Roboto"/>
-                <a:ea typeface="Roboto"/>
-                <a:cs typeface="Roboto"/>
-                <a:sym typeface="Roboto"/>
-              </a:defRPr>
-            </a:lvl7pPr>
-            <a:lvl8pPr marR="0" lvl="7" algn="l" rtl="0">
-              <a:lnSpc>
-                <a:spcPct val="80000"/>
-              </a:lnSpc>
-              <a:spcBef>
-                <a:spcPts val="0"/>
-              </a:spcBef>
-              <a:spcAft>
-                <a:spcPts val="0"/>
-              </a:spcAft>
-              <a:buClr>
-                <a:schemeClr val="dk1"/>
-              </a:buClr>
-              <a:buSzPts val="15000"/>
-              <a:buFont typeface="Roboto"/>
-              <a:buNone/>
-              <a:defRPr sz="15000" b="1" i="0" u="none" strike="noStrike" cap="none">
-                <a:solidFill>
-                  <a:schemeClr val="dk1"/>
-                </a:solidFill>
-                <a:latin typeface="Roboto"/>
-                <a:ea typeface="Roboto"/>
-                <a:cs typeface="Roboto"/>
-                <a:sym typeface="Roboto"/>
-              </a:defRPr>
-            </a:lvl8pPr>
-            <a:lvl9pPr marR="0" lvl="8" algn="l" rtl="0">
-              <a:lnSpc>
-                <a:spcPct val="80000"/>
-              </a:lnSpc>
-              <a:spcBef>
-                <a:spcPts val="0"/>
-              </a:spcBef>
-              <a:spcAft>
-                <a:spcPts val="0"/>
-              </a:spcAft>
-              <a:buClr>
-                <a:schemeClr val="dk1"/>
-              </a:buClr>
-              <a:buSzPts val="15000"/>
-              <a:buFont typeface="Roboto"/>
-              <a:buNone/>
-              <a:defRPr sz="15000" b="1" i="0" u="none" strike="noStrike" cap="none">
-                <a:solidFill>
-                  <a:schemeClr val="dk1"/>
-                </a:solidFill>
-                <a:latin typeface="Roboto"/>
-                <a:ea typeface="Roboto"/>
-                <a:cs typeface="Roboto"/>
-                <a:sym typeface="Roboto"/>
-              </a:defRPr>
-            </a:lvl9pPr>
-          </a:lstStyle>
-          <a:p>
-            <a:r>
-              <a:rPr lang="ru" sz="4000" dirty="0">
-                <a:solidFill>
-                  <a:schemeClr val="accent6">
-                    <a:lumMod val="60000"/>
-                    <a:lumOff val="40000"/>
-                  </a:schemeClr>
-                </a:solidFill>
-              </a:rPr>
-              <a:t>Инструменты разработки</a:t>
-            </a:r>
-            <a:endParaRPr lang="ru-RU" dirty="0">
-              <a:solidFill>
-                <a:schemeClr val="accent6">
-                  <a:lumMod val="60000"/>
-                  <a:lumOff val="40000"/>
-                </a:schemeClr>
-              </a:solidFill>
-            </a:endParaRPr>
-          </a:p>
-        </p:txBody>
-      </p:sp>
-      <p:pic>
-        <p:nvPicPr>
-          <p:cNvPr id="14" name="Picture 10" descr="Django logo and symbol, meaning, history, PNG">
-            <a:extLst>
-              <a:ext uri="{FF2B5EF4-FFF2-40B4-BE49-F238E27FC236}">
-                <a16:creationId xmlns:a16="http://schemas.microsoft.com/office/drawing/2014/main" id="{DC315CB1-53B7-12F3-7E0D-5BA7DFC00210}"/>
-              </a:ext>
-            </a:extLst>
-          </p:cNvPr>
-          <p:cNvPicPr>
-            <a:picLocks noChangeAspect="1" noChangeArrowheads="1"/>
-          </p:cNvPicPr>
-          <p:nvPr/>
-        </p:nvPicPr>
-        <p:blipFill>
-          <a:blip r:embed="rId3" cstate="print">
-            <a:extLst>
-              <a:ext uri="{28A0092B-C50C-407E-A947-70E740481C1C}">
-                <a14:useLocalDpi xmlns:a14="http://schemas.microsoft.com/office/drawing/2010/main" val="0"/>
-              </a:ext>
-            </a:extLst>
-          </a:blip>
-          <a:srcRect/>
-          <a:stretch>
-            <a:fillRect/>
-          </a:stretch>
-        </p:blipFill>
-        <p:spPr bwMode="auto">
-          <a:xfrm>
-            <a:off x="1858826" y="3982318"/>
-            <a:ext cx="2718825" cy="1699266"/>
-          </a:xfrm>
-          <a:prstGeom prst="rect">
-            <a:avLst/>
-          </a:prstGeom>
-          <a:noFill/>
-          <a:extLst>
-            <a:ext uri="{909E8E84-426E-40DD-AFC4-6F175D3DCCD1}">
-              <a14:hiddenFill xmlns:a14="http://schemas.microsoft.com/office/drawing/2010/main">
-                <a:solidFill>
-                  <a:srgbClr val="FFFFFF"/>
-                </a:solidFill>
-              </a14:hiddenFill>
-            </a:ext>
-          </a:extLst>
-        </p:spPr>
-      </p:pic>
-      <p:pic>
-        <p:nvPicPr>
-          <p:cNvPr id="1028" name="Picture 4" descr="Файл:Python logo and wordmark.svg — Википедия"/>
-          <p:cNvPicPr>
-            <a:picLocks noChangeAspect="1" noChangeArrowheads="1"/>
-          </p:cNvPicPr>
-          <p:nvPr/>
-        </p:nvPicPr>
-        <p:blipFill>
-          <a:blip r:embed="rId4">
-            <a:extLst>
-              <a:ext uri="{28A0092B-C50C-407E-A947-70E740481C1C}">
-                <a14:useLocalDpi xmlns:a14="http://schemas.microsoft.com/office/drawing/2010/main" val="0"/>
-              </a:ext>
-            </a:extLst>
-          </a:blip>
-          <a:srcRect/>
-          <a:stretch>
-            <a:fillRect/>
-          </a:stretch>
-        </p:blipFill>
-        <p:spPr bwMode="auto">
-          <a:xfrm>
-            <a:off x="2301773" y="1955348"/>
-            <a:ext cx="4550312" cy="1349097"/>
-          </a:xfrm>
-          <a:prstGeom prst="rect">
-            <a:avLst/>
-          </a:prstGeom>
-          <a:noFill/>
-          <a:extLst>
-            <a:ext uri="{909E8E84-426E-40DD-AFC4-6F175D3DCCD1}">
-              <a14:hiddenFill xmlns:a14="http://schemas.microsoft.com/office/drawing/2010/main">
-                <a:solidFill>
-                  <a:srgbClr val="FFFFFF"/>
-                </a:solidFill>
-              </a14:hiddenFill>
-            </a:ext>
-          </a:extLst>
-        </p:spPr>
-      </p:pic>
-      <p:pic>
-        <p:nvPicPr>
-          <p:cNvPr id="1038" name="Picture 14" descr="в PostgreSQL равнина словесный логотип - Социальные медиа и логотипы Иконки"/>
-          <p:cNvPicPr>
-            <a:picLocks noChangeAspect="1" noChangeArrowheads="1"/>
-          </p:cNvPicPr>
-          <p:nvPr/>
-        </p:nvPicPr>
-        <p:blipFill>
-          <a:blip r:embed="rId5">
-            <a:extLst>
-              <a:ext uri="{28A0092B-C50C-407E-A947-70E740481C1C}">
-                <a14:useLocalDpi xmlns:a14="http://schemas.microsoft.com/office/drawing/2010/main" val="0"/>
-              </a:ext>
-            </a:extLst>
-          </a:blip>
-          <a:srcRect/>
-          <a:stretch>
-            <a:fillRect/>
-          </a:stretch>
-        </p:blipFill>
-        <p:spPr bwMode="auto">
-          <a:xfrm>
-            <a:off x="8183762" y="1743562"/>
-            <a:ext cx="2421846" cy="2421847"/>
-          </a:xfrm>
-          <a:prstGeom prst="rect">
-            <a:avLst/>
-          </a:prstGeom>
-          <a:noFill/>
-          <a:extLst>
-            <a:ext uri="{909E8E84-426E-40DD-AFC4-6F175D3DCCD1}">
-              <a14:hiddenFill xmlns:a14="http://schemas.microsoft.com/office/drawing/2010/main">
-                <a:solidFill>
-                  <a:srgbClr val="FFFFFF"/>
-                </a:solidFill>
-              </a14:hiddenFill>
-            </a:ext>
-          </a:extLst>
-        </p:spPr>
-      </p:pic>
-      <p:pic>
-        <p:nvPicPr>
-          <p:cNvPr id="23" name="Picture 6">
-            <a:extLst>
-              <a:ext uri="{FF2B5EF4-FFF2-40B4-BE49-F238E27FC236}">
-                <a16:creationId xmlns:a16="http://schemas.microsoft.com/office/drawing/2014/main" id="{9B7F5165-34E3-E2D9-2601-545D581470FF}"/>
-              </a:ext>
-            </a:extLst>
-          </p:cNvPr>
-          <p:cNvPicPr>
-            <a:picLocks noChangeAspect="1" noChangeArrowheads="1"/>
-          </p:cNvPicPr>
-          <p:nvPr/>
-        </p:nvPicPr>
-        <p:blipFill>
-          <a:blip r:embed="rId6" cstate="print">
-            <a:extLst>
-              <a:ext uri="{28A0092B-C50C-407E-A947-70E740481C1C}">
-                <a14:useLocalDpi xmlns:a14="http://schemas.microsoft.com/office/drawing/2010/main" val="0"/>
-              </a:ext>
-            </a:extLst>
-          </a:blip>
-          <a:srcRect/>
-          <a:stretch>
-            <a:fillRect/>
-          </a:stretch>
-        </p:blipFill>
-        <p:spPr bwMode="auto">
-          <a:xfrm>
-            <a:off x="5520408" y="3500274"/>
-            <a:ext cx="2663354" cy="2663354"/>
-          </a:xfrm>
-          <a:prstGeom prst="rect">
-            <a:avLst/>
-          </a:prstGeom>
-          <a:noFill/>
-          <a:extLst>
-            <a:ext uri="{909E8E84-426E-40DD-AFC4-6F175D3DCCD1}">
-              <a14:hiddenFill xmlns:a14="http://schemas.microsoft.com/office/drawing/2010/main">
-                <a:solidFill>
-                  <a:srgbClr val="FFFFFF"/>
-                </a:solidFill>
-              </a14:hiddenFill>
-            </a:ext>
-          </a:extLst>
-        </p:spPr>
-      </p:pic>
-    </p:spTree>
-    <p:extLst>
-      <p:ext uri="{BB962C8B-B14F-4D97-AF65-F5344CB8AC3E}">
-        <p14:creationId xmlns:p14="http://schemas.microsoft.com/office/powerpoint/2010/main" val="1807206091"/>
-      </p:ext>
-    </p:extLst>
-  </p:cSld>
-  <p:clrMapOvr>
-    <a:masterClrMapping/>
-  </p:clrMapOvr>
-</p:sld>
-</file>
-
-<file path=ppt/slides/slide9.xml><?xml version="1.0" encoding="utf-8"?>
-<p:sld xmlns:a="http://schemas.openxmlformats.org/drawingml/2006/main" xmlns:r="http://schemas.openxmlformats.org/officeDocument/2006/relationships" xmlns:p="http://schemas.openxmlformats.org/presentationml/2006/main">
-  <p:cSld>
-    <p:spTree>
-      <p:nvGrpSpPr>
-        <p:cNvPr id="1" name="Shape 511"/>
-        <p:cNvGrpSpPr/>
-        <p:nvPr/>
-      </p:nvGrpSpPr>
-      <p:grpSpPr>
-        <a:xfrm>
-          <a:off x="0" y="0"/>
-          <a:ext cx="0" cy="0"/>
-          <a:chOff x="0" y="0"/>
-          <a:chExt cx="0" cy="0"/>
-        </a:xfrm>
-      </p:grpSpPr>
-      <p:sp>
-        <p:nvSpPr>
-          <p:cNvPr id="512" name="Google Shape;512;p35"/>
-          <p:cNvSpPr/>
-          <p:nvPr/>
-        </p:nvSpPr>
-        <p:spPr>
-          <a:xfrm>
-            <a:off x="5950036" y="797130"/>
-            <a:ext cx="5662500" cy="5297400"/>
-          </a:xfrm>
-          <a:prstGeom prst="roundRect">
-            <a:avLst>
-              <a:gd name="adj" fmla="val 3539"/>
-            </a:avLst>
-          </a:prstGeom>
-          <a:solidFill>
-            <a:schemeClr val="lt2"/>
-          </a:solidFill>
-          <a:ln>
-            <a:noFill/>
-          </a:ln>
-          <a:effectLst>
-            <a:outerShdw blurRad="63500" sx="102000" sy="102000" algn="ctr" rotWithShape="0">
-              <a:srgbClr val="000000">
-                <a:alpha val="9800"/>
-              </a:srgbClr>
-            </a:outerShdw>
-          </a:effectLst>
-        </p:spPr>
-        <p:txBody>
-          <a:bodyPr spcFirstLastPara="1" wrap="square" lIns="91425" tIns="45700" rIns="91425" bIns="45700" anchor="ctr" anchorCtr="0">
-            <a:noAutofit/>
-          </a:bodyPr>
-          <a:lstStyle/>
-          <a:p>
-            <a:pPr marL="0" marR="0" lvl="0" indent="0" algn="ctr" rtl="0">
-              <a:spcBef>
-                <a:spcPts val="0"/>
-              </a:spcBef>
-              <a:spcAft>
-                <a:spcPts val="0"/>
-              </a:spcAft>
-              <a:buNone/>
-            </a:pPr>
-            <a:endParaRPr sz="1800" b="0" i="0" u="none" strike="noStrike" cap="none">
-              <a:solidFill>
-                <a:srgbClr val="FFFFFF"/>
-              </a:solidFill>
-              <a:latin typeface="Calibri"/>
-              <a:ea typeface="Calibri"/>
-              <a:cs typeface="Calibri"/>
-              <a:sym typeface="Calibri"/>
-            </a:endParaRPr>
-          </a:p>
-        </p:txBody>
-      </p:sp>
-      <p:grpSp>
-        <p:nvGrpSpPr>
-          <p:cNvPr id="520" name="Google Shape;520;p35"/>
-          <p:cNvGrpSpPr/>
-          <p:nvPr/>
-        </p:nvGrpSpPr>
-        <p:grpSpPr>
-          <a:xfrm>
-            <a:off x="6162591" y="900084"/>
-            <a:ext cx="635280" cy="147600"/>
-            <a:chOff x="2147366" y="4139382"/>
-            <a:chExt cx="635280" cy="147600"/>
-          </a:xfrm>
-        </p:grpSpPr>
-        <p:sp>
-          <p:nvSpPr>
-            <p:cNvPr id="521" name="Google Shape;521;p35"/>
-            <p:cNvSpPr/>
-            <p:nvPr/>
-          </p:nvSpPr>
-          <p:spPr>
-            <a:xfrm>
-              <a:off x="2147366" y="4139382"/>
-              <a:ext cx="147600" cy="147600"/>
-            </a:xfrm>
-            <a:prstGeom prst="ellipse">
-              <a:avLst/>
-            </a:prstGeom>
-            <a:solidFill>
-              <a:schemeClr val="accent4"/>
-            </a:solidFill>
-            <a:ln>
-              <a:noFill/>
-            </a:ln>
-          </p:spPr>
-          <p:txBody>
-            <a:bodyPr spcFirstLastPara="1" wrap="square" lIns="91425" tIns="45700" rIns="91425" bIns="45700" anchor="ctr" anchorCtr="0">
-              <a:noAutofit/>
-            </a:bodyPr>
-            <a:lstStyle/>
-            <a:p>
-              <a:pPr marL="0" marR="0" lvl="0" indent="0" algn="ctr" rtl="0">
-                <a:spcBef>
-                  <a:spcPts val="0"/>
-                </a:spcBef>
-                <a:spcAft>
-                  <a:spcPts val="0"/>
-                </a:spcAft>
-                <a:buNone/>
-              </a:pPr>
-              <a:endParaRPr sz="1800" b="0" i="0" u="none" strike="noStrike" cap="none">
-                <a:solidFill>
-                  <a:srgbClr val="FFFFFF"/>
-                </a:solidFill>
-                <a:latin typeface="Calibri"/>
-                <a:ea typeface="Calibri"/>
-                <a:cs typeface="Calibri"/>
-                <a:sym typeface="Calibri"/>
-              </a:endParaRPr>
-            </a:p>
-          </p:txBody>
-        </p:sp>
-        <p:sp>
-          <p:nvSpPr>
-            <p:cNvPr id="522" name="Google Shape;522;p35"/>
-            <p:cNvSpPr/>
-            <p:nvPr/>
-          </p:nvSpPr>
-          <p:spPr>
-            <a:xfrm>
-              <a:off x="2391206" y="4139382"/>
-              <a:ext cx="147600" cy="147600"/>
-            </a:xfrm>
-            <a:prstGeom prst="ellipse">
-              <a:avLst/>
-            </a:prstGeom>
-            <a:solidFill>
-              <a:schemeClr val="accent5"/>
-            </a:solidFill>
-            <a:ln>
-              <a:noFill/>
-            </a:ln>
-          </p:spPr>
-          <p:txBody>
-            <a:bodyPr spcFirstLastPara="1" wrap="square" lIns="91425" tIns="45700" rIns="91425" bIns="45700" anchor="ctr" anchorCtr="0">
-              <a:noAutofit/>
-            </a:bodyPr>
-            <a:lstStyle/>
-            <a:p>
-              <a:pPr marL="0" marR="0" lvl="0" indent="0" algn="ctr" rtl="0">
-                <a:spcBef>
-                  <a:spcPts val="0"/>
-                </a:spcBef>
-                <a:spcAft>
-                  <a:spcPts val="0"/>
-                </a:spcAft>
-                <a:buNone/>
-              </a:pPr>
-              <a:endParaRPr sz="1800" b="0" i="0" u="none" strike="noStrike" cap="none">
-                <a:solidFill>
-                  <a:srgbClr val="FFFFFF"/>
-                </a:solidFill>
-                <a:latin typeface="Calibri"/>
-                <a:ea typeface="Calibri"/>
-                <a:cs typeface="Calibri"/>
-                <a:sym typeface="Calibri"/>
-              </a:endParaRPr>
-            </a:p>
-          </p:txBody>
-        </p:sp>
-        <p:sp>
-          <p:nvSpPr>
-            <p:cNvPr id="523" name="Google Shape;523;p35"/>
-            <p:cNvSpPr/>
-            <p:nvPr/>
-          </p:nvSpPr>
-          <p:spPr>
-            <a:xfrm>
-              <a:off x="2635046" y="4139382"/>
-              <a:ext cx="147600" cy="147600"/>
-            </a:xfrm>
-            <a:prstGeom prst="ellipse">
-              <a:avLst/>
-            </a:prstGeom>
-            <a:solidFill>
-              <a:schemeClr val="accent6"/>
-            </a:solidFill>
-            <a:ln>
-              <a:noFill/>
-            </a:ln>
-          </p:spPr>
-          <p:txBody>
-            <a:bodyPr spcFirstLastPara="1" wrap="square" lIns="91425" tIns="45700" rIns="91425" bIns="45700" anchor="ctr" anchorCtr="0">
-              <a:noAutofit/>
-            </a:bodyPr>
-            <a:lstStyle/>
-            <a:p>
-              <a:pPr marL="0" marR="0" lvl="0" indent="0" algn="ctr" rtl="0">
-                <a:spcBef>
-                  <a:spcPts val="0"/>
-                </a:spcBef>
-                <a:spcAft>
-                  <a:spcPts val="0"/>
-                </a:spcAft>
-                <a:buNone/>
-              </a:pPr>
-              <a:endParaRPr sz="1800" b="0" i="0" u="none" strike="noStrike" cap="none">
-                <a:solidFill>
-                  <a:srgbClr val="FFFFFF"/>
-                </a:solidFill>
-                <a:latin typeface="Calibri"/>
-                <a:ea typeface="Calibri"/>
-                <a:cs typeface="Calibri"/>
-                <a:sym typeface="Calibri"/>
-              </a:endParaRPr>
-            </a:p>
-          </p:txBody>
-        </p:sp>
-      </p:grpSp>
-      <p:sp>
-        <p:nvSpPr>
-          <p:cNvPr id="3" name="Заголовок 2">
-            <a:extLst>
-              <a:ext uri="{FF2B5EF4-FFF2-40B4-BE49-F238E27FC236}">
-                <a16:creationId xmlns:a16="http://schemas.microsoft.com/office/drawing/2014/main" id="{119CE4A6-6B74-A1AA-DC1B-C372711939E7}"/>
-              </a:ext>
-            </a:extLst>
-          </p:cNvPr>
-          <p:cNvSpPr>
-            <a:spLocks noGrp="1"/>
-          </p:cNvSpPr>
-          <p:nvPr>
-            <p:ph type="title"/>
-          </p:nvPr>
-        </p:nvSpPr>
-        <p:spPr>
-          <a:xfrm>
-            <a:off x="801435" y="395015"/>
-            <a:ext cx="4793924" cy="804230"/>
-          </a:xfrm>
-        </p:spPr>
-        <p:txBody>
-          <a:bodyPr/>
-          <a:lstStyle/>
-          <a:p>
-            <a:r>
-              <a:rPr lang="ru-RU" sz="4000" dirty="0">
-                <a:solidFill>
-                  <a:schemeClr val="accent6">
-                    <a:lumMod val="60000"/>
-                    <a:lumOff val="40000"/>
-                  </a:schemeClr>
-                </a:solidFill>
-              </a:rPr>
-              <a:t>Модели БД</a:t>
-            </a:r>
-          </a:p>
-        </p:txBody>
-      </p:sp>
-      <p:pic>
-        <p:nvPicPr>
-          <p:cNvPr id="5" name="Рисунок 4">
-            <a:extLst>
-              <a:ext uri="{FF2B5EF4-FFF2-40B4-BE49-F238E27FC236}">
-                <a16:creationId xmlns:a16="http://schemas.microsoft.com/office/drawing/2014/main" id="{34924F0A-E27B-0B01-D419-B6C0E49F9F30}"/>
-              </a:ext>
-            </a:extLst>
-          </p:cNvPr>
-          <p:cNvPicPr>
-            <a:picLocks noChangeAspect="1"/>
-          </p:cNvPicPr>
-          <p:nvPr/>
-        </p:nvPicPr>
-        <p:blipFill>
-          <a:blip r:embed="rId3"/>
-          <a:stretch>
-            <a:fillRect/>
-          </a:stretch>
-        </p:blipFill>
-        <p:spPr>
-          <a:xfrm>
-            <a:off x="6061616" y="1244258"/>
-            <a:ext cx="5439339" cy="4564043"/>
-          </a:xfrm>
-          <a:prstGeom prst="rect">
-            <a:avLst/>
-          </a:prstGeom>
-        </p:spPr>
-      </p:pic>
-      <p:sp>
-        <p:nvSpPr>
-          <p:cNvPr id="4" name="TextBox 3"/>
-          <p:cNvSpPr txBox="1"/>
-          <p:nvPr/>
-        </p:nvSpPr>
-        <p:spPr>
-          <a:xfrm rot="1619995">
-            <a:off x="1782323" y="2882537"/>
-            <a:ext cx="10031095" cy="1446550"/>
+            <a:off x="11342254" y="6193035"/>
+            <a:ext cx="775855" cy="461665"/>
           </a:xfrm>
           <a:prstGeom prst="rect">
             <a:avLst/>
@@ -25127,18 +27247,31 @@
           </a:bodyPr>
           <a:lstStyle/>
           <a:p>
-            <a:r>
-              <a:rPr lang="ru-RU" sz="8800" dirty="0" smtClean="0">
-                <a:solidFill>
-                  <a:srgbClr val="FF0000"/>
-                </a:solidFill>
+            <a:pPr algn="ctr"/>
+            <a:fld id="{FF30D09F-4081-4552-9B18-B8CD88F7E291}" type="slidenum">
+              <a:rPr lang="ru-RU" sz="2400" smtClean="0">
+                <a:solidFill>
+                  <a:schemeClr val="accent6">
+                    <a:lumMod val="60000"/>
+                    <a:lumOff val="40000"/>
+                  </a:schemeClr>
+                </a:solidFill>
+                <a:latin typeface="Roboto" panose="020B0604020202020204" charset="0"/>
+                <a:ea typeface="Roboto" panose="020B0604020202020204" charset="0"/>
+                <a:cs typeface="Roboto" panose="020B0604020202020204" charset="0"/>
               </a:rPr>
-              <a:t>В РАЗРАБОТКЕ</a:t>
-            </a:r>
-            <a:endParaRPr lang="ru-RU" sz="8800" dirty="0">
+              <a:t>9</a:t>
+            </a:fld>
+            <a:endParaRPr lang="ru-RU" sz="2400" dirty="0">
               <a:solidFill>
-                <a:srgbClr val="FF0000"/>
+                <a:schemeClr val="accent6">
+                  <a:lumMod val="60000"/>
+                  <a:lumOff val="40000"/>
+                </a:schemeClr>
               </a:solidFill>
+              <a:latin typeface="Roboto" panose="020B0604020202020204" charset="0"/>
+              <a:ea typeface="Roboto" panose="020B0604020202020204" charset="0"/>
+              <a:cs typeface="Roboto" panose="020B0604020202020204" charset="0"/>
             </a:endParaRPr>
           </a:p>
         </p:txBody>
@@ -25146,13 +27279,20 @@
     </p:spTree>
     <p:extLst>
       <p:ext uri="{BB962C8B-B14F-4D97-AF65-F5344CB8AC3E}">
-        <p14:creationId xmlns:p14="http://schemas.microsoft.com/office/powerpoint/2010/main" val="1046287989"/>
+        <p14:creationId xmlns:p14="http://schemas.microsoft.com/office/powerpoint/2010/main" val="177243930"/>
       </p:ext>
     </p:extLst>
   </p:cSld>
   <p:clrMapOvr>
     <a:masterClrMapping/>
   </p:clrMapOvr>
+  <p:timing>
+    <p:tnLst>
+      <p:par>
+        <p:cTn id="1" dur="indefinite" restart="never" nodeType="tmRoot"/>
+      </p:par>
+    </p:tnLst>
+  </p:timing>
 </p:sld>
 </file>
 
@@ -25716,4 +27856,265 @@
   <a:objectDefaults/>
   <a:extraClrSchemeLst/>
 </a:theme>
+</file>
+
+<file path=ppt/theme/theme3.xml><?xml version="1.0" encoding="utf-8"?>
+<a:theme xmlns:a="http://schemas.openxmlformats.org/drawingml/2006/main" name="Тема Office">
+  <a:themeElements>
+    <a:clrScheme name="Стандартная">
+      <a:dk1>
+        <a:sysClr val="windowText" lastClr="000000"/>
+      </a:dk1>
+      <a:lt1>
+        <a:sysClr val="window" lastClr="FFFFFF"/>
+      </a:lt1>
+      <a:dk2>
+        <a:srgbClr val="44546A"/>
+      </a:dk2>
+      <a:lt2>
+        <a:srgbClr val="E7E6E6"/>
+      </a:lt2>
+      <a:accent1>
+        <a:srgbClr val="5B9BD5"/>
+      </a:accent1>
+      <a:accent2>
+        <a:srgbClr val="ED7D31"/>
+      </a:accent2>
+      <a:accent3>
+        <a:srgbClr val="A5A5A5"/>
+      </a:accent3>
+      <a:accent4>
+        <a:srgbClr val="FFC000"/>
+      </a:accent4>
+      <a:accent5>
+        <a:srgbClr val="4472C4"/>
+      </a:accent5>
+      <a:accent6>
+        <a:srgbClr val="70AD47"/>
+      </a:accent6>
+      <a:hlink>
+        <a:srgbClr val="0563C1"/>
+      </a:hlink>
+      <a:folHlink>
+        <a:srgbClr val="954F72"/>
+      </a:folHlink>
+    </a:clrScheme>
+    <a:fontScheme name="Стандартная">
+      <a:majorFont>
+        <a:latin typeface="Calibri Light" panose="020F0302020204030204"/>
+        <a:ea typeface=""/>
+        <a:cs typeface=""/>
+        <a:font script="Jpan" typeface="游ゴシック Light"/>
+        <a:font script="Hang" typeface="맑은 고딕"/>
+        <a:font script="Hans" typeface="等线 Light"/>
+        <a:font script="Hant" typeface="新細明體"/>
+        <a:font script="Arab" typeface="Times New Roman"/>
+        <a:font script="Hebr" typeface="Times New Roman"/>
+        <a:font script="Thai" typeface="Angsana New"/>
+        <a:font script="Ethi" typeface="Nyala"/>
+        <a:font script="Beng" typeface="Vrinda"/>
+        <a:font script="Gujr" typeface="Shruti"/>
+        <a:font script="Khmr" typeface="MoolBoran"/>
+        <a:font script="Knda" typeface="Tunga"/>
+        <a:font script="Guru" typeface="Raavi"/>
+        <a:font script="Cans" typeface="Euphemia"/>
+        <a:font script="Cher" typeface="Plantagenet Cherokee"/>
+        <a:font script="Yiii" typeface="Microsoft Yi Baiti"/>
+        <a:font script="Tibt" typeface="Microsoft Himalaya"/>
+        <a:font script="Thaa" typeface="MV Boli"/>
+        <a:font script="Deva" typeface="Mangal"/>
+        <a:font script="Telu" typeface="Gautami"/>
+        <a:font script="Taml" typeface="Latha"/>
+        <a:font script="Syrc" typeface="Estrangelo Edessa"/>
+        <a:font script="Orya" typeface="Kalinga"/>
+        <a:font script="Mlym" typeface="Kartika"/>
+        <a:font script="Laoo" typeface="DokChampa"/>
+        <a:font script="Sinh" typeface="Iskoola Pota"/>
+        <a:font script="Mong" typeface="Mongolian Baiti"/>
+        <a:font script="Viet" typeface="Times New Roman"/>
+        <a:font script="Uigh" typeface="Microsoft Uighur"/>
+        <a:font script="Geor" typeface="Sylfaen"/>
+      </a:majorFont>
+      <a:minorFont>
+        <a:latin typeface="Calibri" panose="020F0502020204030204"/>
+        <a:ea typeface=""/>
+        <a:cs typeface=""/>
+        <a:font script="Jpan" typeface="游ゴシック"/>
+        <a:font script="Hang" typeface="맑은 고딕"/>
+        <a:font script="Hans" typeface="等线"/>
+        <a:font script="Hant" typeface="新細明體"/>
+        <a:font script="Arab" typeface="Arial"/>
+        <a:font script="Hebr" typeface="Arial"/>
+        <a:font script="Thai" typeface="Cordia New"/>
+        <a:font script="Ethi" typeface="Nyala"/>
+        <a:font script="Beng" typeface="Vrinda"/>
+        <a:font script="Gujr" typeface="Shruti"/>
+        <a:font script="Khmr" typeface="DaunPenh"/>
+        <a:font script="Knda" typeface="Tunga"/>
+        <a:font script="Guru" typeface="Raavi"/>
+        <a:font script="Cans" typeface="Euphemia"/>
+        <a:font script="Cher" typeface="Plantagenet Cherokee"/>
+        <a:font script="Yiii" typeface="Microsoft Yi Baiti"/>
+        <a:font script="Tibt" typeface="Microsoft Himalaya"/>
+        <a:font script="Thaa" typeface="MV Boli"/>
+        <a:font script="Deva" typeface="Mangal"/>
+        <a:font script="Telu" typeface="Gautami"/>
+        <a:font script="Taml" typeface="Latha"/>
+        <a:font script="Syrc" typeface="Estrangelo Edessa"/>
+        <a:font script="Orya" typeface="Kalinga"/>
+        <a:font script="Mlym" typeface="Kartika"/>
+        <a:font script="Laoo" typeface="DokChampa"/>
+        <a:font script="Sinh" typeface="Iskoola Pota"/>
+        <a:font script="Mong" typeface="Mongolian Baiti"/>
+        <a:font script="Viet" typeface="Arial"/>
+        <a:font script="Uigh" typeface="Microsoft Uighur"/>
+        <a:font script="Geor" typeface="Sylfaen"/>
+      </a:minorFont>
+    </a:fontScheme>
+    <a:fmtScheme name="Стандартная">
+      <a:fillStyleLst>
+        <a:solidFill>
+          <a:schemeClr val="phClr"/>
+        </a:solidFill>
+        <a:gradFill rotWithShape="1">
+          <a:gsLst>
+            <a:gs pos="0">
+              <a:schemeClr val="phClr">
+                <a:lumMod val="110000"/>
+                <a:satMod val="105000"/>
+                <a:tint val="67000"/>
+              </a:schemeClr>
+            </a:gs>
+            <a:gs pos="50000">
+              <a:schemeClr val="phClr">
+                <a:lumMod val="105000"/>
+                <a:satMod val="103000"/>
+                <a:tint val="73000"/>
+              </a:schemeClr>
+            </a:gs>
+            <a:gs pos="100000">
+              <a:schemeClr val="phClr">
+                <a:lumMod val="105000"/>
+                <a:satMod val="109000"/>
+                <a:tint val="81000"/>
+              </a:schemeClr>
+            </a:gs>
+          </a:gsLst>
+          <a:lin ang="5400000" scaled="0"/>
+        </a:gradFill>
+        <a:gradFill rotWithShape="1">
+          <a:gsLst>
+            <a:gs pos="0">
+              <a:schemeClr val="phClr">
+                <a:satMod val="103000"/>
+                <a:lumMod val="102000"/>
+                <a:tint val="94000"/>
+              </a:schemeClr>
+            </a:gs>
+            <a:gs pos="50000">
+              <a:schemeClr val="phClr">
+                <a:satMod val="110000"/>
+                <a:lumMod val="100000"/>
+                <a:shade val="100000"/>
+              </a:schemeClr>
+            </a:gs>
+            <a:gs pos="100000">
+              <a:schemeClr val="phClr">
+                <a:lumMod val="99000"/>
+                <a:satMod val="120000"/>
+                <a:shade val="78000"/>
+              </a:schemeClr>
+            </a:gs>
+          </a:gsLst>
+          <a:lin ang="5400000" scaled="0"/>
+        </a:gradFill>
+      </a:fillStyleLst>
+      <a:lnStyleLst>
+        <a:ln w="6350" cap="flat" cmpd="sng" algn="ctr">
+          <a:solidFill>
+            <a:schemeClr val="phClr"/>
+          </a:solidFill>
+          <a:prstDash val="solid"/>
+          <a:miter lim="800000"/>
+        </a:ln>
+        <a:ln w="12700" cap="flat" cmpd="sng" algn="ctr">
+          <a:solidFill>
+            <a:schemeClr val="phClr"/>
+          </a:solidFill>
+          <a:prstDash val="solid"/>
+          <a:miter lim="800000"/>
+        </a:ln>
+        <a:ln w="19050" cap="flat" cmpd="sng" algn="ctr">
+          <a:solidFill>
+            <a:schemeClr val="phClr"/>
+          </a:solidFill>
+          <a:prstDash val="solid"/>
+          <a:miter lim="800000"/>
+        </a:ln>
+      </a:lnStyleLst>
+      <a:effectStyleLst>
+        <a:effectStyle>
+          <a:effectLst/>
+        </a:effectStyle>
+        <a:effectStyle>
+          <a:effectLst/>
+        </a:effectStyle>
+        <a:effectStyle>
+          <a:effectLst>
+            <a:outerShdw blurRad="57150" dist="19050" dir="5400000" algn="ctr" rotWithShape="0">
+              <a:srgbClr val="000000">
+                <a:alpha val="63000"/>
+              </a:srgbClr>
+            </a:outerShdw>
+          </a:effectLst>
+        </a:effectStyle>
+      </a:effectStyleLst>
+      <a:bgFillStyleLst>
+        <a:solidFill>
+          <a:schemeClr val="phClr"/>
+        </a:solidFill>
+        <a:solidFill>
+          <a:schemeClr val="phClr">
+            <a:tint val="95000"/>
+            <a:satMod val="170000"/>
+          </a:schemeClr>
+        </a:solidFill>
+        <a:gradFill rotWithShape="1">
+          <a:gsLst>
+            <a:gs pos="0">
+              <a:schemeClr val="phClr">
+                <a:tint val="93000"/>
+                <a:satMod val="150000"/>
+                <a:shade val="98000"/>
+                <a:lumMod val="102000"/>
+              </a:schemeClr>
+            </a:gs>
+            <a:gs pos="50000">
+              <a:schemeClr val="phClr">
+                <a:tint val="98000"/>
+                <a:satMod val="130000"/>
+                <a:shade val="90000"/>
+                <a:lumMod val="103000"/>
+              </a:schemeClr>
+            </a:gs>
+            <a:gs pos="100000">
+              <a:schemeClr val="phClr">
+                <a:shade val="63000"/>
+                <a:satMod val="120000"/>
+              </a:schemeClr>
+            </a:gs>
+          </a:gsLst>
+          <a:lin ang="5400000" scaled="0"/>
+        </a:gradFill>
+      </a:bgFillStyleLst>
+    </a:fmtScheme>
+  </a:themeElements>
+  <a:objectDefaults/>
+  <a:extraClrSchemeLst/>
+  <a:extLst>
+    <a:ext uri="{05A4C25C-085E-4340-85A3-A5531E510DB2}">
+      <thm15:themeFamily xmlns:thm15="http://schemas.microsoft.com/office/thememl/2012/main" name="Office Theme" id="{62F939B6-93AF-4DB8-9C6B-D6C7DFDC589F}" vid="{4A3C46E8-61CC-4603-A589-7422A47A8E4A}"/>
+    </a:ext>
+  </a:extLst>
+</a:theme>
 </file>
--- a/docs/Презентация диплом.pptx
+++ b/docs/Презентация диплом.pptx
@@ -30,22 +30,22 @@
   <p:notesSz cx="6858000" cy="9144000"/>
   <p:embeddedFontLst>
     <p:embeddedFont>
-      <p:font typeface="Calibri" panose="020F0502020204030204" pitchFamily="34" charset="0"/>
+      <p:font typeface="Roboto" panose="020B0604020202020204" charset="0"/>
       <p:regular r:id="rId18"/>
       <p:bold r:id="rId19"/>
       <p:italic r:id="rId20"/>
       <p:boldItalic r:id="rId21"/>
     </p:embeddedFont>
     <p:embeddedFont>
-      <p:font typeface="Abril Fatface" panose="020B0604020202020204" charset="0"/>
+      <p:font typeface="Calibri" panose="020F0502020204030204" pitchFamily="34" charset="0"/>
       <p:regular r:id="rId22"/>
+      <p:bold r:id="rId23"/>
+      <p:italic r:id="rId24"/>
+      <p:boldItalic r:id="rId25"/>
     </p:embeddedFont>
     <p:embeddedFont>
-      <p:font typeface="Roboto" panose="020B0604020202020204" charset="0"/>
-      <p:regular r:id="rId23"/>
-      <p:bold r:id="rId24"/>
-      <p:italic r:id="rId25"/>
-      <p:boldItalic r:id="rId26"/>
+      <p:font typeface="Abril Fatface" panose="020B0604020202020204" charset="0"/>
+      <p:regular r:id="rId26"/>
     </p:embeddedFont>
     <p:embeddedFont>
       <p:font typeface="Roboto Mono" panose="020B0604020202020204" charset="0"/>
@@ -298,6 +298,9 @@
           </p15:clr>
         </p15:guide>
       </p15:sldGuideLst>
+    </p:ext>
+    <p:ext uri="{2D200454-40CA-4A62-9FC3-DE9A4176ACB9}">
+      <p15:notesGuideLst xmlns:p15="http://schemas.microsoft.com/office/powerpoint/2012/main"/>
     </p:ext>
   </p:extLst>
 </p:presentation>
@@ -20529,12 +20532,16 @@
               </a:spcAft>
             </a:pPr>
             <a:r>
-              <a:rPr lang="ru-RU" sz="2300" dirty="0" smtClean="0"/>
-              <a:t>Создано инновационное </a:t>
+              <a:rPr lang="ru-RU" sz="2300" smtClean="0"/>
+              <a:t>Создано </a:t>
+            </a:r>
+            <a:r>
+              <a:rPr lang="ru-RU" sz="2300" smtClean="0"/>
+              <a:t>решение </a:t>
             </a:r>
             <a:r>
               <a:rPr lang="ru-RU" sz="2300" dirty="0"/>
-              <a:t>решение в области систем контроля версий</a:t>
+              <a:t>в области систем контроля версий</a:t>
             </a:r>
             <a:r>
               <a:rPr lang="ru-RU" sz="2300" dirty="0" smtClean="0"/>

--- a/docs/Презентация диплом.pptx
+++ b/docs/Презентация диплом.pptx
@@ -30,7 +30,7 @@
   <p:notesSz cx="6858000" cy="9144000"/>
   <p:embeddedFontLst>
     <p:embeddedFont>
-      <p:font typeface="Roboto" panose="020B0604020202020204" charset="0"/>
+      <p:font typeface="Roboto Mono" panose="020B0604020202020204" charset="0"/>
       <p:regular r:id="rId18"/>
       <p:bold r:id="rId19"/>
       <p:italic r:id="rId20"/>
@@ -48,7 +48,7 @@
       <p:regular r:id="rId26"/>
     </p:embeddedFont>
     <p:embeddedFont>
-      <p:font typeface="Roboto Mono" panose="020B0604020202020204" charset="0"/>
+      <p:font typeface="Roboto" panose="020B0604020202020204" charset="0"/>
       <p:regular r:id="rId27"/>
       <p:bold r:id="rId28"/>
       <p:italic r:id="rId29"/>

--- a/docs/Презентация диплом.pptx
+++ b/docs/Презентация диплом.pptx
@@ -30,7 +30,7 @@
   <p:notesSz cx="6858000" cy="9144000"/>
   <p:embeddedFontLst>
     <p:embeddedFont>
-      <p:font typeface="Roboto Mono" panose="020B0604020202020204" charset="0"/>
+      <p:font typeface="Roboto" panose="020B0604020202020204" charset="0"/>
       <p:regular r:id="rId18"/>
       <p:bold r:id="rId19"/>
       <p:italic r:id="rId20"/>
@@ -44,15 +44,15 @@
       <p:boldItalic r:id="rId25"/>
     </p:embeddedFont>
     <p:embeddedFont>
-      <p:font typeface="Abril Fatface" panose="020B0604020202020204" charset="0"/>
+      <p:font typeface="Roboto Mono" panose="020B0604020202020204" charset="0"/>
       <p:regular r:id="rId26"/>
+      <p:bold r:id="rId27"/>
+      <p:italic r:id="rId28"/>
+      <p:boldItalic r:id="rId29"/>
     </p:embeddedFont>
     <p:embeddedFont>
-      <p:font typeface="Roboto" panose="020B0604020202020204" charset="0"/>
-      <p:regular r:id="rId27"/>
-      <p:bold r:id="rId28"/>
-      <p:italic r:id="rId29"/>
-      <p:boldItalic r:id="rId30"/>
+      <p:font typeface="Abril Fatface" panose="020B0604020202020204" charset="0"/>
+      <p:regular r:id="rId30"/>
     </p:embeddedFont>
   </p:embeddedFontLst>
   <p:defaultTextStyle>
@@ -388,7 +388,7 @@
           <a:p>
             <a:fld id="{2BD7265C-1BA8-4D75-9E43-960B942DDB64}" type="datetimeFigureOut">
               <a:rPr lang="ru-RU" smtClean="0"/>
-              <a:t>24.04.2024</a:t>
+              <a:t>29.04.2024</a:t>
             </a:fld>
             <a:endParaRPr lang="ru-RU"/>
           </a:p>
@@ -20533,11 +20533,7 @@
             </a:pPr>
             <a:r>
               <a:rPr lang="ru-RU" sz="2300" smtClean="0"/>
-              <a:t>Создано </a:t>
-            </a:r>
-            <a:r>
-              <a:rPr lang="ru-RU" sz="2300" smtClean="0"/>
-              <a:t>решение </a:t>
+              <a:t>Создано решение </a:t>
             </a:r>
             <a:r>
               <a:rPr lang="ru-RU" sz="2300" dirty="0"/>
@@ -22383,7 +22379,7 @@
           </a:lstStyle>
           <a:p>
             <a:r>
-              <a:rPr lang="ru-RU" sz="4000" dirty="0" smtClean="0">
+              <a:rPr lang="ru-RU" sz="4000" smtClean="0">
                 <a:solidFill>
                   <a:schemeClr val="accent6">
                     <a:lumMod val="60000"/>
@@ -22391,7 +22387,7 @@
                   </a:schemeClr>
                 </a:solidFill>
               </a:rPr>
-              <a:t>Конкуренты</a:t>
+              <a:t>Аналоги</a:t>
             </a:r>
             <a:endParaRPr lang="ru-RU" dirty="0">
               <a:solidFill>

--- a/docs/Презентация диплом.pptx
+++ b/docs/Презентация диплом.pptx
@@ -30,29 +30,29 @@
   <p:notesSz cx="6858000" cy="9144000"/>
   <p:embeddedFontLst>
     <p:embeddedFont>
-      <p:font typeface="Roboto" panose="020B0604020202020204" charset="0"/>
+      <p:font typeface="Roboto Mono" panose="020B0604020202020204" charset="0"/>
       <p:regular r:id="rId18"/>
       <p:bold r:id="rId19"/>
       <p:italic r:id="rId20"/>
       <p:boldItalic r:id="rId21"/>
     </p:embeddedFont>
     <p:embeddedFont>
-      <p:font typeface="Calibri" panose="020F0502020204030204" pitchFamily="34" charset="0"/>
+      <p:font typeface="Abril Fatface" panose="020B0604020202020204" charset="0"/>
       <p:regular r:id="rId22"/>
-      <p:bold r:id="rId23"/>
-      <p:italic r:id="rId24"/>
-      <p:boldItalic r:id="rId25"/>
     </p:embeddedFont>
     <p:embeddedFont>
-      <p:font typeface="Roboto Mono" panose="020B0604020202020204" charset="0"/>
-      <p:regular r:id="rId26"/>
-      <p:bold r:id="rId27"/>
-      <p:italic r:id="rId28"/>
-      <p:boldItalic r:id="rId29"/>
+      <p:font typeface="Roboto" panose="020B0604020202020204" charset="0"/>
+      <p:regular r:id="rId23"/>
+      <p:bold r:id="rId24"/>
+      <p:italic r:id="rId25"/>
+      <p:boldItalic r:id="rId26"/>
     </p:embeddedFont>
     <p:embeddedFont>
-      <p:font typeface="Abril Fatface" panose="020B0604020202020204" charset="0"/>
-      <p:regular r:id="rId30"/>
+      <p:font typeface="Calibri" panose="020F0502020204030204" pitchFamily="34" charset="0"/>
+      <p:regular r:id="rId27"/>
+      <p:bold r:id="rId28"/>
+      <p:italic r:id="rId29"/>
+      <p:boldItalic r:id="rId30"/>
     </p:embeddedFont>
   </p:embeddedFontLst>
   <p:defaultTextStyle>
@@ -388,7 +388,7 @@
           <a:p>
             <a:fld id="{2BD7265C-1BA8-4D75-9E43-960B942DDB64}" type="datetimeFigureOut">
               <a:rPr lang="ru-RU" smtClean="0"/>
-              <a:t>29.04.2024</a:t>
+              <a:t>19.05.2024</a:t>
             </a:fld>
             <a:endParaRPr lang="ru-RU"/>
           </a:p>
@@ -22562,7 +22562,7 @@
         </p:nvSpPr>
         <p:spPr>
           <a:xfrm>
-            <a:off x="6527178" y="1633950"/>
+            <a:off x="6527178" y="1745673"/>
             <a:ext cx="4491804" cy="3987117"/>
           </a:xfrm>
           <a:prstGeom prst="rect">
@@ -22670,6 +22670,14 @@
               </a:rPr>
               <a:t>Выбор сервера для хранения данных</a:t>
             </a:r>
+            <a:endParaRPr lang="ru-RU" sz="2400" dirty="0" smtClean="0">
+              <a:solidFill>
+                <a:schemeClr val="accent6">
+                  <a:lumMod val="60000"/>
+                  <a:lumOff val="40000"/>
+                </a:schemeClr>
+              </a:solidFill>
+            </a:endParaRPr>
           </a:p>
           <a:p>
             <a:pPr marL="285750" indent="-285750"/>
@@ -22682,11 +22690,8 @@
                   </a:schemeClr>
                 </a:solidFill>
               </a:rPr>
-              <a:t>Торговая площадка</a:t>
+              <a:t>Торговая </a:t>
             </a:r>
-          </a:p>
-          <a:p>
-            <a:pPr marL="285750" indent="-285750"/>
             <a:r>
               <a:rPr lang="ru-RU" sz="2400" dirty="0" smtClean="0">
                 <a:solidFill>
@@ -22696,7 +22701,7 @@
                   </a:schemeClr>
                 </a:solidFill>
               </a:rPr>
-              <a:t>Временная навигация</a:t>
+              <a:t>площадка</a:t>
             </a:r>
             <a:endParaRPr lang="ru-RU" sz="2400" dirty="0">
               <a:solidFill>
@@ -24125,8 +24130,8 @@
         </p:nvSpPr>
         <p:spPr>
           <a:xfrm>
-            <a:off x="513633" y="1968979"/>
-            <a:ext cx="5314512" cy="4247317"/>
+            <a:off x="441543" y="1896589"/>
+            <a:ext cx="5526949" cy="4185761"/>
           </a:xfrm>
           <a:prstGeom prst="rect">
             <a:avLst/>
@@ -24147,7 +24152,7 @@
               <a:buChar char="•"/>
             </a:pPr>
             <a:r>
-              <a:rPr lang="ru-RU" sz="1800" dirty="0" smtClean="0">
+              <a:rPr lang="ru-RU" sz="1900" dirty="0" smtClean="0">
                 <a:solidFill>
                   <a:schemeClr val="tx1"/>
                 </a:solidFill>
@@ -24158,9 +24163,12 @@
               <a:t>Создание репозитория (</a:t>
             </a:r>
             <a:r>
-              <a:rPr lang="en-US" sz="1800" dirty="0" err="1" smtClean="0">
-                <a:solidFill>
-                  <a:schemeClr val="tx1"/>
+              <a:rPr lang="en-US" sz="1900" dirty="0" err="1" smtClean="0">
+                <a:solidFill>
+                  <a:schemeClr val="accent6">
+                    <a:lumMod val="60000"/>
+                    <a:lumOff val="40000"/>
+                  </a:schemeClr>
                 </a:solidFill>
                 <a:latin typeface="Roboto" panose="020B0604020202020204" charset="0"/>
                 <a:ea typeface="Roboto" panose="020B0604020202020204" charset="0"/>
@@ -24169,9 +24177,12 @@
               <a:t>vcs</a:t>
             </a:r>
             <a:r>
-              <a:rPr lang="en-US" sz="1800" dirty="0" smtClean="0">
-                <a:solidFill>
-                  <a:schemeClr val="tx1"/>
+              <a:rPr lang="en-US" sz="1900" dirty="0" smtClean="0">
+                <a:solidFill>
+                  <a:schemeClr val="accent6">
+                    <a:lumMod val="60000"/>
+                    <a:lumOff val="40000"/>
+                  </a:schemeClr>
                 </a:solidFill>
                 <a:latin typeface="Roboto" panose="020B0604020202020204" charset="0"/>
                 <a:ea typeface="Roboto" panose="020B0604020202020204" charset="0"/>
@@ -24180,9 +24191,12 @@
               <a:t> </a:t>
             </a:r>
             <a:r>
-              <a:rPr lang="en-US" sz="1800" dirty="0" err="1" smtClean="0">
-                <a:solidFill>
-                  <a:schemeClr val="tx1"/>
+              <a:rPr lang="en-US" sz="1900" dirty="0" err="1" smtClean="0">
+                <a:solidFill>
+                  <a:schemeClr val="accent6">
+                    <a:lumMod val="60000"/>
+                    <a:lumOff val="40000"/>
+                  </a:schemeClr>
                 </a:solidFill>
                 <a:latin typeface="Roboto" panose="020B0604020202020204" charset="0"/>
                 <a:ea typeface="Roboto" panose="020B0604020202020204" charset="0"/>
@@ -24191,7 +24205,7 @@
               <a:t>init</a:t>
             </a:r>
             <a:r>
-              <a:rPr lang="ru-RU" sz="1800" dirty="0" smtClean="0">
+              <a:rPr lang="ru-RU" sz="1900" dirty="0" smtClean="0">
                 <a:solidFill>
                   <a:schemeClr val="tx1"/>
                 </a:solidFill>
@@ -24211,7 +24225,7 @@
               <a:buChar char="•"/>
             </a:pPr>
             <a:r>
-              <a:rPr lang="ru-RU" sz="1800" dirty="0">
+              <a:rPr lang="ru-RU" sz="1900" dirty="0">
                 <a:solidFill>
                   <a:schemeClr val="tx1"/>
                 </a:solidFill>
@@ -24222,7 +24236,7 @@
               <a:t>Клонирование </a:t>
             </a:r>
             <a:r>
-              <a:rPr lang="ru-RU" sz="1800" dirty="0" smtClean="0">
+              <a:rPr lang="ru-RU" sz="1900" dirty="0" smtClean="0">
                 <a:solidFill>
                   <a:schemeClr val="tx1"/>
                 </a:solidFill>
@@ -24233,7 +24247,7 @@
               <a:t>репозитория</a:t>
             </a:r>
             <a:r>
-              <a:rPr lang="en-US" sz="1800" dirty="0" smtClean="0">
+              <a:rPr lang="en-US" sz="1900" dirty="0" smtClean="0">
                 <a:solidFill>
                   <a:schemeClr val="tx1"/>
                 </a:solidFill>
@@ -24244,7 +24258,7 @@
               <a:t> </a:t>
             </a:r>
             <a:r>
-              <a:rPr lang="ru-RU" sz="1800" dirty="0">
+              <a:rPr lang="ru-RU" sz="1900" dirty="0">
                 <a:solidFill>
                   <a:schemeClr val="tx1"/>
                 </a:solidFill>
@@ -24255,9 +24269,12 @@
               <a:t>(</a:t>
             </a:r>
             <a:r>
-              <a:rPr lang="en-US" sz="1800" dirty="0" err="1">
-                <a:solidFill>
-                  <a:schemeClr val="tx1"/>
+              <a:rPr lang="en-US" sz="1900" dirty="0" err="1">
+                <a:solidFill>
+                  <a:schemeClr val="accent6">
+                    <a:lumMod val="60000"/>
+                    <a:lumOff val="40000"/>
+                  </a:schemeClr>
                 </a:solidFill>
                 <a:latin typeface="Roboto" panose="020B0604020202020204" charset="0"/>
                 <a:ea typeface="Roboto" panose="020B0604020202020204" charset="0"/>
@@ -24266,9 +24283,12 @@
               <a:t>vcs</a:t>
             </a:r>
             <a:r>
-              <a:rPr lang="en-US" sz="1800" dirty="0">
-                <a:solidFill>
-                  <a:schemeClr val="tx1"/>
+              <a:rPr lang="en-US" sz="1900" dirty="0">
+                <a:solidFill>
+                  <a:schemeClr val="accent6">
+                    <a:lumMod val="60000"/>
+                    <a:lumOff val="40000"/>
+                  </a:schemeClr>
                 </a:solidFill>
                 <a:latin typeface="Roboto" panose="020B0604020202020204" charset="0"/>
                 <a:ea typeface="Roboto" panose="020B0604020202020204" charset="0"/>
@@ -24277,9 +24297,12 @@
               <a:t> </a:t>
             </a:r>
             <a:r>
-              <a:rPr lang="en-US" sz="1800" dirty="0" smtClean="0">
-                <a:solidFill>
-                  <a:schemeClr val="tx1"/>
+              <a:rPr lang="en-US" sz="1900" dirty="0" smtClean="0">
+                <a:solidFill>
+                  <a:schemeClr val="accent6">
+                    <a:lumMod val="60000"/>
+                    <a:lumOff val="40000"/>
+                  </a:schemeClr>
                 </a:solidFill>
                 <a:latin typeface="Roboto" panose="020B0604020202020204" charset="0"/>
                 <a:ea typeface="Roboto" panose="020B0604020202020204" charset="0"/>
@@ -24288,7 +24311,7 @@
               <a:t>clone</a:t>
             </a:r>
             <a:r>
-              <a:rPr lang="ru-RU" sz="1800" dirty="0" smtClean="0">
+              <a:rPr lang="ru-RU" sz="1900" dirty="0" smtClean="0">
                 <a:solidFill>
                   <a:schemeClr val="tx1"/>
                 </a:solidFill>
@@ -24298,7 +24321,7 @@
               </a:rPr>
               <a:t>)</a:t>
             </a:r>
-            <a:endParaRPr lang="ru-RU" sz="1800" dirty="0">
+            <a:endParaRPr lang="en-US" sz="1900" dirty="0" smtClean="0">
               <a:solidFill>
                 <a:schemeClr val="tx1"/>
               </a:solidFill>
@@ -24316,7 +24339,7 @@
               <a:buChar char="•"/>
             </a:pPr>
             <a:r>
-              <a:rPr lang="ru-RU" sz="1800" dirty="0" smtClean="0">
+              <a:rPr lang="ru-RU" sz="1900" dirty="0" smtClean="0">
                 <a:solidFill>
                   <a:schemeClr val="tx1"/>
                 </a:solidFill>
@@ -24324,34 +24347,15 @@
                 <a:ea typeface="Roboto" panose="020B0604020202020204" charset="0"/>
                 <a:cs typeface="Roboto" panose="020B0604020202020204" charset="0"/>
               </a:rPr>
-              <a:t>Удаление репозитория</a:t>
+              <a:t>Загрузка на сервер (</a:t>
             </a:r>
             <a:r>
-              <a:rPr lang="en-US" sz="1800" dirty="0" smtClean="0">
-                <a:solidFill>
-                  <a:schemeClr val="tx1"/>
-                </a:solidFill>
-                <a:latin typeface="Roboto" panose="020B0604020202020204" charset="0"/>
-                <a:ea typeface="Roboto" panose="020B0604020202020204" charset="0"/>
-                <a:cs typeface="Roboto" panose="020B0604020202020204" charset="0"/>
-              </a:rPr>
-              <a:t> </a:t>
-            </a:r>
-            <a:r>
-              <a:rPr lang="ru-RU" sz="1800" dirty="0">
-                <a:solidFill>
-                  <a:schemeClr val="tx1"/>
-                </a:solidFill>
-                <a:latin typeface="Roboto" panose="020B0604020202020204" charset="0"/>
-                <a:ea typeface="Roboto" panose="020B0604020202020204" charset="0"/>
-                <a:cs typeface="Roboto" panose="020B0604020202020204" charset="0"/>
-              </a:rPr>
-              <a:t>(</a:t>
-            </a:r>
-            <a:r>
-              <a:rPr lang="en-US" sz="1800" dirty="0" err="1">
-                <a:solidFill>
-                  <a:schemeClr val="tx1"/>
+              <a:rPr lang="en-US" sz="1900" dirty="0" err="1" smtClean="0">
+                <a:solidFill>
+                  <a:schemeClr val="accent6">
+                    <a:lumMod val="60000"/>
+                    <a:lumOff val="40000"/>
+                  </a:schemeClr>
                 </a:solidFill>
                 <a:latin typeface="Roboto" panose="020B0604020202020204" charset="0"/>
                 <a:ea typeface="Roboto" panose="020B0604020202020204" charset="0"/>
@@ -24360,29 +24364,21 @@
               <a:t>vcs</a:t>
             </a:r>
             <a:r>
-              <a:rPr lang="en-US" sz="1800" dirty="0">
-                <a:solidFill>
-                  <a:schemeClr val="tx1"/>
+              <a:rPr lang="en-US" sz="1900" dirty="0" smtClean="0">
+                <a:solidFill>
+                  <a:schemeClr val="accent6">
+                    <a:lumMod val="60000"/>
+                    <a:lumOff val="40000"/>
+                  </a:schemeClr>
                 </a:solidFill>
                 <a:latin typeface="Roboto" panose="020B0604020202020204" charset="0"/>
                 <a:ea typeface="Roboto" panose="020B0604020202020204" charset="0"/>
                 <a:cs typeface="Roboto" panose="020B0604020202020204" charset="0"/>
               </a:rPr>
-              <a:t> </a:t>
+              <a:t> push</a:t>
             </a:r>
             <a:r>
-              <a:rPr lang="en-US" sz="1800" dirty="0" smtClean="0">
-                <a:solidFill>
-                  <a:schemeClr val="tx1"/>
-                </a:solidFill>
-                <a:latin typeface="Roboto" panose="020B0604020202020204" charset="0"/>
-                <a:ea typeface="Roboto" panose="020B0604020202020204" charset="0"/>
-                <a:cs typeface="Roboto" panose="020B0604020202020204" charset="0"/>
-              </a:rPr>
-              <a:t>remove</a:t>
-            </a:r>
-            <a:r>
-              <a:rPr lang="ru-RU" sz="1800" dirty="0" smtClean="0">
+              <a:rPr lang="ru-RU" sz="1900" dirty="0" smtClean="0">
                 <a:solidFill>
                   <a:schemeClr val="tx1"/>
                 </a:solidFill>
@@ -24392,351 +24388,7 @@
               </a:rPr>
               <a:t>)</a:t>
             </a:r>
-          </a:p>
-          <a:p>
-            <a:pPr marL="285750" indent="-285750">
-              <a:buClr>
-                <a:schemeClr val="tx1"/>
-              </a:buClr>
-              <a:buFont typeface="Arial" panose="020B0604020202020204" pitchFamily="34" charset="0"/>
-              <a:buChar char="•"/>
-            </a:pPr>
-            <a:r>
-              <a:rPr lang="ru-RU" sz="1800" dirty="0" smtClean="0">
-                <a:solidFill>
-                  <a:schemeClr val="tx1"/>
-                </a:solidFill>
-                <a:latin typeface="Roboto" panose="020B0604020202020204" charset="0"/>
-                <a:ea typeface="Roboto" panose="020B0604020202020204" charset="0"/>
-                <a:cs typeface="Roboto" panose="020B0604020202020204" charset="0"/>
-              </a:rPr>
-              <a:t>Создание коммитов</a:t>
-            </a:r>
-            <a:r>
-              <a:rPr lang="en-US" sz="1800" dirty="0" smtClean="0">
-                <a:solidFill>
-                  <a:schemeClr val="tx1"/>
-                </a:solidFill>
-                <a:latin typeface="Roboto" panose="020B0604020202020204" charset="0"/>
-                <a:ea typeface="Roboto" panose="020B0604020202020204" charset="0"/>
-                <a:cs typeface="Roboto" panose="020B0604020202020204" charset="0"/>
-              </a:rPr>
-              <a:t> </a:t>
-            </a:r>
-            <a:r>
-              <a:rPr lang="ru-RU" sz="1800" dirty="0">
-                <a:solidFill>
-                  <a:schemeClr val="tx1"/>
-                </a:solidFill>
-                <a:latin typeface="Roboto" panose="020B0604020202020204" charset="0"/>
-                <a:ea typeface="Roboto" panose="020B0604020202020204" charset="0"/>
-                <a:cs typeface="Roboto" panose="020B0604020202020204" charset="0"/>
-              </a:rPr>
-              <a:t>(</a:t>
-            </a:r>
-            <a:r>
-              <a:rPr lang="en-US" sz="1800" dirty="0" err="1">
-                <a:solidFill>
-                  <a:schemeClr val="tx1"/>
-                </a:solidFill>
-                <a:latin typeface="Roboto" panose="020B0604020202020204" charset="0"/>
-                <a:ea typeface="Roboto" panose="020B0604020202020204" charset="0"/>
-                <a:cs typeface="Roboto" panose="020B0604020202020204" charset="0"/>
-              </a:rPr>
-              <a:t>vcs</a:t>
-            </a:r>
-            <a:r>
-              <a:rPr lang="en-US" sz="1800" dirty="0">
-                <a:solidFill>
-                  <a:schemeClr val="tx1"/>
-                </a:solidFill>
-                <a:latin typeface="Roboto" panose="020B0604020202020204" charset="0"/>
-                <a:ea typeface="Roboto" panose="020B0604020202020204" charset="0"/>
-                <a:cs typeface="Roboto" panose="020B0604020202020204" charset="0"/>
-              </a:rPr>
-              <a:t> </a:t>
-            </a:r>
-            <a:r>
-              <a:rPr lang="en-US" sz="1800" dirty="0" smtClean="0">
-                <a:solidFill>
-                  <a:schemeClr val="tx1"/>
-                </a:solidFill>
-                <a:latin typeface="Roboto" panose="020B0604020202020204" charset="0"/>
-                <a:ea typeface="Roboto" panose="020B0604020202020204" charset="0"/>
-                <a:cs typeface="Roboto" panose="020B0604020202020204" charset="0"/>
-              </a:rPr>
-              <a:t>commit</a:t>
-            </a:r>
-            <a:r>
-              <a:rPr lang="ru-RU" sz="1800" dirty="0" smtClean="0">
-                <a:solidFill>
-                  <a:schemeClr val="tx1"/>
-                </a:solidFill>
-                <a:latin typeface="Roboto" panose="020B0604020202020204" charset="0"/>
-                <a:ea typeface="Roboto" panose="020B0604020202020204" charset="0"/>
-                <a:cs typeface="Roboto" panose="020B0604020202020204" charset="0"/>
-              </a:rPr>
-              <a:t>)</a:t>
-            </a:r>
-          </a:p>
-          <a:p>
-            <a:pPr marL="285750" indent="-285750">
-              <a:buClr>
-                <a:schemeClr val="tx1"/>
-              </a:buClr>
-              <a:buFont typeface="Arial" panose="020B0604020202020204" pitchFamily="34" charset="0"/>
-              <a:buChar char="•"/>
-            </a:pPr>
-            <a:r>
-              <a:rPr lang="ru-RU" sz="1800" dirty="0" smtClean="0">
-                <a:solidFill>
-                  <a:schemeClr val="tx1"/>
-                </a:solidFill>
-                <a:latin typeface="Roboto" panose="020B0604020202020204" charset="0"/>
-                <a:ea typeface="Roboto" panose="020B0604020202020204" charset="0"/>
-                <a:cs typeface="Roboto" panose="020B0604020202020204" charset="0"/>
-              </a:rPr>
-              <a:t>Сравнение коммитов</a:t>
-            </a:r>
-            <a:r>
-              <a:rPr lang="en-US" sz="1800" dirty="0" smtClean="0">
-                <a:solidFill>
-                  <a:schemeClr val="tx1"/>
-                </a:solidFill>
-                <a:latin typeface="Roboto" panose="020B0604020202020204" charset="0"/>
-                <a:ea typeface="Roboto" panose="020B0604020202020204" charset="0"/>
-                <a:cs typeface="Roboto" panose="020B0604020202020204" charset="0"/>
-              </a:rPr>
-              <a:t> </a:t>
-            </a:r>
-            <a:r>
-              <a:rPr lang="ru-RU" sz="1800" dirty="0">
-                <a:solidFill>
-                  <a:schemeClr val="tx1"/>
-                </a:solidFill>
-                <a:latin typeface="Roboto" panose="020B0604020202020204" charset="0"/>
-                <a:ea typeface="Roboto" panose="020B0604020202020204" charset="0"/>
-                <a:cs typeface="Roboto" panose="020B0604020202020204" charset="0"/>
-              </a:rPr>
-              <a:t>(</a:t>
-            </a:r>
-            <a:r>
-              <a:rPr lang="en-US" sz="1800" dirty="0" err="1">
-                <a:solidFill>
-                  <a:schemeClr val="tx1"/>
-                </a:solidFill>
-                <a:latin typeface="Roboto" panose="020B0604020202020204" charset="0"/>
-                <a:ea typeface="Roboto" panose="020B0604020202020204" charset="0"/>
-                <a:cs typeface="Roboto" panose="020B0604020202020204" charset="0"/>
-              </a:rPr>
-              <a:t>vcs</a:t>
-            </a:r>
-            <a:r>
-              <a:rPr lang="en-US" sz="1800" dirty="0">
-                <a:solidFill>
-                  <a:schemeClr val="tx1"/>
-                </a:solidFill>
-                <a:latin typeface="Roboto" panose="020B0604020202020204" charset="0"/>
-                <a:ea typeface="Roboto" panose="020B0604020202020204" charset="0"/>
-                <a:cs typeface="Roboto" panose="020B0604020202020204" charset="0"/>
-              </a:rPr>
-              <a:t> </a:t>
-            </a:r>
-            <a:r>
-              <a:rPr lang="en-US" sz="1800" dirty="0" smtClean="0">
-                <a:solidFill>
-                  <a:schemeClr val="tx1"/>
-                </a:solidFill>
-                <a:latin typeface="Roboto" panose="020B0604020202020204" charset="0"/>
-                <a:ea typeface="Roboto" panose="020B0604020202020204" charset="0"/>
-                <a:cs typeface="Roboto" panose="020B0604020202020204" charset="0"/>
-              </a:rPr>
-              <a:t>status</a:t>
-            </a:r>
-            <a:r>
-              <a:rPr lang="ru-RU" sz="1800" dirty="0" smtClean="0">
-                <a:solidFill>
-                  <a:schemeClr val="tx1"/>
-                </a:solidFill>
-                <a:latin typeface="Roboto" panose="020B0604020202020204" charset="0"/>
-                <a:ea typeface="Roboto" panose="020B0604020202020204" charset="0"/>
-                <a:cs typeface="Roboto" panose="020B0604020202020204" charset="0"/>
-              </a:rPr>
-              <a:t>)</a:t>
-            </a:r>
-          </a:p>
-          <a:p>
-            <a:pPr marL="285750" indent="-285750">
-              <a:buClr>
-                <a:schemeClr val="tx1"/>
-              </a:buClr>
-              <a:buFont typeface="Arial" panose="020B0604020202020204" pitchFamily="34" charset="0"/>
-              <a:buChar char="•"/>
-            </a:pPr>
-            <a:r>
-              <a:rPr lang="ru-RU" sz="1800" dirty="0" smtClean="0">
-                <a:solidFill>
-                  <a:schemeClr val="tx1"/>
-                </a:solidFill>
-                <a:latin typeface="Roboto" panose="020B0604020202020204" charset="0"/>
-                <a:ea typeface="Roboto" panose="020B0604020202020204" charset="0"/>
-                <a:cs typeface="Roboto" panose="020B0604020202020204" charset="0"/>
-              </a:rPr>
-              <a:t>Откат к предыдущей версии</a:t>
-            </a:r>
-            <a:r>
-              <a:rPr lang="en-US" sz="1800" dirty="0" smtClean="0">
-                <a:solidFill>
-                  <a:schemeClr val="tx1"/>
-                </a:solidFill>
-                <a:latin typeface="Roboto" panose="020B0604020202020204" charset="0"/>
-                <a:ea typeface="Roboto" panose="020B0604020202020204" charset="0"/>
-                <a:cs typeface="Roboto" panose="020B0604020202020204" charset="0"/>
-              </a:rPr>
-              <a:t> </a:t>
-            </a:r>
-            <a:r>
-              <a:rPr lang="ru-RU" sz="1800" dirty="0">
-                <a:solidFill>
-                  <a:schemeClr val="tx1"/>
-                </a:solidFill>
-                <a:latin typeface="Roboto" panose="020B0604020202020204" charset="0"/>
-                <a:ea typeface="Roboto" panose="020B0604020202020204" charset="0"/>
-                <a:cs typeface="Roboto" panose="020B0604020202020204" charset="0"/>
-              </a:rPr>
-              <a:t>(</a:t>
-            </a:r>
-            <a:r>
-              <a:rPr lang="en-US" sz="1800" dirty="0" err="1">
-                <a:solidFill>
-                  <a:schemeClr val="tx1"/>
-                </a:solidFill>
-                <a:latin typeface="Roboto" panose="020B0604020202020204" charset="0"/>
-                <a:ea typeface="Roboto" panose="020B0604020202020204" charset="0"/>
-                <a:cs typeface="Roboto" panose="020B0604020202020204" charset="0"/>
-              </a:rPr>
-              <a:t>vcs</a:t>
-            </a:r>
-            <a:r>
-              <a:rPr lang="en-US" sz="1800" dirty="0">
-                <a:solidFill>
-                  <a:schemeClr val="tx1"/>
-                </a:solidFill>
-                <a:latin typeface="Roboto" panose="020B0604020202020204" charset="0"/>
-                <a:ea typeface="Roboto" panose="020B0604020202020204" charset="0"/>
-                <a:cs typeface="Roboto" panose="020B0604020202020204" charset="0"/>
-              </a:rPr>
-              <a:t> </a:t>
-            </a:r>
-            <a:r>
-              <a:rPr lang="en-US" sz="1800" dirty="0" smtClean="0">
-                <a:solidFill>
-                  <a:schemeClr val="tx1"/>
-                </a:solidFill>
-                <a:latin typeface="Roboto" panose="020B0604020202020204" charset="0"/>
-                <a:ea typeface="Roboto" panose="020B0604020202020204" charset="0"/>
-                <a:cs typeface="Roboto" panose="020B0604020202020204" charset="0"/>
-              </a:rPr>
-              <a:t>rollback</a:t>
-            </a:r>
-            <a:r>
-              <a:rPr lang="ru-RU" sz="1800" dirty="0" smtClean="0">
-                <a:solidFill>
-                  <a:schemeClr val="tx1"/>
-                </a:solidFill>
-                <a:latin typeface="Roboto" panose="020B0604020202020204" charset="0"/>
-                <a:ea typeface="Roboto" panose="020B0604020202020204" charset="0"/>
-                <a:cs typeface="Roboto" panose="020B0604020202020204" charset="0"/>
-              </a:rPr>
-              <a:t>)</a:t>
-            </a:r>
-          </a:p>
-          <a:p>
-            <a:pPr marL="285750" indent="-285750">
-              <a:buClr>
-                <a:schemeClr val="tx1"/>
-              </a:buClr>
-              <a:buFont typeface="Arial" panose="020B0604020202020204" pitchFamily="34" charset="0"/>
-              <a:buChar char="•"/>
-            </a:pPr>
-            <a:r>
-              <a:rPr lang="ru-RU" sz="1800" dirty="0" smtClean="0">
-                <a:solidFill>
-                  <a:schemeClr val="tx1"/>
-                </a:solidFill>
-                <a:latin typeface="Roboto" panose="020B0604020202020204" charset="0"/>
-                <a:ea typeface="Roboto" panose="020B0604020202020204" charset="0"/>
-                <a:cs typeface="Roboto" panose="020B0604020202020204" charset="0"/>
-              </a:rPr>
-              <a:t>История коммитов</a:t>
-            </a:r>
-            <a:r>
-              <a:rPr lang="en-US" sz="1800" dirty="0" smtClean="0">
-                <a:solidFill>
-                  <a:schemeClr val="tx1"/>
-                </a:solidFill>
-                <a:latin typeface="Roboto" panose="020B0604020202020204" charset="0"/>
-                <a:ea typeface="Roboto" panose="020B0604020202020204" charset="0"/>
-                <a:cs typeface="Roboto" panose="020B0604020202020204" charset="0"/>
-              </a:rPr>
-              <a:t> </a:t>
-            </a:r>
-            <a:r>
-              <a:rPr lang="ru-RU" sz="1800" dirty="0">
-                <a:solidFill>
-                  <a:schemeClr val="tx1"/>
-                </a:solidFill>
-                <a:latin typeface="Roboto" panose="020B0604020202020204" charset="0"/>
-                <a:ea typeface="Roboto" panose="020B0604020202020204" charset="0"/>
-                <a:cs typeface="Roboto" panose="020B0604020202020204" charset="0"/>
-              </a:rPr>
-              <a:t>(</a:t>
-            </a:r>
-            <a:r>
-              <a:rPr lang="en-US" sz="1800" dirty="0" err="1">
-                <a:solidFill>
-                  <a:schemeClr val="tx1"/>
-                </a:solidFill>
-                <a:latin typeface="Roboto" panose="020B0604020202020204" charset="0"/>
-                <a:ea typeface="Roboto" panose="020B0604020202020204" charset="0"/>
-                <a:cs typeface="Roboto" panose="020B0604020202020204" charset="0"/>
-              </a:rPr>
-              <a:t>vcs</a:t>
-            </a:r>
-            <a:r>
-              <a:rPr lang="en-US" sz="1800" dirty="0">
-                <a:solidFill>
-                  <a:schemeClr val="tx1"/>
-                </a:solidFill>
-                <a:latin typeface="Roboto" panose="020B0604020202020204" charset="0"/>
-                <a:ea typeface="Roboto" panose="020B0604020202020204" charset="0"/>
-                <a:cs typeface="Roboto" panose="020B0604020202020204" charset="0"/>
-              </a:rPr>
-              <a:t> </a:t>
-            </a:r>
-            <a:r>
-              <a:rPr lang="en-US" sz="1800" dirty="0" err="1" smtClean="0">
-                <a:solidFill>
-                  <a:schemeClr val="tx1"/>
-                </a:solidFill>
-                <a:latin typeface="Roboto" panose="020B0604020202020204" charset="0"/>
-                <a:ea typeface="Roboto" panose="020B0604020202020204" charset="0"/>
-                <a:cs typeface="Roboto" panose="020B0604020202020204" charset="0"/>
-              </a:rPr>
-              <a:t>hist</a:t>
-            </a:r>
-            <a:r>
-              <a:rPr lang="ru-RU" sz="1800" dirty="0" smtClean="0">
-                <a:solidFill>
-                  <a:schemeClr val="tx1"/>
-                </a:solidFill>
-                <a:latin typeface="Roboto" panose="020B0604020202020204" charset="0"/>
-                <a:ea typeface="Roboto" panose="020B0604020202020204" charset="0"/>
-                <a:cs typeface="Roboto" panose="020B0604020202020204" charset="0"/>
-              </a:rPr>
-              <a:t>)</a:t>
-            </a:r>
-            <a:endParaRPr lang="en-US" sz="1800" dirty="0" smtClean="0">
+            <a:endParaRPr lang="ru-RU" sz="1900" dirty="0">
               <a:solidFill>
                 <a:schemeClr val="tx1"/>
               </a:solidFill>
@@ -24754,7 +24406,7 @@
               <a:buChar char="•"/>
             </a:pPr>
             <a:r>
-              <a:rPr lang="ru-RU" sz="1800" dirty="0">
+              <a:rPr lang="ru-RU" sz="1900" dirty="0" smtClean="0">
                 <a:solidFill>
                   <a:schemeClr val="tx1"/>
                 </a:solidFill>
@@ -24762,10 +24414,10 @@
                 <a:ea typeface="Roboto" panose="020B0604020202020204" charset="0"/>
                 <a:cs typeface="Roboto" panose="020B0604020202020204" charset="0"/>
               </a:rPr>
-              <a:t>Вывод файловой </a:t>
+              <a:t>Удаление репозитория</a:t>
             </a:r>
             <a:r>
-              <a:rPr lang="ru-RU" sz="1800" dirty="0" smtClean="0">
+              <a:rPr lang="en-US" sz="1900" dirty="0" smtClean="0">
                 <a:solidFill>
                   <a:schemeClr val="tx1"/>
                 </a:solidFill>
@@ -24773,10 +24425,10 @@
                 <a:ea typeface="Roboto" panose="020B0604020202020204" charset="0"/>
                 <a:cs typeface="Roboto" panose="020B0604020202020204" charset="0"/>
               </a:rPr>
-              <a:t>структуры</a:t>
+              <a:t> </a:t>
             </a:r>
             <a:r>
-              <a:rPr lang="en-US" sz="1800" dirty="0">
+              <a:rPr lang="ru-RU" sz="1900" dirty="0">
                 <a:solidFill>
                   <a:schemeClr val="tx1"/>
                 </a:solidFill>
@@ -24784,12 +24436,15 @@
                 <a:ea typeface="Roboto" panose="020B0604020202020204" charset="0"/>
                 <a:cs typeface="Roboto" panose="020B0604020202020204" charset="0"/>
               </a:rPr>
-              <a:t> (</a:t>
+              <a:t>(</a:t>
             </a:r>
             <a:r>
-              <a:rPr lang="en-US" sz="1800" dirty="0" err="1">
-                <a:solidFill>
-                  <a:schemeClr val="tx1"/>
+              <a:rPr lang="en-US" sz="1900" dirty="0" err="1">
+                <a:solidFill>
+                  <a:schemeClr val="accent6">
+                    <a:lumMod val="60000"/>
+                    <a:lumOff val="40000"/>
+                  </a:schemeClr>
                 </a:solidFill>
                 <a:latin typeface="Roboto" panose="020B0604020202020204" charset="0"/>
                 <a:ea typeface="Roboto" panose="020B0604020202020204" charset="0"/>
@@ -24798,9 +24453,12 @@
               <a:t>vcs</a:t>
             </a:r>
             <a:r>
-              <a:rPr lang="en-US" sz="1800" dirty="0">
-                <a:solidFill>
-                  <a:schemeClr val="tx1"/>
+              <a:rPr lang="en-US" sz="1900" dirty="0">
+                <a:solidFill>
+                  <a:schemeClr val="accent6">
+                    <a:lumMod val="60000"/>
+                    <a:lumOff val="40000"/>
+                  </a:schemeClr>
                 </a:solidFill>
                 <a:latin typeface="Roboto" panose="020B0604020202020204" charset="0"/>
                 <a:ea typeface="Roboto" panose="020B0604020202020204" charset="0"/>
@@ -24809,15 +24467,29 @@
               <a:t> </a:t>
             </a:r>
             <a:r>
-              <a:rPr lang="en-US" sz="1800" dirty="0" smtClean="0">
-                <a:solidFill>
-                  <a:schemeClr val="tx1"/>
+              <a:rPr lang="en-US" sz="1900" dirty="0" smtClean="0">
+                <a:solidFill>
+                  <a:schemeClr val="accent6">
+                    <a:lumMod val="60000"/>
+                    <a:lumOff val="40000"/>
+                  </a:schemeClr>
                 </a:solidFill>
                 <a:latin typeface="Roboto" panose="020B0604020202020204" charset="0"/>
                 <a:ea typeface="Roboto" panose="020B0604020202020204" charset="0"/>
                 <a:cs typeface="Roboto" panose="020B0604020202020204" charset="0"/>
               </a:rPr>
-              <a:t>tree)</a:t>
+              <a:t>remove</a:t>
+            </a:r>
+            <a:r>
+              <a:rPr lang="ru-RU" sz="1900" dirty="0" smtClean="0">
+                <a:solidFill>
+                  <a:schemeClr val="tx1"/>
+                </a:solidFill>
+                <a:latin typeface="Roboto" panose="020B0604020202020204" charset="0"/>
+                <a:ea typeface="Roboto" panose="020B0604020202020204" charset="0"/>
+                <a:cs typeface="Roboto" panose="020B0604020202020204" charset="0"/>
+              </a:rPr>
+              <a:t>)</a:t>
             </a:r>
           </a:p>
           <a:p>
@@ -24829,7 +24501,7 @@
               <a:buChar char="•"/>
             </a:pPr>
             <a:r>
-              <a:rPr lang="ru-RU" sz="1800" dirty="0">
+              <a:rPr lang="ru-RU" sz="1900" dirty="0" smtClean="0">
                 <a:solidFill>
                   <a:schemeClr val="tx1"/>
                 </a:solidFill>
@@ -24837,10 +24509,10 @@
                 <a:ea typeface="Roboto" panose="020B0604020202020204" charset="0"/>
                 <a:cs typeface="Roboto" panose="020B0604020202020204" charset="0"/>
               </a:rPr>
-              <a:t>Справка по </a:t>
+              <a:t>Создание коммитов</a:t>
             </a:r>
             <a:r>
-              <a:rPr lang="ru-RU" sz="1800" dirty="0" smtClean="0">
+              <a:rPr lang="en-US" sz="1900" dirty="0" smtClean="0">
                 <a:solidFill>
                   <a:schemeClr val="tx1"/>
                 </a:solidFill>
@@ -24848,10 +24520,10 @@
                 <a:ea typeface="Roboto" panose="020B0604020202020204" charset="0"/>
                 <a:cs typeface="Roboto" panose="020B0604020202020204" charset="0"/>
               </a:rPr>
-              <a:t>командам</a:t>
+              <a:t> </a:t>
             </a:r>
             <a:r>
-              <a:rPr lang="en-US" sz="1800" dirty="0" smtClean="0">
+              <a:rPr lang="ru-RU" sz="1900" dirty="0">
                 <a:solidFill>
                   <a:schemeClr val="tx1"/>
                 </a:solidFill>
@@ -24859,12 +24531,15 @@
                 <a:ea typeface="Roboto" panose="020B0604020202020204" charset="0"/>
                 <a:cs typeface="Roboto" panose="020B0604020202020204" charset="0"/>
               </a:rPr>
-              <a:t> (</a:t>
+              <a:t>(</a:t>
             </a:r>
             <a:r>
-              <a:rPr lang="en-US" sz="1800" dirty="0" err="1" smtClean="0">
-                <a:solidFill>
-                  <a:schemeClr val="tx1"/>
+              <a:rPr lang="en-US" sz="1900" dirty="0" err="1">
+                <a:solidFill>
+                  <a:schemeClr val="accent6">
+                    <a:lumMod val="60000"/>
+                    <a:lumOff val="40000"/>
+                  </a:schemeClr>
                 </a:solidFill>
                 <a:latin typeface="Roboto" panose="020B0604020202020204" charset="0"/>
                 <a:ea typeface="Roboto" panose="020B0604020202020204" charset="0"/>
@@ -24873,17 +24548,330 @@
               <a:t>vcs</a:t>
             </a:r>
             <a:r>
-              <a:rPr lang="en-US" sz="1800" dirty="0" smtClean="0">
-                <a:solidFill>
-                  <a:schemeClr val="tx1"/>
+              <a:rPr lang="en-US" sz="1900" dirty="0">
+                <a:solidFill>
+                  <a:schemeClr val="accent6">
+                    <a:lumMod val="60000"/>
+                    <a:lumOff val="40000"/>
+                  </a:schemeClr>
                 </a:solidFill>
                 <a:latin typeface="Roboto" panose="020B0604020202020204" charset="0"/>
                 <a:ea typeface="Roboto" panose="020B0604020202020204" charset="0"/>
                 <a:cs typeface="Roboto" panose="020B0604020202020204" charset="0"/>
               </a:rPr>
-              <a:t> help)</a:t>
+              <a:t> </a:t>
             </a:r>
-            <a:endParaRPr lang="ru-RU" sz="1800" dirty="0" smtClean="0">
+            <a:r>
+              <a:rPr lang="en-US" sz="1900" dirty="0" smtClean="0">
+                <a:solidFill>
+                  <a:schemeClr val="accent6">
+                    <a:lumMod val="60000"/>
+                    <a:lumOff val="40000"/>
+                  </a:schemeClr>
+                </a:solidFill>
+                <a:latin typeface="Roboto" panose="020B0604020202020204" charset="0"/>
+                <a:ea typeface="Roboto" panose="020B0604020202020204" charset="0"/>
+                <a:cs typeface="Roboto" panose="020B0604020202020204" charset="0"/>
+              </a:rPr>
+              <a:t>commit</a:t>
+            </a:r>
+            <a:r>
+              <a:rPr lang="ru-RU" sz="1900" dirty="0" smtClean="0">
+                <a:solidFill>
+                  <a:schemeClr val="tx1"/>
+                </a:solidFill>
+                <a:latin typeface="Roboto" panose="020B0604020202020204" charset="0"/>
+                <a:ea typeface="Roboto" panose="020B0604020202020204" charset="0"/>
+                <a:cs typeface="Roboto" panose="020B0604020202020204" charset="0"/>
+              </a:rPr>
+              <a:t>)</a:t>
+            </a:r>
+          </a:p>
+          <a:p>
+            <a:pPr marL="285750" indent="-285750">
+              <a:buClr>
+                <a:schemeClr val="tx1"/>
+              </a:buClr>
+              <a:buFont typeface="Arial" panose="020B0604020202020204" pitchFamily="34" charset="0"/>
+              <a:buChar char="•"/>
+            </a:pPr>
+            <a:r>
+              <a:rPr lang="ru-RU" sz="1900" dirty="0" smtClean="0">
+                <a:solidFill>
+                  <a:schemeClr val="tx1"/>
+                </a:solidFill>
+                <a:latin typeface="Roboto" panose="020B0604020202020204" charset="0"/>
+                <a:ea typeface="Roboto" panose="020B0604020202020204" charset="0"/>
+                <a:cs typeface="Roboto" panose="020B0604020202020204" charset="0"/>
+              </a:rPr>
+              <a:t>Сравнение коммитов</a:t>
+            </a:r>
+            <a:r>
+              <a:rPr lang="en-US" sz="1900" dirty="0" smtClean="0">
+                <a:solidFill>
+                  <a:schemeClr val="tx1"/>
+                </a:solidFill>
+                <a:latin typeface="Roboto" panose="020B0604020202020204" charset="0"/>
+                <a:ea typeface="Roboto" panose="020B0604020202020204" charset="0"/>
+                <a:cs typeface="Roboto" panose="020B0604020202020204" charset="0"/>
+              </a:rPr>
+              <a:t> </a:t>
+            </a:r>
+            <a:r>
+              <a:rPr lang="ru-RU" sz="1900" dirty="0">
+                <a:solidFill>
+                  <a:schemeClr val="tx1"/>
+                </a:solidFill>
+                <a:latin typeface="Roboto" panose="020B0604020202020204" charset="0"/>
+                <a:ea typeface="Roboto" panose="020B0604020202020204" charset="0"/>
+                <a:cs typeface="Roboto" panose="020B0604020202020204" charset="0"/>
+              </a:rPr>
+              <a:t>(</a:t>
+            </a:r>
+            <a:r>
+              <a:rPr lang="en-US" sz="1900" dirty="0" err="1">
+                <a:solidFill>
+                  <a:schemeClr val="accent6">
+                    <a:lumMod val="60000"/>
+                    <a:lumOff val="40000"/>
+                  </a:schemeClr>
+                </a:solidFill>
+                <a:latin typeface="Roboto" panose="020B0604020202020204" charset="0"/>
+                <a:ea typeface="Roboto" panose="020B0604020202020204" charset="0"/>
+                <a:cs typeface="Roboto" panose="020B0604020202020204" charset="0"/>
+              </a:rPr>
+              <a:t>vcs</a:t>
+            </a:r>
+            <a:r>
+              <a:rPr lang="en-US" sz="1900" dirty="0">
+                <a:solidFill>
+                  <a:schemeClr val="accent6">
+                    <a:lumMod val="60000"/>
+                    <a:lumOff val="40000"/>
+                  </a:schemeClr>
+                </a:solidFill>
+                <a:latin typeface="Roboto" panose="020B0604020202020204" charset="0"/>
+                <a:ea typeface="Roboto" panose="020B0604020202020204" charset="0"/>
+                <a:cs typeface="Roboto" panose="020B0604020202020204" charset="0"/>
+              </a:rPr>
+              <a:t> </a:t>
+            </a:r>
+            <a:r>
+              <a:rPr lang="en-US" sz="1900" dirty="0" smtClean="0">
+                <a:solidFill>
+                  <a:schemeClr val="accent6">
+                    <a:lumMod val="60000"/>
+                    <a:lumOff val="40000"/>
+                  </a:schemeClr>
+                </a:solidFill>
+                <a:latin typeface="Roboto" panose="020B0604020202020204" charset="0"/>
+                <a:ea typeface="Roboto" panose="020B0604020202020204" charset="0"/>
+                <a:cs typeface="Roboto" panose="020B0604020202020204" charset="0"/>
+              </a:rPr>
+              <a:t>status</a:t>
+            </a:r>
+            <a:r>
+              <a:rPr lang="ru-RU" sz="1900" dirty="0" smtClean="0">
+                <a:solidFill>
+                  <a:schemeClr val="tx1"/>
+                </a:solidFill>
+                <a:latin typeface="Roboto" panose="020B0604020202020204" charset="0"/>
+                <a:ea typeface="Roboto" panose="020B0604020202020204" charset="0"/>
+                <a:cs typeface="Roboto" panose="020B0604020202020204" charset="0"/>
+              </a:rPr>
+              <a:t>)</a:t>
+            </a:r>
+          </a:p>
+          <a:p>
+            <a:pPr marL="285750" indent="-285750">
+              <a:buClr>
+                <a:schemeClr val="tx1"/>
+              </a:buClr>
+              <a:buFont typeface="Arial" panose="020B0604020202020204" pitchFamily="34" charset="0"/>
+              <a:buChar char="•"/>
+            </a:pPr>
+            <a:r>
+              <a:rPr lang="ru-RU" sz="1900" dirty="0" smtClean="0">
+                <a:solidFill>
+                  <a:schemeClr val="tx1"/>
+                </a:solidFill>
+                <a:latin typeface="Roboto" panose="020B0604020202020204" charset="0"/>
+                <a:ea typeface="Roboto" panose="020B0604020202020204" charset="0"/>
+                <a:cs typeface="Roboto" panose="020B0604020202020204" charset="0"/>
+              </a:rPr>
+              <a:t>Откат к предыдущей версии</a:t>
+            </a:r>
+            <a:r>
+              <a:rPr lang="en-US" sz="1900" dirty="0" smtClean="0">
+                <a:solidFill>
+                  <a:schemeClr val="tx1"/>
+                </a:solidFill>
+                <a:latin typeface="Roboto" panose="020B0604020202020204" charset="0"/>
+                <a:ea typeface="Roboto" panose="020B0604020202020204" charset="0"/>
+                <a:cs typeface="Roboto" panose="020B0604020202020204" charset="0"/>
+              </a:rPr>
+              <a:t> </a:t>
+            </a:r>
+            <a:r>
+              <a:rPr lang="ru-RU" sz="1900" dirty="0">
+                <a:solidFill>
+                  <a:schemeClr val="tx1"/>
+                </a:solidFill>
+                <a:latin typeface="Roboto" panose="020B0604020202020204" charset="0"/>
+                <a:ea typeface="Roboto" panose="020B0604020202020204" charset="0"/>
+                <a:cs typeface="Roboto" panose="020B0604020202020204" charset="0"/>
+              </a:rPr>
+              <a:t>(</a:t>
+            </a:r>
+            <a:r>
+              <a:rPr lang="en-US" sz="1900" dirty="0" err="1">
+                <a:solidFill>
+                  <a:schemeClr val="accent6">
+                    <a:lumMod val="60000"/>
+                    <a:lumOff val="40000"/>
+                  </a:schemeClr>
+                </a:solidFill>
+                <a:latin typeface="Roboto" panose="020B0604020202020204" charset="0"/>
+                <a:ea typeface="Roboto" panose="020B0604020202020204" charset="0"/>
+                <a:cs typeface="Roboto" panose="020B0604020202020204" charset="0"/>
+              </a:rPr>
+              <a:t>vcs</a:t>
+            </a:r>
+            <a:r>
+              <a:rPr lang="en-US" sz="1900" dirty="0">
+                <a:solidFill>
+                  <a:schemeClr val="accent6">
+                    <a:lumMod val="60000"/>
+                    <a:lumOff val="40000"/>
+                  </a:schemeClr>
+                </a:solidFill>
+                <a:latin typeface="Roboto" panose="020B0604020202020204" charset="0"/>
+                <a:ea typeface="Roboto" panose="020B0604020202020204" charset="0"/>
+                <a:cs typeface="Roboto" panose="020B0604020202020204" charset="0"/>
+              </a:rPr>
+              <a:t> </a:t>
+            </a:r>
+            <a:r>
+              <a:rPr lang="en-US" sz="1900" dirty="0" smtClean="0">
+                <a:solidFill>
+                  <a:schemeClr val="accent6">
+                    <a:lumMod val="60000"/>
+                    <a:lumOff val="40000"/>
+                  </a:schemeClr>
+                </a:solidFill>
+                <a:latin typeface="Roboto" panose="020B0604020202020204" charset="0"/>
+                <a:ea typeface="Roboto" panose="020B0604020202020204" charset="0"/>
+                <a:cs typeface="Roboto" panose="020B0604020202020204" charset="0"/>
+              </a:rPr>
+              <a:t>rollback</a:t>
+            </a:r>
+            <a:r>
+              <a:rPr lang="ru-RU" sz="1900" dirty="0" smtClean="0">
+                <a:solidFill>
+                  <a:schemeClr val="tx1"/>
+                </a:solidFill>
+                <a:latin typeface="Roboto" panose="020B0604020202020204" charset="0"/>
+                <a:ea typeface="Roboto" panose="020B0604020202020204" charset="0"/>
+                <a:cs typeface="Roboto" panose="020B0604020202020204" charset="0"/>
+              </a:rPr>
+              <a:t>)</a:t>
+            </a:r>
+          </a:p>
+          <a:p>
+            <a:pPr marL="285750" indent="-285750">
+              <a:buClr>
+                <a:schemeClr val="tx1"/>
+              </a:buClr>
+              <a:buFont typeface="Arial" panose="020B0604020202020204" pitchFamily="34" charset="0"/>
+              <a:buChar char="•"/>
+            </a:pPr>
+            <a:r>
+              <a:rPr lang="ru-RU" sz="1900" dirty="0" smtClean="0">
+                <a:solidFill>
+                  <a:schemeClr val="tx1"/>
+                </a:solidFill>
+                <a:latin typeface="Roboto" panose="020B0604020202020204" charset="0"/>
+                <a:ea typeface="Roboto" panose="020B0604020202020204" charset="0"/>
+                <a:cs typeface="Roboto" panose="020B0604020202020204" charset="0"/>
+              </a:rPr>
+              <a:t>История коммитов</a:t>
+            </a:r>
+            <a:r>
+              <a:rPr lang="en-US" sz="1900" dirty="0" smtClean="0">
+                <a:solidFill>
+                  <a:schemeClr val="tx1"/>
+                </a:solidFill>
+                <a:latin typeface="Roboto" panose="020B0604020202020204" charset="0"/>
+                <a:ea typeface="Roboto" panose="020B0604020202020204" charset="0"/>
+                <a:cs typeface="Roboto" panose="020B0604020202020204" charset="0"/>
+              </a:rPr>
+              <a:t> </a:t>
+            </a:r>
+            <a:r>
+              <a:rPr lang="ru-RU" sz="1900" dirty="0">
+                <a:solidFill>
+                  <a:schemeClr val="tx1"/>
+                </a:solidFill>
+                <a:latin typeface="Roboto" panose="020B0604020202020204" charset="0"/>
+                <a:ea typeface="Roboto" panose="020B0604020202020204" charset="0"/>
+                <a:cs typeface="Roboto" panose="020B0604020202020204" charset="0"/>
+              </a:rPr>
+              <a:t>(</a:t>
+            </a:r>
+            <a:r>
+              <a:rPr lang="en-US" sz="1900" dirty="0" err="1">
+                <a:solidFill>
+                  <a:schemeClr val="accent6">
+                    <a:lumMod val="60000"/>
+                    <a:lumOff val="40000"/>
+                  </a:schemeClr>
+                </a:solidFill>
+                <a:latin typeface="Roboto" panose="020B0604020202020204" charset="0"/>
+                <a:ea typeface="Roboto" panose="020B0604020202020204" charset="0"/>
+                <a:cs typeface="Roboto" panose="020B0604020202020204" charset="0"/>
+              </a:rPr>
+              <a:t>vcs</a:t>
+            </a:r>
+            <a:r>
+              <a:rPr lang="en-US" sz="1900" dirty="0">
+                <a:solidFill>
+                  <a:schemeClr val="accent6">
+                    <a:lumMod val="60000"/>
+                    <a:lumOff val="40000"/>
+                  </a:schemeClr>
+                </a:solidFill>
+                <a:latin typeface="Roboto" panose="020B0604020202020204" charset="0"/>
+                <a:ea typeface="Roboto" panose="020B0604020202020204" charset="0"/>
+                <a:cs typeface="Roboto" panose="020B0604020202020204" charset="0"/>
+              </a:rPr>
+              <a:t> </a:t>
+            </a:r>
+            <a:r>
+              <a:rPr lang="en-US" sz="1900" dirty="0" err="1" smtClean="0">
+                <a:solidFill>
+                  <a:schemeClr val="accent6">
+                    <a:lumMod val="60000"/>
+                    <a:lumOff val="40000"/>
+                  </a:schemeClr>
+                </a:solidFill>
+                <a:latin typeface="Roboto" panose="020B0604020202020204" charset="0"/>
+                <a:ea typeface="Roboto" panose="020B0604020202020204" charset="0"/>
+                <a:cs typeface="Roboto" panose="020B0604020202020204" charset="0"/>
+              </a:rPr>
+              <a:t>hist</a:t>
+            </a:r>
+            <a:r>
+              <a:rPr lang="ru-RU" sz="1900" dirty="0" smtClean="0">
+                <a:solidFill>
+                  <a:schemeClr val="tx1"/>
+                </a:solidFill>
+                <a:latin typeface="Roboto" panose="020B0604020202020204" charset="0"/>
+                <a:ea typeface="Roboto" panose="020B0604020202020204" charset="0"/>
+                <a:cs typeface="Roboto" panose="020B0604020202020204" charset="0"/>
+              </a:rPr>
+              <a:t>)</a:t>
+            </a:r>
+            <a:endParaRPr lang="en-US" sz="1900" dirty="0" smtClean="0">
               <a:solidFill>
                 <a:schemeClr val="tx1"/>
               </a:solidFill>
@@ -24901,7 +24889,7 @@
               <a:buChar char="•"/>
             </a:pPr>
             <a:r>
-              <a:rPr lang="ru-RU" sz="1800" dirty="0" smtClean="0">
+              <a:rPr lang="ru-RU" sz="1900" dirty="0">
                 <a:solidFill>
                   <a:schemeClr val="tx1"/>
                 </a:solidFill>
@@ -24909,10 +24897,10 @@
                 <a:ea typeface="Roboto" panose="020B0604020202020204" charset="0"/>
                 <a:cs typeface="Roboto" panose="020B0604020202020204" charset="0"/>
               </a:rPr>
-              <a:t>Игнорирование файлов и директорий</a:t>
+              <a:t>Вывод файловой </a:t>
             </a:r>
             <a:r>
-              <a:rPr lang="en-US" sz="1800" dirty="0" smtClean="0">
+              <a:rPr lang="ru-RU" sz="1900" dirty="0" smtClean="0">
                 <a:solidFill>
                   <a:schemeClr val="tx1"/>
                 </a:solidFill>
@@ -24920,10 +24908,10 @@
                 <a:ea typeface="Roboto" panose="020B0604020202020204" charset="0"/>
                 <a:cs typeface="Roboto" panose="020B0604020202020204" charset="0"/>
               </a:rPr>
-              <a:t> (.</a:t>
+              <a:t>структуры</a:t>
             </a:r>
             <a:r>
-              <a:rPr lang="en-US" sz="1800" dirty="0" err="1" smtClean="0">
+              <a:rPr lang="en-US" sz="1900" dirty="0">
                 <a:solidFill>
                   <a:schemeClr val="tx1"/>
                 </a:solidFill>
@@ -24931,10 +24919,52 @@
                 <a:ea typeface="Roboto" panose="020B0604020202020204" charset="0"/>
                 <a:cs typeface="Roboto" panose="020B0604020202020204" charset="0"/>
               </a:rPr>
-              <a:t>gitignore</a:t>
+              <a:t> (</a:t>
             </a:r>
             <a:r>
-              <a:rPr lang="en-US" sz="1800" dirty="0" smtClean="0">
+              <a:rPr lang="en-US" sz="1900" dirty="0" err="1">
+                <a:solidFill>
+                  <a:schemeClr val="accent6">
+                    <a:lumMod val="60000"/>
+                    <a:lumOff val="40000"/>
+                  </a:schemeClr>
+                </a:solidFill>
+                <a:latin typeface="Roboto" panose="020B0604020202020204" charset="0"/>
+                <a:ea typeface="Roboto" panose="020B0604020202020204" charset="0"/>
+                <a:cs typeface="Roboto" panose="020B0604020202020204" charset="0"/>
+              </a:rPr>
+              <a:t>vcs</a:t>
+            </a:r>
+            <a:r>
+              <a:rPr lang="en-US" sz="1900" dirty="0">
+                <a:solidFill>
+                  <a:schemeClr val="accent6">
+                    <a:lumMod val="60000"/>
+                    <a:lumOff val="40000"/>
+                  </a:schemeClr>
+                </a:solidFill>
+                <a:latin typeface="Roboto" panose="020B0604020202020204" charset="0"/>
+                <a:ea typeface="Roboto" panose="020B0604020202020204" charset="0"/>
+                <a:cs typeface="Roboto" panose="020B0604020202020204" charset="0"/>
+              </a:rPr>
+              <a:t> </a:t>
+            </a:r>
+            <a:r>
+              <a:rPr lang="en-US" sz="1900" dirty="0" smtClean="0">
+                <a:solidFill>
+                  <a:schemeClr val="accent6">
+                    <a:lumMod val="60000"/>
+                    <a:lumOff val="40000"/>
+                  </a:schemeClr>
+                </a:solidFill>
+                <a:latin typeface="Roboto" panose="020B0604020202020204" charset="0"/>
+                <a:ea typeface="Roboto" panose="020B0604020202020204" charset="0"/>
+                <a:cs typeface="Roboto" panose="020B0604020202020204" charset="0"/>
+              </a:rPr>
+              <a:t>tree</a:t>
+            </a:r>
+            <a:r>
+              <a:rPr lang="en-US" sz="1900" dirty="0" smtClean="0">
                 <a:solidFill>
                   <a:schemeClr val="tx1"/>
                 </a:solidFill>
@@ -24944,7 +24974,88 @@
               </a:rPr>
               <a:t>)</a:t>
             </a:r>
-            <a:endParaRPr lang="ru-RU" sz="1800" dirty="0" smtClean="0">
+          </a:p>
+          <a:p>
+            <a:pPr marL="285750" indent="-285750">
+              <a:buClr>
+                <a:schemeClr val="tx1"/>
+              </a:buClr>
+              <a:buFont typeface="Arial" panose="020B0604020202020204" pitchFamily="34" charset="0"/>
+              <a:buChar char="•"/>
+            </a:pPr>
+            <a:r>
+              <a:rPr lang="ru-RU" sz="1900" dirty="0">
+                <a:solidFill>
+                  <a:schemeClr val="tx1"/>
+                </a:solidFill>
+                <a:latin typeface="Roboto" panose="020B0604020202020204" charset="0"/>
+                <a:ea typeface="Roboto" panose="020B0604020202020204" charset="0"/>
+                <a:cs typeface="Roboto" panose="020B0604020202020204" charset="0"/>
+              </a:rPr>
+              <a:t>Справка по </a:t>
+            </a:r>
+            <a:r>
+              <a:rPr lang="ru-RU" sz="1900" dirty="0" smtClean="0">
+                <a:solidFill>
+                  <a:schemeClr val="tx1"/>
+                </a:solidFill>
+                <a:latin typeface="Roboto" panose="020B0604020202020204" charset="0"/>
+                <a:ea typeface="Roboto" panose="020B0604020202020204" charset="0"/>
+                <a:cs typeface="Roboto" panose="020B0604020202020204" charset="0"/>
+              </a:rPr>
+              <a:t>командам</a:t>
+            </a:r>
+            <a:r>
+              <a:rPr lang="en-US" sz="1900" dirty="0" smtClean="0">
+                <a:solidFill>
+                  <a:schemeClr val="tx1"/>
+                </a:solidFill>
+                <a:latin typeface="Roboto" panose="020B0604020202020204" charset="0"/>
+                <a:ea typeface="Roboto" panose="020B0604020202020204" charset="0"/>
+                <a:cs typeface="Roboto" panose="020B0604020202020204" charset="0"/>
+              </a:rPr>
+              <a:t> (</a:t>
+            </a:r>
+            <a:r>
+              <a:rPr lang="en-US" sz="1900" dirty="0" err="1" smtClean="0">
+                <a:solidFill>
+                  <a:schemeClr val="accent6">
+                    <a:lumMod val="60000"/>
+                    <a:lumOff val="40000"/>
+                  </a:schemeClr>
+                </a:solidFill>
+                <a:latin typeface="Roboto" panose="020B0604020202020204" charset="0"/>
+                <a:ea typeface="Roboto" panose="020B0604020202020204" charset="0"/>
+                <a:cs typeface="Roboto" panose="020B0604020202020204" charset="0"/>
+              </a:rPr>
+              <a:t>vcs</a:t>
+            </a:r>
+            <a:r>
+              <a:rPr lang="en-US" sz="1900" dirty="0" smtClean="0">
+                <a:solidFill>
+                  <a:schemeClr val="accent6">
+                    <a:lumMod val="60000"/>
+                    <a:lumOff val="40000"/>
+                  </a:schemeClr>
+                </a:solidFill>
+                <a:latin typeface="Roboto" panose="020B0604020202020204" charset="0"/>
+                <a:ea typeface="Roboto" panose="020B0604020202020204" charset="0"/>
+                <a:cs typeface="Roboto" panose="020B0604020202020204" charset="0"/>
+              </a:rPr>
+              <a:t> help</a:t>
+            </a:r>
+            <a:r>
+              <a:rPr lang="en-US" sz="1900" dirty="0" smtClean="0">
+                <a:solidFill>
+                  <a:schemeClr val="tx1"/>
+                </a:solidFill>
+                <a:latin typeface="Roboto" panose="020B0604020202020204" charset="0"/>
+                <a:ea typeface="Roboto" panose="020B0604020202020204" charset="0"/>
+                <a:cs typeface="Roboto" panose="020B0604020202020204" charset="0"/>
+              </a:rPr>
+              <a:t>)</a:t>
+            </a:r>
+            <a:endParaRPr lang="ru-RU" sz="1900" dirty="0" smtClean="0">
               <a:solidFill>
                 <a:schemeClr val="tx1"/>
               </a:solidFill>
@@ -24962,7 +25073,7 @@
               <a:buChar char="•"/>
             </a:pPr>
             <a:r>
-              <a:rPr lang="ru-RU" sz="1800" dirty="0" smtClean="0">
+              <a:rPr lang="ru-RU" sz="1900" dirty="0" smtClean="0">
                 <a:solidFill>
                   <a:schemeClr val="tx1"/>
                 </a:solidFill>
@@ -24970,19 +25081,10 @@
                 <a:ea typeface="Roboto" panose="020B0604020202020204" charset="0"/>
                 <a:cs typeface="Roboto" panose="020B0604020202020204" charset="0"/>
               </a:rPr>
-              <a:t>Управление через команды в терминале</a:t>
+              <a:t>Смена</a:t>
             </a:r>
-          </a:p>
-          <a:p>
-            <a:pPr marL="285750" indent="-285750">
-              <a:buClr>
-                <a:schemeClr val="tx1"/>
-              </a:buClr>
-              <a:buFont typeface="Arial" panose="020B0604020202020204" pitchFamily="34" charset="0"/>
-              <a:buChar char="•"/>
-            </a:pPr>
             <a:r>
-              <a:rPr lang="ru-RU" sz="1800" dirty="0" smtClean="0">
+              <a:rPr lang="ru-RU" sz="1900" dirty="0" smtClean="0">
                 <a:solidFill>
                   <a:schemeClr val="tx1"/>
                 </a:solidFill>
@@ -24990,10 +25092,21 @@
                 <a:ea typeface="Roboto" panose="020B0604020202020204" charset="0"/>
                 <a:cs typeface="Roboto" panose="020B0604020202020204" charset="0"/>
               </a:rPr>
-              <a:t>Выбор языка</a:t>
+              <a:t> </a:t>
             </a:r>
             <a:r>
-              <a:rPr lang="en-US" sz="1800" dirty="0" smtClean="0">
+              <a:rPr lang="ru-RU" sz="1900" dirty="0" smtClean="0">
+                <a:solidFill>
+                  <a:schemeClr val="tx1"/>
+                </a:solidFill>
+                <a:latin typeface="Roboto" panose="020B0604020202020204" charset="0"/>
+                <a:ea typeface="Roboto" panose="020B0604020202020204" charset="0"/>
+                <a:cs typeface="Roboto" panose="020B0604020202020204" charset="0"/>
+              </a:rPr>
+              <a:t>языка</a:t>
+            </a:r>
+            <a:r>
+              <a:rPr lang="en-US" sz="1900" dirty="0" smtClean="0">
                 <a:solidFill>
                   <a:schemeClr val="tx1"/>
                 </a:solidFill>
@@ -25004,9 +25117,12 @@
               <a:t> (</a:t>
             </a:r>
             <a:r>
-              <a:rPr lang="en-US" sz="1800" dirty="0" err="1" smtClean="0">
-                <a:solidFill>
-                  <a:schemeClr val="tx1"/>
+              <a:rPr lang="en-US" sz="1900" dirty="0" err="1" smtClean="0">
+                <a:solidFill>
+                  <a:schemeClr val="accent6">
+                    <a:lumMod val="60000"/>
+                    <a:lumOff val="40000"/>
+                  </a:schemeClr>
                 </a:solidFill>
                 <a:latin typeface="Roboto" panose="020B0604020202020204" charset="0"/>
                 <a:ea typeface="Roboto" panose="020B0604020202020204" charset="0"/>
@@ -25015,9 +25131,12 @@
               <a:t>vcs</a:t>
             </a:r>
             <a:r>
-              <a:rPr lang="en-US" sz="1800" dirty="0" smtClean="0">
-                <a:solidFill>
-                  <a:schemeClr val="tx1"/>
+              <a:rPr lang="en-US" sz="1900" dirty="0" smtClean="0">
+                <a:solidFill>
+                  <a:schemeClr val="accent6">
+                    <a:lumMod val="60000"/>
+                    <a:lumOff val="40000"/>
+                  </a:schemeClr>
                 </a:solidFill>
                 <a:latin typeface="Roboto" panose="020B0604020202020204" charset="0"/>
                 <a:ea typeface="Roboto" panose="020B0604020202020204" charset="0"/>
@@ -25026,17 +25145,31 @@
               <a:t> </a:t>
             </a:r>
             <a:r>
-              <a:rPr lang="en-US" sz="1800" smtClean="0">
-                <a:solidFill>
-                  <a:schemeClr val="tx1"/>
+              <a:rPr lang="en-US" sz="1900" dirty="0" err="1" smtClean="0">
+                <a:solidFill>
+                  <a:schemeClr val="accent6">
+                    <a:lumMod val="60000"/>
+                    <a:lumOff val="40000"/>
+                  </a:schemeClr>
                 </a:solidFill>
                 <a:latin typeface="Roboto" panose="020B0604020202020204" charset="0"/>
                 <a:ea typeface="Roboto" panose="020B0604020202020204" charset="0"/>
                 <a:cs typeface="Roboto" panose="020B0604020202020204" charset="0"/>
               </a:rPr>
-              <a:t>lang)</a:t>
+              <a:t>lang</a:t>
             </a:r>
-            <a:endParaRPr lang="ru-RU" sz="1800" dirty="0" smtClean="0">
+            <a:r>
+              <a:rPr lang="en-US" sz="1900" dirty="0" smtClean="0">
+                <a:solidFill>
+                  <a:schemeClr val="tx1"/>
+                </a:solidFill>
+                <a:latin typeface="Roboto" panose="020B0604020202020204" charset="0"/>
+                <a:ea typeface="Roboto" panose="020B0604020202020204" charset="0"/>
+                <a:cs typeface="Roboto" panose="020B0604020202020204" charset="0"/>
+              </a:rPr>
+              <a:t>)</a:t>
+            </a:r>
+            <a:endParaRPr lang="ru-RU" sz="1900" dirty="0" smtClean="0">
               <a:solidFill>
                 <a:schemeClr val="tx1"/>
               </a:solidFill>
@@ -25054,7 +25187,7 @@
               <a:buChar char="•"/>
             </a:pPr>
             <a:r>
-              <a:rPr lang="ru-RU" sz="1800" dirty="0" smtClean="0">
+              <a:rPr lang="en-US" sz="1900" dirty="0" smtClean="0">
                 <a:solidFill>
                   <a:schemeClr val="tx1"/>
                 </a:solidFill>
@@ -25062,7 +25195,107 @@
                 <a:ea typeface="Roboto" panose="020B0604020202020204" charset="0"/>
                 <a:cs typeface="Roboto" panose="020B0604020202020204" charset="0"/>
               </a:rPr>
-              <a:t>Шифрование/дешифрование репозитория</a:t>
+              <a:t>(</a:t>
+            </a:r>
+            <a:r>
+              <a:rPr lang="ru-RU" sz="1900" dirty="0" smtClean="0">
+                <a:solidFill>
+                  <a:schemeClr val="tx1"/>
+                </a:solidFill>
+                <a:latin typeface="Roboto" panose="020B0604020202020204" charset="0"/>
+                <a:ea typeface="Roboto" panose="020B0604020202020204" charset="0"/>
+                <a:cs typeface="Roboto" panose="020B0604020202020204" charset="0"/>
+              </a:rPr>
+              <a:t>де</a:t>
+            </a:r>
+            <a:r>
+              <a:rPr lang="en-US" sz="1900" dirty="0" smtClean="0">
+                <a:solidFill>
+                  <a:schemeClr val="tx1"/>
+                </a:solidFill>
+                <a:latin typeface="Roboto" panose="020B0604020202020204" charset="0"/>
+                <a:ea typeface="Roboto" panose="020B0604020202020204" charset="0"/>
+                <a:cs typeface="Roboto" panose="020B0604020202020204" charset="0"/>
+              </a:rPr>
+              <a:t>)</a:t>
+            </a:r>
+            <a:r>
+              <a:rPr lang="ru-RU" sz="1900" dirty="0" smtClean="0">
+                <a:solidFill>
+                  <a:schemeClr val="tx1"/>
+                </a:solidFill>
+                <a:latin typeface="Roboto" panose="020B0604020202020204" charset="0"/>
+                <a:ea typeface="Roboto" panose="020B0604020202020204" charset="0"/>
+                <a:cs typeface="Roboto" panose="020B0604020202020204" charset="0"/>
+              </a:rPr>
+              <a:t>шифрование репозитория (</a:t>
+            </a:r>
+            <a:r>
+              <a:rPr lang="en-US" sz="1900" dirty="0" err="1" smtClean="0">
+                <a:solidFill>
+                  <a:schemeClr val="accent6">
+                    <a:lumMod val="60000"/>
+                    <a:lumOff val="40000"/>
+                  </a:schemeClr>
+                </a:solidFill>
+                <a:latin typeface="Roboto" panose="020B0604020202020204" charset="0"/>
+                <a:ea typeface="Roboto" panose="020B0604020202020204" charset="0"/>
+                <a:cs typeface="Roboto" panose="020B0604020202020204" charset="0"/>
+              </a:rPr>
+              <a:t>vcs</a:t>
+            </a:r>
+            <a:r>
+              <a:rPr lang="en-US" sz="1900" dirty="0" smtClean="0">
+                <a:solidFill>
+                  <a:schemeClr val="accent6">
+                    <a:lumMod val="60000"/>
+                    <a:lumOff val="40000"/>
+                  </a:schemeClr>
+                </a:solidFill>
+                <a:latin typeface="Roboto" panose="020B0604020202020204" charset="0"/>
+                <a:ea typeface="Roboto" panose="020B0604020202020204" charset="0"/>
+                <a:cs typeface="Roboto" panose="020B0604020202020204" charset="0"/>
+              </a:rPr>
+              <a:t> (</a:t>
+            </a:r>
+            <a:r>
+              <a:rPr lang="en-US" sz="1900" dirty="0" smtClean="0">
+                <a:solidFill>
+                  <a:schemeClr val="accent6">
+                    <a:lumMod val="60000"/>
+                    <a:lumOff val="40000"/>
+                  </a:schemeClr>
+                </a:solidFill>
+                <a:latin typeface="Roboto" panose="020B0604020202020204" charset="0"/>
+                <a:ea typeface="Roboto" panose="020B0604020202020204" charset="0"/>
+                <a:cs typeface="Roboto" panose="020B0604020202020204" charset="0"/>
+              </a:rPr>
+              <a:t>de)</a:t>
+            </a:r>
+            <a:r>
+              <a:rPr lang="en-US" sz="1900" dirty="0" smtClean="0">
+                <a:solidFill>
+                  <a:schemeClr val="accent6">
+                    <a:lumMod val="60000"/>
+                    <a:lumOff val="40000"/>
+                  </a:schemeClr>
+                </a:solidFill>
+                <a:latin typeface="Roboto" panose="020B0604020202020204" charset="0"/>
+                <a:ea typeface="Roboto" panose="020B0604020202020204" charset="0"/>
+                <a:cs typeface="Roboto" panose="020B0604020202020204" charset="0"/>
+              </a:rPr>
+              <a:t>crypt</a:t>
+            </a:r>
+            <a:r>
+              <a:rPr lang="ru-RU" sz="1900" dirty="0" smtClean="0">
+                <a:solidFill>
+                  <a:schemeClr val="tx1"/>
+                </a:solidFill>
+                <a:latin typeface="Roboto" panose="020B0604020202020204" charset="0"/>
+                <a:ea typeface="Roboto" panose="020B0604020202020204" charset="0"/>
+                <a:cs typeface="Roboto" panose="020B0604020202020204" charset="0"/>
+              </a:rPr>
+              <a:t>)</a:t>
             </a:r>
           </a:p>
           <a:p>
@@ -25074,7 +25307,7 @@
               <a:buChar char="•"/>
             </a:pPr>
             <a:r>
-              <a:rPr lang="ru-RU" sz="1800" dirty="0" smtClean="0">
+              <a:rPr lang="ru-RU" sz="1900" dirty="0">
                 <a:solidFill>
                   <a:schemeClr val="tx1"/>
                 </a:solidFill>
@@ -25082,8 +25315,60 @@
                 <a:ea typeface="Roboto" panose="020B0604020202020204" charset="0"/>
                 <a:cs typeface="Roboto" panose="020B0604020202020204" charset="0"/>
               </a:rPr>
-              <a:t>Автокоммит</a:t>
+              <a:t>Игнорирование файлов и директорий</a:t>
             </a:r>
+            <a:r>
+              <a:rPr lang="en-US" sz="1900" dirty="0">
+                <a:solidFill>
+                  <a:schemeClr val="tx1"/>
+                </a:solidFill>
+                <a:latin typeface="Roboto" panose="020B0604020202020204" charset="0"/>
+                <a:ea typeface="Roboto" panose="020B0604020202020204" charset="0"/>
+                <a:cs typeface="Roboto" panose="020B0604020202020204" charset="0"/>
+              </a:rPr>
+              <a:t> (.</a:t>
+            </a:r>
+            <a:r>
+              <a:rPr lang="en-US" sz="1900" dirty="0" err="1">
+                <a:solidFill>
+                  <a:schemeClr val="tx1"/>
+                </a:solidFill>
+                <a:latin typeface="Roboto" panose="020B0604020202020204" charset="0"/>
+                <a:ea typeface="Roboto" panose="020B0604020202020204" charset="0"/>
+                <a:cs typeface="Roboto" panose="020B0604020202020204" charset="0"/>
+              </a:rPr>
+              <a:t>gitignore</a:t>
+            </a:r>
+            <a:r>
+              <a:rPr lang="en-US" sz="1900" dirty="0">
+                <a:solidFill>
+                  <a:schemeClr val="tx1"/>
+                </a:solidFill>
+                <a:latin typeface="Roboto" panose="020B0604020202020204" charset="0"/>
+                <a:ea typeface="Roboto" panose="020B0604020202020204" charset="0"/>
+                <a:cs typeface="Roboto" panose="020B0604020202020204" charset="0"/>
+              </a:rPr>
+              <a:t>)</a:t>
+            </a:r>
+            <a:r>
+              <a:rPr lang="ru-RU" sz="1900" dirty="0">
+                <a:solidFill>
+                  <a:schemeClr val="tx1"/>
+                </a:solidFill>
+                <a:latin typeface="Roboto" panose="020B0604020202020204" charset="0"/>
+                <a:ea typeface="Roboto" panose="020B0604020202020204" charset="0"/>
+                <a:cs typeface="Roboto" panose="020B0604020202020204" charset="0"/>
+              </a:rPr>
+              <a:t> </a:t>
+            </a:r>
+            <a:endParaRPr lang="en-US" sz="1900" dirty="0">
+              <a:solidFill>
+                <a:schemeClr val="tx1"/>
+              </a:solidFill>
+              <a:latin typeface="Roboto" panose="020B0604020202020204" charset="0"/>
+              <a:ea typeface="Roboto" panose="020B0604020202020204" charset="0"/>
+              <a:cs typeface="Roboto" panose="020B0604020202020204" charset="0"/>
+            </a:endParaRPr>
           </a:p>
         </p:txBody>
       </p:sp>
@@ -25096,7 +25381,7 @@
         <p:spPr>
           <a:xfrm>
             <a:off x="6466470" y="1968979"/>
-            <a:ext cx="5314512" cy="3693319"/>
+            <a:ext cx="5314512" cy="3600986"/>
           </a:xfrm>
           <a:prstGeom prst="rect">
             <a:avLst/>
@@ -25117,7 +25402,7 @@
               <a:buChar char="•"/>
             </a:pPr>
             <a:r>
-              <a:rPr lang="ru-RU" sz="1800" dirty="0">
+              <a:rPr lang="ru-RU" sz="1900" dirty="0">
                 <a:solidFill>
                   <a:schemeClr val="tx1"/>
                 </a:solidFill>
@@ -25128,7 +25413,7 @@
               <a:t>Аутентификация и </a:t>
             </a:r>
             <a:r>
-              <a:rPr lang="ru-RU" sz="1800" dirty="0" smtClean="0">
+              <a:rPr lang="ru-RU" sz="1900" dirty="0" smtClean="0">
                 <a:solidFill>
                   <a:schemeClr val="tx1"/>
                 </a:solidFill>
@@ -25148,7 +25433,7 @@
               <a:buChar char="•"/>
             </a:pPr>
             <a:r>
-              <a:rPr lang="ru-RU" sz="1800" dirty="0" smtClean="0">
+              <a:rPr lang="ru-RU" sz="1900" dirty="0" smtClean="0">
                 <a:solidFill>
                   <a:schemeClr val="tx1"/>
                 </a:solidFill>
@@ -25168,7 +25453,7 @@
               <a:buChar char="•"/>
             </a:pPr>
             <a:r>
-              <a:rPr lang="ru-RU" sz="1800" dirty="0">
+              <a:rPr lang="ru-RU" sz="1900" dirty="0">
                 <a:solidFill>
                   <a:schemeClr val="tx1"/>
                 </a:solidFill>
@@ -25178,7 +25463,7 @@
               </a:rPr>
               <a:t>Хранение данных репозиториев</a:t>
             </a:r>
-            <a:endParaRPr lang="ru-RU" sz="1800" dirty="0" smtClean="0">
+            <a:endParaRPr lang="ru-RU" sz="1900" dirty="0" smtClean="0">
               <a:solidFill>
                 <a:schemeClr val="tx1"/>
               </a:solidFill>
@@ -25196,7 +25481,7 @@
               <a:buChar char="•"/>
             </a:pPr>
             <a:r>
-              <a:rPr lang="ru-RU" sz="1800" dirty="0" smtClean="0">
+              <a:rPr lang="ru-RU" sz="1900" dirty="0" smtClean="0">
                 <a:solidFill>
                   <a:schemeClr val="tx1"/>
                 </a:solidFill>
@@ -25216,7 +25501,7 @@
               <a:buChar char="•"/>
             </a:pPr>
             <a:r>
-              <a:rPr lang="ru-RU" sz="1800" dirty="0">
+              <a:rPr lang="ru-RU" sz="1900" dirty="0">
                 <a:solidFill>
                   <a:schemeClr val="tx1"/>
                 </a:solidFill>
@@ -25227,7 +25512,7 @@
               <a:t>Клонирование </a:t>
             </a:r>
             <a:r>
-              <a:rPr lang="ru-RU" sz="1800" dirty="0" smtClean="0">
+              <a:rPr lang="ru-RU" sz="1900" dirty="0" smtClean="0">
                 <a:solidFill>
                   <a:schemeClr val="tx1"/>
                 </a:solidFill>
@@ -25247,7 +25532,7 @@
               <a:buChar char="•"/>
             </a:pPr>
             <a:r>
-              <a:rPr lang="ru-RU" sz="1800" dirty="0" smtClean="0">
+              <a:rPr lang="ru-RU" sz="1900" dirty="0" smtClean="0">
                 <a:solidFill>
                   <a:schemeClr val="tx1"/>
                 </a:solidFill>
@@ -25267,7 +25552,7 @@
               <a:buChar char="•"/>
             </a:pPr>
             <a:r>
-              <a:rPr lang="ru-RU" sz="1800" dirty="0" smtClean="0">
+              <a:rPr lang="ru-RU" sz="1900" dirty="0" smtClean="0">
                 <a:solidFill>
                   <a:schemeClr val="tx1"/>
                 </a:solidFill>
@@ -25287,7 +25572,7 @@
               <a:buChar char="•"/>
             </a:pPr>
             <a:r>
-              <a:rPr lang="ru-RU" sz="1800" dirty="0" smtClean="0">
+              <a:rPr lang="ru-RU" sz="1900" dirty="0" smtClean="0">
                 <a:solidFill>
                   <a:schemeClr val="tx1"/>
                 </a:solidFill>
@@ -25307,7 +25592,7 @@
               <a:buChar char="•"/>
             </a:pPr>
             <a:r>
-              <a:rPr lang="ru-RU" sz="1800" dirty="0" smtClean="0">
+              <a:rPr lang="ru-RU" sz="1900" dirty="0" smtClean="0">
                 <a:solidFill>
                   <a:schemeClr val="tx1"/>
                 </a:solidFill>
@@ -25327,7 +25612,7 @@
               <a:buChar char="•"/>
             </a:pPr>
             <a:r>
-              <a:rPr lang="ru-RU" sz="1800" dirty="0" smtClean="0">
+              <a:rPr lang="ru-RU" sz="1900" dirty="0" smtClean="0">
                 <a:solidFill>
                   <a:schemeClr val="tx1"/>
                 </a:solidFill>
@@ -25335,7 +25620,18 @@
                 <a:ea typeface="Roboto" panose="020B0604020202020204" charset="0"/>
                 <a:cs typeface="Roboto" panose="020B0604020202020204" charset="0"/>
               </a:rPr>
-              <a:t>Встроенная торговая площадка</a:t>
+              <a:t>Встроенная торговая </a:t>
+            </a:r>
+            <a:r>
+              <a:rPr lang="ru-RU" sz="1900" dirty="0" smtClean="0">
+                <a:solidFill>
+                  <a:schemeClr val="tx1"/>
+                </a:solidFill>
+                <a:latin typeface="Roboto" panose="020B0604020202020204" charset="0"/>
+                <a:ea typeface="Roboto" panose="020B0604020202020204" charset="0"/>
+                <a:cs typeface="Roboto" panose="020B0604020202020204" charset="0"/>
+              </a:rPr>
+              <a:t>площадка</a:t>
             </a:r>
           </a:p>
           <a:p>
@@ -25347,7 +25643,7 @@
               <a:buChar char="•"/>
             </a:pPr>
             <a:r>
-              <a:rPr lang="ru-RU" sz="1800" dirty="0" smtClean="0">
+              <a:rPr lang="ru-RU" sz="1900" dirty="0" smtClean="0">
                 <a:solidFill>
                   <a:schemeClr val="tx1"/>
                 </a:solidFill>
@@ -25355,8 +25651,16 @@
                 <a:ea typeface="Roboto" panose="020B0604020202020204" charset="0"/>
                 <a:cs typeface="Roboto" panose="020B0604020202020204" charset="0"/>
               </a:rPr>
-              <a:t>Временная навигация по коммитам</a:t>
+              <a:t>Администрирование</a:t>
             </a:r>
+            <a:endParaRPr lang="ru-RU" sz="1900" dirty="0" smtClean="0">
+              <a:solidFill>
+                <a:schemeClr val="tx1"/>
+              </a:solidFill>
+              <a:latin typeface="Roboto" panose="020B0604020202020204" charset="0"/>
+              <a:ea typeface="Roboto" panose="020B0604020202020204" charset="0"/>
+              <a:cs typeface="Roboto" panose="020B0604020202020204" charset="0"/>
+            </a:endParaRPr>
           </a:p>
           <a:p>
             <a:pPr marL="285750" indent="-285750">
@@ -25366,27 +25670,7 @@
               <a:buFont typeface="Arial" panose="020B0604020202020204" pitchFamily="34" charset="0"/>
               <a:buChar char="•"/>
             </a:pPr>
-            <a:r>
-              <a:rPr lang="ru-RU" sz="1800" dirty="0" smtClean="0">
-                <a:solidFill>
-                  <a:schemeClr val="tx1"/>
-                </a:solidFill>
-                <a:latin typeface="Roboto" panose="020B0604020202020204" charset="0"/>
-                <a:ea typeface="Roboto" panose="020B0604020202020204" charset="0"/>
-                <a:cs typeface="Roboto" panose="020B0604020202020204" charset="0"/>
-              </a:rPr>
-              <a:t>Администрирование</a:t>
-            </a:r>
-          </a:p>
-          <a:p>
-            <a:pPr marL="285750" indent="-285750">
-              <a:buClr>
-                <a:schemeClr val="tx1"/>
-              </a:buClr>
-              <a:buFont typeface="Arial" panose="020B0604020202020204" pitchFamily="34" charset="0"/>
-              <a:buChar char="•"/>
-            </a:pPr>
-            <a:endParaRPr lang="ru-RU" sz="1800" dirty="0" smtClean="0">
+            <a:endParaRPr lang="ru-RU" sz="1900" dirty="0" smtClean="0">
               <a:solidFill>
                 <a:schemeClr val="tx1"/>
               </a:solidFill>
@@ -26501,7 +26785,7 @@
         </p:blipFill>
         <p:spPr bwMode="auto">
           <a:xfrm>
-            <a:off x="1858826" y="3982318"/>
+            <a:off x="8201751" y="1302885"/>
             <a:ext cx="2718825" cy="1699266"/>
           </a:xfrm>
           <a:prstGeom prst="rect">
@@ -26542,49 +26826,8 @@
         </p:blipFill>
         <p:spPr bwMode="auto">
           <a:xfrm>
-            <a:off x="2301773" y="1955348"/>
+            <a:off x="3552560" y="3002151"/>
             <a:ext cx="4550312" cy="1349097"/>
-          </a:xfrm>
-          <a:prstGeom prst="rect">
-            <a:avLst/>
-          </a:prstGeom>
-          <a:noFill/>
-          <a:extLst>
-            <a:ext uri="{909E8E84-426E-40DD-AFC4-6F175D3DCCD1}">
-              <a14:hiddenFill xmlns:a14="http://schemas.microsoft.com/office/drawing/2010/main">
-                <a:solidFill>
-                  <a:srgbClr val="FFFFFF"/>
-                </a:solidFill>
-              </a14:hiddenFill>
-            </a:ext>
-          </a:extLst>
-        </p:spPr>
-      </p:pic>
-      <p:pic>
-        <p:nvPicPr>
-          <p:cNvPr id="1038" name="Picture 14" descr="в PostgreSQL равнина словесный логотип - Социальные медиа и логотипы Иконки"/>
-          <p:cNvPicPr>
-            <a:picLocks noChangeAspect="1" noChangeArrowheads="1"/>
-          </p:cNvPicPr>
-          <p:nvPr/>
-        </p:nvPicPr>
-        <p:blipFill>
-          <a:blip r:embed="rId5">
-            <a:extLst>
-              <a:ext uri="{28A0092B-C50C-407E-A947-70E740481C1C}">
-                <a14:useLocalDpi xmlns:a14="http://schemas.microsoft.com/office/drawing/2010/main" val="0"/>
-              </a:ext>
-            </a:extLst>
-          </a:blip>
-          <a:srcRect/>
-          <a:stretch>
-            <a:fillRect/>
-          </a:stretch>
-        </p:blipFill>
-        <p:spPr bwMode="auto">
-          <a:xfrm>
-            <a:off x="8183762" y="1743562"/>
-            <a:ext cx="2421846" cy="2421847"/>
           </a:xfrm>
           <a:prstGeom prst="rect">
             <a:avLst/>
@@ -26616,7 +26859,7 @@
           <p:nvPr/>
         </p:nvPicPr>
         <p:blipFill>
-          <a:blip r:embed="rId6" cstate="print">
+          <a:blip r:embed="rId5" cstate="print">
             <a:extLst>
               <a:ext uri="{28A0092B-C50C-407E-A947-70E740481C1C}">
                 <a14:useLocalDpi xmlns:a14="http://schemas.microsoft.com/office/drawing/2010/main" val="0"/>
@@ -26630,8 +26873,8 @@
         </p:blipFill>
         <p:spPr bwMode="auto">
           <a:xfrm>
-            <a:off x="5520408" y="3500274"/>
-            <a:ext cx="2663354" cy="2663354"/>
+            <a:off x="1055672" y="4104007"/>
+            <a:ext cx="2188482" cy="2188482"/>
           </a:xfrm>
           <a:prstGeom prst="rect">
             <a:avLst/>
@@ -26699,6 +26942,135 @@
           </a:p>
         </p:txBody>
       </p:sp>
+      <p:pic>
+        <p:nvPicPr>
+          <p:cNvPr id="2050" name="Picture 2" descr="Руководство по SQLite: настраиваем и учимся работать"/>
+          <p:cNvPicPr>
+            <a:picLocks noChangeAspect="1" noChangeArrowheads="1"/>
+          </p:cNvPicPr>
+          <p:nvPr/>
+        </p:nvPicPr>
+        <p:blipFill>
+          <a:blip r:embed="rId6">
+            <a:extLst>
+              <a:ext uri="{28A0092B-C50C-407E-A947-70E740481C1C}">
+                <a14:useLocalDpi xmlns:a14="http://schemas.microsoft.com/office/drawing/2010/main" val="0"/>
+              </a:ext>
+            </a:extLst>
+          </a:blip>
+          <a:srcRect/>
+          <a:stretch>
+            <a:fillRect/>
+          </a:stretch>
+        </p:blipFill>
+        <p:spPr bwMode="auto">
+          <a:xfrm>
+            <a:off x="4487911" y="4682786"/>
+            <a:ext cx="2947843" cy="1397769"/>
+          </a:xfrm>
+          <a:prstGeom prst="rect">
+            <a:avLst/>
+          </a:prstGeom>
+          <a:noFill/>
+          <a:effectLst>
+            <a:glow rad="25400">
+              <a:schemeClr val="bg1">
+                <a:lumMod val="25000"/>
+                <a:lumOff val="75000"/>
+              </a:schemeClr>
+            </a:glow>
+          </a:effectLst>
+          <a:extLst>
+            <a:ext uri="{909E8E84-426E-40DD-AFC4-6F175D3DCCD1}">
+              <a14:hiddenFill xmlns:a14="http://schemas.microsoft.com/office/drawing/2010/main">
+                <a:solidFill>
+                  <a:srgbClr val="FFFFFF"/>
+                </a:solidFill>
+              </a14:hiddenFill>
+            </a:ext>
+          </a:extLst>
+        </p:spPr>
+      </p:pic>
+      <p:pic>
+        <p:nvPicPr>
+          <p:cNvPr id="2056" name="Picture 8" descr="Bootstrap (фреймворк) — Википедия"/>
+          <p:cNvPicPr>
+            <a:picLocks noChangeAspect="1" noChangeArrowheads="1"/>
+          </p:cNvPicPr>
+          <p:nvPr/>
+        </p:nvPicPr>
+        <p:blipFill>
+          <a:blip r:embed="rId7">
+            <a:extLst>
+              <a:ext uri="{28A0092B-C50C-407E-A947-70E740481C1C}">
+                <a14:useLocalDpi xmlns:a14="http://schemas.microsoft.com/office/drawing/2010/main" val="0"/>
+              </a:ext>
+            </a:extLst>
+          </a:blip>
+          <a:srcRect/>
+          <a:stretch>
+            <a:fillRect/>
+          </a:stretch>
+        </p:blipFill>
+        <p:spPr bwMode="auto">
+          <a:xfrm>
+            <a:off x="8712440" y="4727903"/>
+            <a:ext cx="1697446" cy="1352652"/>
+          </a:xfrm>
+          <a:prstGeom prst="rect">
+            <a:avLst/>
+          </a:prstGeom>
+          <a:noFill/>
+          <a:extLst>
+            <a:ext uri="{909E8E84-426E-40DD-AFC4-6F175D3DCCD1}">
+              <a14:hiddenFill xmlns:a14="http://schemas.microsoft.com/office/drawing/2010/main">
+                <a:solidFill>
+                  <a:srgbClr val="FFFFFF"/>
+                </a:solidFill>
+              </a14:hiddenFill>
+            </a:ext>
+          </a:extLst>
+        </p:spPr>
+      </p:pic>
+      <p:pic>
+        <p:nvPicPr>
+          <p:cNvPr id="2060" name="Picture 12" descr="Dropzone JS Logo PNG Transparent &amp; SVG Vector - Freebie Supply"/>
+          <p:cNvPicPr>
+            <a:picLocks noChangeAspect="1" noChangeArrowheads="1"/>
+          </p:cNvPicPr>
+          <p:nvPr/>
+        </p:nvPicPr>
+        <p:blipFill rotWithShape="1">
+          <a:blip r:embed="rId8">
+            <a:extLst>
+              <a:ext uri="{28A0092B-C50C-407E-A947-70E740481C1C}">
+                <a14:useLocalDpi xmlns:a14="http://schemas.microsoft.com/office/drawing/2010/main" val="0"/>
+              </a:ext>
+            </a:extLst>
+          </a:blip>
+          <a:srcRect l="8791" t="34248" r="4187" b="30498"/>
+          <a:stretch/>
+        </p:blipFill>
+        <p:spPr bwMode="auto">
+          <a:xfrm>
+            <a:off x="906683" y="1556422"/>
+            <a:ext cx="3923817" cy="1192192"/>
+          </a:xfrm>
+          <a:prstGeom prst="rect">
+            <a:avLst/>
+          </a:prstGeom>
+          <a:noFill/>
+          <a:extLst>
+            <a:ext uri="{909E8E84-426E-40DD-AFC4-6F175D3DCCD1}">
+              <a14:hiddenFill xmlns:a14="http://schemas.microsoft.com/office/drawing/2010/main">
+                <a:solidFill>
+                  <a:srgbClr val="FFFFFF"/>
+                </a:solidFill>
+              </a14:hiddenFill>
+            </a:ext>
+          </a:extLst>
+        </p:spPr>
+      </p:pic>
     </p:spTree>
     <p:extLst>
       <p:ext uri="{BB962C8B-B14F-4D97-AF65-F5344CB8AC3E}">

--- a/docs/Презентация диплом.pptx
+++ b/docs/Презентация диплом.pptx
@@ -21,8 +21,8 @@
     <p:sldId id="302" r:id="rId9"/>
     <p:sldId id="309" r:id="rId10"/>
     <p:sldId id="306" r:id="rId11"/>
-    <p:sldId id="298" r:id="rId12"/>
-    <p:sldId id="307" r:id="rId13"/>
+    <p:sldId id="307" r:id="rId12"/>
+    <p:sldId id="298" r:id="rId13"/>
     <p:sldId id="301" r:id="rId14"/>
     <p:sldId id="300" r:id="rId15"/>
   </p:sldIdLst>
@@ -388,7 +388,7 @@
           <a:p>
             <a:fld id="{2BD7265C-1BA8-4D75-9E43-960B942DDB64}" type="datetimeFigureOut">
               <a:rPr lang="ru-RU" smtClean="0"/>
-              <a:t>19.05.2024</a:t>
+              <a:t>20.05.2024</a:t>
             </a:fld>
             <a:endParaRPr lang="ru-RU"/>
           </a:p>
@@ -1226,7 +1226,7 @@
     </p:spTree>
     <p:extLst>
       <p:ext uri="{BB962C8B-B14F-4D97-AF65-F5344CB8AC3E}">
-        <p14:creationId xmlns:p14="http://schemas.microsoft.com/office/powerpoint/2010/main" val="3907829456"/>
+        <p14:creationId xmlns:p14="http://schemas.microsoft.com/office/powerpoint/2010/main" val="2292825842"/>
       </p:ext>
     </p:extLst>
   </p:cSld>
@@ -1335,7 +1335,7 @@
     </p:spTree>
     <p:extLst>
       <p:ext uri="{BB962C8B-B14F-4D97-AF65-F5344CB8AC3E}">
-        <p14:creationId xmlns:p14="http://schemas.microsoft.com/office/powerpoint/2010/main" val="2292825842"/>
+        <p14:creationId xmlns:p14="http://schemas.microsoft.com/office/powerpoint/2010/main" val="3907829456"/>
       </p:ext>
     </p:extLst>
   </p:cSld>
@@ -19182,28 +19182,6 @@
           </a:p>
         </p:txBody>
       </p:sp>
-      <p:pic>
-        <p:nvPicPr>
-          <p:cNvPr id="13" name="Рисунок 12"/>
-          <p:cNvPicPr/>
-          <p:nvPr/>
-        </p:nvPicPr>
-        <p:blipFill>
-          <a:blip r:embed="rId3"/>
-          <a:stretch>
-            <a:fillRect/>
-          </a:stretch>
-        </p:blipFill>
-        <p:spPr>
-          <a:xfrm>
-            <a:off x="1422401" y="1066194"/>
-            <a:ext cx="9042400" cy="5384800"/>
-          </a:xfrm>
-          <a:prstGeom prst="rect">
-            <a:avLst/>
-          </a:prstGeom>
-        </p:spPr>
-      </p:pic>
       <p:sp>
         <p:nvSpPr>
           <p:cNvPr id="4" name="TextBox 3"/>
@@ -19255,6 +19233,30 @@
           </a:p>
         </p:txBody>
       </p:sp>
+      <p:pic>
+        <p:nvPicPr>
+          <p:cNvPr id="2" name="Рисунок 1"/>
+          <p:cNvPicPr>
+            <a:picLocks noChangeAspect="1"/>
+          </p:cNvPicPr>
+          <p:nvPr/>
+        </p:nvPicPr>
+        <p:blipFill>
+          <a:blip r:embed="rId3"/>
+          <a:stretch>
+            <a:fillRect/>
+          </a:stretch>
+        </p:blipFill>
+        <p:spPr>
+          <a:xfrm>
+            <a:off x="1410628" y="861836"/>
+            <a:ext cx="9084652" cy="5562031"/>
+          </a:xfrm>
+          <a:prstGeom prst="rect">
+            <a:avLst/>
+          </a:prstGeom>
+        </p:spPr>
+      </p:pic>
     </p:spTree>
     <p:extLst>
       <p:ext uri="{BB962C8B-B14F-4D97-AF65-F5344CB8AC3E}">
@@ -19294,14 +19296,208 @@
       </p:grpSpPr>
       <p:sp>
         <p:nvSpPr>
+          <p:cNvPr id="3" name="Заголовок 2">
+            <a:extLst>
+              <a:ext uri="{FF2B5EF4-FFF2-40B4-BE49-F238E27FC236}">
+                <a16:creationId xmlns:a16="http://schemas.microsoft.com/office/drawing/2014/main" id="{119CE4A6-6B74-A1AA-DC1B-C372711939E7}"/>
+              </a:ext>
+            </a:extLst>
+          </p:cNvPr>
+          <p:cNvSpPr>
+            <a:spLocks noGrp="1"/>
+          </p:cNvSpPr>
+          <p:nvPr>
+            <p:ph type="title"/>
+          </p:nvPr>
+        </p:nvSpPr>
+        <p:spPr>
+          <a:xfrm>
+            <a:off x="1293091" y="89609"/>
+            <a:ext cx="7406945" cy="976585"/>
+          </a:xfrm>
+        </p:spPr>
+        <p:txBody>
+          <a:bodyPr/>
+          <a:lstStyle/>
+          <a:p>
+            <a:r>
+              <a:rPr lang="ru-RU" sz="3600" dirty="0" smtClean="0">
+                <a:solidFill>
+                  <a:schemeClr val="accent6">
+                    <a:lumMod val="60000"/>
+                    <a:lumOff val="40000"/>
+                  </a:schemeClr>
+                </a:solidFill>
+              </a:rPr>
+              <a:t>Сервер </a:t>
+            </a:r>
+            <a:r>
+              <a:rPr lang="en-US" sz="3600" dirty="0" smtClean="0">
+                <a:solidFill>
+                  <a:schemeClr val="accent6">
+                    <a:lumMod val="60000"/>
+                    <a:lumOff val="40000"/>
+                  </a:schemeClr>
+                </a:solidFill>
+              </a:rPr>
+              <a:t>VCS</a:t>
+            </a:r>
+            <a:endParaRPr lang="ru-RU" sz="5400" dirty="0">
+              <a:solidFill>
+                <a:schemeClr val="accent6">
+                  <a:lumMod val="60000"/>
+                  <a:lumOff val="40000"/>
+                </a:schemeClr>
+              </a:solidFill>
+            </a:endParaRPr>
+          </a:p>
+        </p:txBody>
+      </p:sp>
+      <p:sp>
+        <p:nvSpPr>
+          <p:cNvPr id="5" name="TextBox 4"/>
+          <p:cNvSpPr txBox="1"/>
+          <p:nvPr/>
+        </p:nvSpPr>
+        <p:spPr>
+          <a:xfrm>
+            <a:off x="11342254" y="6193035"/>
+            <a:ext cx="775855" cy="461665"/>
+          </a:xfrm>
+          <a:prstGeom prst="rect">
+            <a:avLst/>
+          </a:prstGeom>
+          <a:noFill/>
+        </p:spPr>
+        <p:txBody>
+          <a:bodyPr wrap="square" rtlCol="0">
+            <a:spAutoFit/>
+          </a:bodyPr>
+          <a:lstStyle/>
+          <a:p>
+            <a:pPr algn="ctr"/>
+            <a:fld id="{1D191035-150B-408D-BED9-7BCBFA4041ED}" type="slidenum">
+              <a:rPr lang="ru-RU" sz="2400" smtClean="0">
+                <a:solidFill>
+                  <a:schemeClr val="accent6">
+                    <a:lumMod val="60000"/>
+                    <a:lumOff val="40000"/>
+                  </a:schemeClr>
+                </a:solidFill>
+                <a:latin typeface="Roboto" panose="020B0604020202020204" charset="0"/>
+                <a:ea typeface="Roboto" panose="020B0604020202020204" charset="0"/>
+                <a:cs typeface="Roboto" panose="020B0604020202020204" charset="0"/>
+              </a:rPr>
+              <a:t>11</a:t>
+            </a:fld>
+            <a:endParaRPr lang="ru-RU" sz="2400" dirty="0">
+              <a:solidFill>
+                <a:schemeClr val="accent6">
+                  <a:lumMod val="60000"/>
+                  <a:lumOff val="40000"/>
+                </a:schemeClr>
+              </a:solidFill>
+              <a:latin typeface="Roboto" panose="020B0604020202020204" charset="0"/>
+              <a:ea typeface="Roboto" panose="020B0604020202020204" charset="0"/>
+              <a:cs typeface="Roboto" panose="020B0604020202020204" charset="0"/>
+            </a:endParaRPr>
+          </a:p>
+        </p:txBody>
+      </p:sp>
+      <p:pic>
+        <p:nvPicPr>
+          <p:cNvPr id="2" name="Рисунок 1"/>
+          <p:cNvPicPr>
+            <a:picLocks noChangeAspect="1"/>
+          </p:cNvPicPr>
+          <p:nvPr/>
+        </p:nvPicPr>
+        <p:blipFill rotWithShape="1">
+          <a:blip r:embed="rId3"/>
+          <a:srcRect t="559" b="1"/>
+          <a:stretch/>
+        </p:blipFill>
+        <p:spPr>
+          <a:xfrm>
+            <a:off x="716718" y="874069"/>
+            <a:ext cx="10833579" cy="5232092"/>
+          </a:xfrm>
+          <a:prstGeom prst="rect">
+            <a:avLst/>
+          </a:prstGeom>
+        </p:spPr>
+      </p:pic>
+    </p:spTree>
+    <p:extLst>
+      <p:ext uri="{BB962C8B-B14F-4D97-AF65-F5344CB8AC3E}">
+        <p14:creationId xmlns:p14="http://schemas.microsoft.com/office/powerpoint/2010/main" val="1993768976"/>
+      </p:ext>
+    </p:extLst>
+  </p:cSld>
+  <p:clrMapOvr>
+    <a:masterClrMapping/>
+  </p:clrMapOvr>
+  <p:timing>
+    <p:tnLst>
+      <p:par>
+        <p:cTn id="1" dur="indefinite" restart="never" nodeType="tmRoot"/>
+      </p:par>
+    </p:tnLst>
+  </p:timing>
+</p:sld>
+</file>
+
+<file path=ppt/slides/slide12.xml><?xml version="1.0" encoding="utf-8"?>
+<p:sld xmlns:a="http://schemas.openxmlformats.org/drawingml/2006/main" xmlns:r="http://schemas.openxmlformats.org/officeDocument/2006/relationships" xmlns:p="http://schemas.openxmlformats.org/presentationml/2006/main">
+  <p:cSld>
+    <p:spTree>
+      <p:nvGrpSpPr>
+        <p:cNvPr id="1" name="Shape 511"/>
+        <p:cNvGrpSpPr/>
+        <p:nvPr/>
+      </p:nvGrpSpPr>
+      <p:grpSpPr>
+        <a:xfrm>
+          <a:off x="0" y="0"/>
+          <a:ext cx="0" cy="0"/>
+          <a:chOff x="0" y="0"/>
+          <a:chExt cx="0" cy="0"/>
+        </a:xfrm>
+      </p:grpSpPr>
+      <p:pic>
+        <p:nvPicPr>
+          <p:cNvPr id="7" name="Рисунок 6"/>
+          <p:cNvPicPr>
+            <a:picLocks noChangeAspect="1"/>
+          </p:cNvPicPr>
+          <p:nvPr/>
+        </p:nvPicPr>
+        <p:blipFill>
+          <a:blip r:embed="rId3"/>
+          <a:stretch>
+            <a:fillRect/>
+          </a:stretch>
+        </p:blipFill>
+        <p:spPr>
+          <a:xfrm>
+            <a:off x="0" y="0"/>
+            <a:ext cx="12192000" cy="6858000"/>
+          </a:xfrm>
+          <a:prstGeom prst="rect">
+            <a:avLst/>
+          </a:prstGeom>
+        </p:spPr>
+      </p:pic>
+      <p:sp>
+        <p:nvSpPr>
           <p:cNvPr id="512" name="Google Shape;512;p35"/>
           <p:cNvSpPr/>
           <p:nvPr/>
         </p:nvSpPr>
         <p:spPr>
           <a:xfrm>
-            <a:off x="5950036" y="797130"/>
-            <a:ext cx="5662500" cy="5297400"/>
+            <a:off x="4525818" y="230906"/>
+            <a:ext cx="7075055" cy="5845148"/>
           </a:xfrm>
           <a:prstGeom prst="roundRect">
             <a:avLst>
@@ -19309,7 +19505,7 @@
             </a:avLst>
           </a:prstGeom>
           <a:solidFill>
-            <a:schemeClr val="lt2"/>
+            <a:schemeClr val="tx1"/>
           </a:solidFill>
           <a:ln>
             <a:noFill/>
@@ -19357,7 +19553,7 @@
         </p:nvGrpSpPr>
         <p:grpSpPr>
           <a:xfrm>
-            <a:off x="6162591" y="900084"/>
+            <a:off x="4704705" y="395015"/>
             <a:ext cx="635280" cy="147600"/>
             <a:chOff x="2147366" y="4139382"/>
             <a:chExt cx="635280" cy="147600"/>
@@ -19526,7 +19722,7 @@
         </p:nvSpPr>
         <p:spPr>
           <a:xfrm>
-            <a:off x="801435" y="395015"/>
+            <a:off x="472261" y="226779"/>
             <a:ext cx="4793924" cy="804230"/>
           </a:xfrm>
         </p:spPr>
@@ -19537,82 +19733,11 @@
             <a:r>
               <a:rPr lang="ru-RU" sz="4000" dirty="0">
                 <a:solidFill>
-                  <a:schemeClr val="accent6">
-                    <a:lumMod val="60000"/>
-                    <a:lumOff val="40000"/>
-                  </a:schemeClr>
+                  <a:schemeClr val="accent6"/>
                 </a:solidFill>
               </a:rPr>
               <a:t>Модели БД</a:t>
             </a:r>
-          </a:p>
-        </p:txBody>
-      </p:sp>
-      <p:pic>
-        <p:nvPicPr>
-          <p:cNvPr id="5" name="Рисунок 4">
-            <a:extLst>
-              <a:ext uri="{FF2B5EF4-FFF2-40B4-BE49-F238E27FC236}">
-                <a16:creationId xmlns:a16="http://schemas.microsoft.com/office/drawing/2014/main" id="{34924F0A-E27B-0B01-D419-B6C0E49F9F30}"/>
-              </a:ext>
-            </a:extLst>
-          </p:cNvPr>
-          <p:cNvPicPr>
-            <a:picLocks noChangeAspect="1"/>
-          </p:cNvPicPr>
-          <p:nvPr/>
-        </p:nvPicPr>
-        <p:blipFill>
-          <a:blip r:embed="rId3"/>
-          <a:stretch>
-            <a:fillRect/>
-          </a:stretch>
-        </p:blipFill>
-        <p:spPr>
-          <a:xfrm>
-            <a:off x="6061616" y="1244258"/>
-            <a:ext cx="5439339" cy="4564043"/>
-          </a:xfrm>
-          <a:prstGeom prst="rect">
-            <a:avLst/>
-          </a:prstGeom>
-        </p:spPr>
-      </p:pic>
-      <p:sp>
-        <p:nvSpPr>
-          <p:cNvPr id="4" name="TextBox 3"/>
-          <p:cNvSpPr txBox="1"/>
-          <p:nvPr/>
-        </p:nvSpPr>
-        <p:spPr>
-          <a:xfrm rot="1619995">
-            <a:off x="1782323" y="2882537"/>
-            <a:ext cx="10031095" cy="1446550"/>
-          </a:xfrm>
-          <a:prstGeom prst="rect">
-            <a:avLst/>
-          </a:prstGeom>
-          <a:noFill/>
-        </p:spPr>
-        <p:txBody>
-          <a:bodyPr wrap="square" rtlCol="0">
-            <a:spAutoFit/>
-          </a:bodyPr>
-          <a:lstStyle/>
-          <a:p>
-            <a:r>
-              <a:rPr lang="ru-RU" sz="8800" dirty="0" smtClean="0">
-                <a:solidFill>
-                  <a:srgbClr val="FF0000"/>
-                </a:solidFill>
-              </a:rPr>
-              <a:t>В РАЗРАБОТКЕ</a:t>
-            </a:r>
-            <a:endParaRPr lang="ru-RU" sz="8800" dirty="0">
-              <a:solidFill>
-                <a:srgbClr val="FF0000"/>
-              </a:solidFill>
-            </a:endParaRPr>
           </a:p>
         </p:txBody>
       </p:sp>
@@ -19642,23 +19767,17 @@
             <a:fld id="{C3616022-7878-4CC3-9F8D-17E65F4E7429}" type="slidenum">
               <a:rPr lang="ru-RU" sz="2400" smtClean="0">
                 <a:solidFill>
-                  <a:schemeClr val="accent6">
-                    <a:lumMod val="60000"/>
-                    <a:lumOff val="40000"/>
-                  </a:schemeClr>
+                  <a:schemeClr val="accent6"/>
                 </a:solidFill>
                 <a:latin typeface="Roboto" panose="020B0604020202020204" charset="0"/>
                 <a:ea typeface="Roboto" panose="020B0604020202020204" charset="0"/>
                 <a:cs typeface="Roboto" panose="020B0604020202020204" charset="0"/>
               </a:rPr>
-              <a:t>11</a:t>
+              <a:t>12</a:t>
             </a:fld>
             <a:endParaRPr lang="ru-RU" sz="2400" dirty="0">
               <a:solidFill>
-                <a:schemeClr val="accent6">
-                  <a:lumMod val="60000"/>
-                  <a:lumOff val="40000"/>
-                </a:schemeClr>
+                <a:schemeClr val="accent6"/>
               </a:solidFill>
               <a:latin typeface="Roboto" panose="020B0604020202020204" charset="0"/>
               <a:ea typeface="Roboto" panose="020B0604020202020204" charset="0"/>
@@ -19667,195 +19786,40 @@
           </a:p>
         </p:txBody>
       </p:sp>
+      <p:pic>
+        <p:nvPicPr>
+          <p:cNvPr id="2" name="Рисунок 1"/>
+          <p:cNvPicPr>
+            <a:picLocks noChangeAspect="1"/>
+          </p:cNvPicPr>
+          <p:nvPr/>
+        </p:nvPicPr>
+        <p:blipFill>
+          <a:blip r:embed="rId4">
+            <a:extLst>
+              <a:ext uri="{28A0092B-C50C-407E-A947-70E740481C1C}">
+                <a14:useLocalDpi xmlns:a14="http://schemas.microsoft.com/office/drawing/2010/main" val="0"/>
+              </a:ext>
+            </a:extLst>
+          </a:blip>
+          <a:stretch>
+            <a:fillRect/>
+          </a:stretch>
+        </p:blipFill>
+        <p:spPr>
+          <a:xfrm>
+            <a:off x="4590472" y="585331"/>
+            <a:ext cx="6945745" cy="5434595"/>
+          </a:xfrm>
+          <a:prstGeom prst="rect">
+            <a:avLst/>
+          </a:prstGeom>
+        </p:spPr>
+      </p:pic>
     </p:spTree>
     <p:extLst>
       <p:ext uri="{BB962C8B-B14F-4D97-AF65-F5344CB8AC3E}">
         <p14:creationId xmlns:p14="http://schemas.microsoft.com/office/powerpoint/2010/main" val="1046287989"/>
-      </p:ext>
-    </p:extLst>
-  </p:cSld>
-  <p:clrMapOvr>
-    <a:masterClrMapping/>
-  </p:clrMapOvr>
-  <p:timing>
-    <p:tnLst>
-      <p:par>
-        <p:cTn id="1" dur="indefinite" restart="never" nodeType="tmRoot"/>
-      </p:par>
-    </p:tnLst>
-  </p:timing>
-</p:sld>
-</file>
-
-<file path=ppt/slides/slide12.xml><?xml version="1.0" encoding="utf-8"?>
-<p:sld xmlns:a="http://schemas.openxmlformats.org/drawingml/2006/main" xmlns:r="http://schemas.openxmlformats.org/officeDocument/2006/relationships" xmlns:p="http://schemas.openxmlformats.org/presentationml/2006/main">
-  <p:cSld>
-    <p:spTree>
-      <p:nvGrpSpPr>
-        <p:cNvPr id="1" name="Shape 511"/>
-        <p:cNvGrpSpPr/>
-        <p:nvPr/>
-      </p:nvGrpSpPr>
-      <p:grpSpPr>
-        <a:xfrm>
-          <a:off x="0" y="0"/>
-          <a:ext cx="0" cy="0"/>
-          <a:chOff x="0" y="0"/>
-          <a:chExt cx="0" cy="0"/>
-        </a:xfrm>
-      </p:grpSpPr>
-      <p:sp>
-        <p:nvSpPr>
-          <p:cNvPr id="3" name="Заголовок 2">
-            <a:extLst>
-              <a:ext uri="{FF2B5EF4-FFF2-40B4-BE49-F238E27FC236}">
-                <a16:creationId xmlns:a16="http://schemas.microsoft.com/office/drawing/2014/main" id="{119CE4A6-6B74-A1AA-DC1B-C372711939E7}"/>
-              </a:ext>
-            </a:extLst>
-          </p:cNvPr>
-          <p:cNvSpPr>
-            <a:spLocks noGrp="1"/>
-          </p:cNvSpPr>
-          <p:nvPr>
-            <p:ph type="title"/>
-          </p:nvPr>
-        </p:nvSpPr>
-        <p:spPr>
-          <a:xfrm>
-            <a:off x="1293091" y="89609"/>
-            <a:ext cx="7406945" cy="976585"/>
-          </a:xfrm>
-        </p:spPr>
-        <p:txBody>
-          <a:bodyPr/>
-          <a:lstStyle/>
-          <a:p>
-            <a:r>
-              <a:rPr lang="ru-RU" sz="3600" dirty="0" smtClean="0">
-                <a:solidFill>
-                  <a:schemeClr val="accent6">
-                    <a:lumMod val="60000"/>
-                    <a:lumOff val="40000"/>
-                  </a:schemeClr>
-                </a:solidFill>
-              </a:rPr>
-              <a:t>Сервер </a:t>
-            </a:r>
-            <a:r>
-              <a:rPr lang="en-US" sz="3600" dirty="0" smtClean="0">
-                <a:solidFill>
-                  <a:schemeClr val="accent6">
-                    <a:lumMod val="60000"/>
-                    <a:lumOff val="40000"/>
-                  </a:schemeClr>
-                </a:solidFill>
-              </a:rPr>
-              <a:t>VCS</a:t>
-            </a:r>
-            <a:endParaRPr lang="ru-RU" sz="5400" dirty="0">
-              <a:solidFill>
-                <a:schemeClr val="accent6">
-                  <a:lumMod val="60000"/>
-                  <a:lumOff val="40000"/>
-                </a:schemeClr>
-              </a:solidFill>
-            </a:endParaRPr>
-          </a:p>
-        </p:txBody>
-      </p:sp>
-      <p:sp>
-        <p:nvSpPr>
-          <p:cNvPr id="4" name="TextBox 3"/>
-          <p:cNvSpPr txBox="1"/>
-          <p:nvPr/>
-        </p:nvSpPr>
-        <p:spPr>
-          <a:xfrm rot="1619995">
-            <a:off x="1782323" y="2882537"/>
-            <a:ext cx="10031095" cy="1446550"/>
-          </a:xfrm>
-          <a:prstGeom prst="rect">
-            <a:avLst/>
-          </a:prstGeom>
-          <a:noFill/>
-        </p:spPr>
-        <p:txBody>
-          <a:bodyPr wrap="square" rtlCol="0">
-            <a:spAutoFit/>
-          </a:bodyPr>
-          <a:lstStyle/>
-          <a:p>
-            <a:r>
-              <a:rPr lang="ru-RU" sz="8800" dirty="0" smtClean="0">
-                <a:solidFill>
-                  <a:srgbClr val="FF0000"/>
-                </a:solidFill>
-              </a:rPr>
-              <a:t>В РАЗРАБОТКЕ</a:t>
-            </a:r>
-            <a:endParaRPr lang="ru-RU" sz="8800" dirty="0">
-              <a:solidFill>
-                <a:srgbClr val="FF0000"/>
-              </a:solidFill>
-            </a:endParaRPr>
-          </a:p>
-        </p:txBody>
-      </p:sp>
-      <p:sp>
-        <p:nvSpPr>
-          <p:cNvPr id="5" name="TextBox 4"/>
-          <p:cNvSpPr txBox="1"/>
-          <p:nvPr/>
-        </p:nvSpPr>
-        <p:spPr>
-          <a:xfrm>
-            <a:off x="11342254" y="6193035"/>
-            <a:ext cx="775855" cy="461665"/>
-          </a:xfrm>
-          <a:prstGeom prst="rect">
-            <a:avLst/>
-          </a:prstGeom>
-          <a:noFill/>
-        </p:spPr>
-        <p:txBody>
-          <a:bodyPr wrap="square" rtlCol="0">
-            <a:spAutoFit/>
-          </a:bodyPr>
-          <a:lstStyle/>
-          <a:p>
-            <a:pPr algn="ctr"/>
-            <a:fld id="{1D191035-150B-408D-BED9-7BCBFA4041ED}" type="slidenum">
-              <a:rPr lang="ru-RU" sz="2400" smtClean="0">
-                <a:solidFill>
-                  <a:schemeClr val="accent6">
-                    <a:lumMod val="60000"/>
-                    <a:lumOff val="40000"/>
-                  </a:schemeClr>
-                </a:solidFill>
-                <a:latin typeface="Roboto" panose="020B0604020202020204" charset="0"/>
-                <a:ea typeface="Roboto" panose="020B0604020202020204" charset="0"/>
-                <a:cs typeface="Roboto" panose="020B0604020202020204" charset="0"/>
-              </a:rPr>
-              <a:t>12</a:t>
-            </a:fld>
-            <a:endParaRPr lang="ru-RU" sz="2400" dirty="0">
-              <a:solidFill>
-                <a:schemeClr val="accent6">
-                  <a:lumMod val="60000"/>
-                  <a:lumOff val="40000"/>
-                </a:schemeClr>
-              </a:solidFill>
-              <a:latin typeface="Roboto" panose="020B0604020202020204" charset="0"/>
-              <a:ea typeface="Roboto" panose="020B0604020202020204" charset="0"/>
-              <a:cs typeface="Roboto" panose="020B0604020202020204" charset="0"/>
-            </a:endParaRPr>
-          </a:p>
-        </p:txBody>
-      </p:sp>
-    </p:spTree>
-    <p:extLst>
-      <p:ext uri="{BB962C8B-B14F-4D97-AF65-F5344CB8AC3E}">
-        <p14:creationId xmlns:p14="http://schemas.microsoft.com/office/powerpoint/2010/main" val="1993768976"/>
       </p:ext>
     </p:extLst>
   </p:cSld>
@@ -22670,14 +22634,6 @@
               </a:rPr>
               <a:t>Выбор сервера для хранения данных</a:t>
             </a:r>
-            <a:endParaRPr lang="ru-RU" sz="2400" dirty="0" smtClean="0">
-              <a:solidFill>
-                <a:schemeClr val="accent6">
-                  <a:lumMod val="60000"/>
-                  <a:lumOff val="40000"/>
-                </a:schemeClr>
-              </a:solidFill>
-            </a:endParaRPr>
           </a:p>
           <a:p>
             <a:pPr marL="285750" indent="-285750"/>
@@ -22690,18 +22646,7 @@
                   </a:schemeClr>
                 </a:solidFill>
               </a:rPr>
-              <a:t>Торговая </a:t>
-            </a:r>
-            <a:r>
-              <a:rPr lang="ru-RU" sz="2400" dirty="0" smtClean="0">
-                <a:solidFill>
-                  <a:schemeClr val="accent6">
-                    <a:lumMod val="60000"/>
-                    <a:lumOff val="40000"/>
-                  </a:schemeClr>
-                </a:solidFill>
-              </a:rPr>
-              <a:t>площадка</a:t>
+              <a:t>Торговая площадка</a:t>
             </a:r>
             <a:endParaRPr lang="ru-RU" sz="2400" dirty="0">
               <a:solidFill>
@@ -25081,29 +25026,7 @@
                 <a:ea typeface="Roboto" panose="020B0604020202020204" charset="0"/>
                 <a:cs typeface="Roboto" panose="020B0604020202020204" charset="0"/>
               </a:rPr>
-              <a:t>Смена</a:t>
-            </a:r>
-            <a:r>
-              <a:rPr lang="ru-RU" sz="1900" dirty="0" smtClean="0">
-                <a:solidFill>
-                  <a:schemeClr val="tx1"/>
-                </a:solidFill>
-                <a:latin typeface="Roboto" panose="020B0604020202020204" charset="0"/>
-                <a:ea typeface="Roboto" panose="020B0604020202020204" charset="0"/>
-                <a:cs typeface="Roboto" panose="020B0604020202020204" charset="0"/>
-              </a:rPr>
-              <a:t> </a:t>
-            </a:r>
-            <a:r>
-              <a:rPr lang="ru-RU" sz="1900" dirty="0" smtClean="0">
-                <a:solidFill>
-                  <a:schemeClr val="tx1"/>
-                </a:solidFill>
-                <a:latin typeface="Roboto" panose="020B0604020202020204" charset="0"/>
-                <a:ea typeface="Roboto" panose="020B0604020202020204" charset="0"/>
-                <a:cs typeface="Roboto" panose="020B0604020202020204" charset="0"/>
-              </a:rPr>
-              <a:t>языка</a:t>
+              <a:t>Смена языка</a:t>
             </a:r>
             <a:r>
               <a:rPr lang="en-US" sz="1900" dirty="0" smtClean="0">
@@ -25256,35 +25179,7 @@
                 <a:ea typeface="Roboto" panose="020B0604020202020204" charset="0"/>
                 <a:cs typeface="Roboto" panose="020B0604020202020204" charset="0"/>
               </a:rPr>
-              <a:t> (</a:t>
-            </a:r>
-            <a:r>
-              <a:rPr lang="en-US" sz="1900" dirty="0" smtClean="0">
-                <a:solidFill>
-                  <a:schemeClr val="accent6">
-                    <a:lumMod val="60000"/>
-                    <a:lumOff val="40000"/>
-                  </a:schemeClr>
-                </a:solidFill>
-                <a:latin typeface="Roboto" panose="020B0604020202020204" charset="0"/>
-                <a:ea typeface="Roboto" panose="020B0604020202020204" charset="0"/>
-                <a:cs typeface="Roboto" panose="020B0604020202020204" charset="0"/>
-              </a:rPr>
-              <a:t>de)</a:t>
-            </a:r>
-            <a:r>
-              <a:rPr lang="en-US" sz="1900" dirty="0" smtClean="0">
-                <a:solidFill>
-                  <a:schemeClr val="accent6">
-                    <a:lumMod val="60000"/>
-                    <a:lumOff val="40000"/>
-                  </a:schemeClr>
-                </a:solidFill>
-                <a:latin typeface="Roboto" panose="020B0604020202020204" charset="0"/>
-                <a:ea typeface="Roboto" panose="020B0604020202020204" charset="0"/>
-                <a:cs typeface="Roboto" panose="020B0604020202020204" charset="0"/>
-              </a:rPr>
-              <a:t>crypt</a:t>
+              <a:t> (de)crypt</a:t>
             </a:r>
             <a:r>
               <a:rPr lang="ru-RU" sz="1900" dirty="0" smtClean="0">
@@ -25381,7 +25276,7 @@
         <p:spPr>
           <a:xfrm>
             <a:off x="6466470" y="1968979"/>
-            <a:ext cx="5314512" cy="3600986"/>
+            <a:ext cx="5314512" cy="3893374"/>
           </a:xfrm>
           <a:prstGeom prst="rect">
             <a:avLst/>
@@ -25560,6 +25455,26 @@
                 <a:ea typeface="Roboto" panose="020B0604020202020204" charset="0"/>
                 <a:cs typeface="Roboto" panose="020B0604020202020204" charset="0"/>
               </a:rPr>
+              <a:t>Просмотр содержимого репозитория</a:t>
+            </a:r>
+          </a:p>
+          <a:p>
+            <a:pPr marL="285750" indent="-285750">
+              <a:buClr>
+                <a:schemeClr val="tx1"/>
+              </a:buClr>
+              <a:buFont typeface="Arial" panose="020B0604020202020204" pitchFamily="34" charset="0"/>
+              <a:buChar char="•"/>
+            </a:pPr>
+            <a:r>
+              <a:rPr lang="ru-RU" sz="1900" dirty="0" smtClean="0">
+                <a:solidFill>
+                  <a:schemeClr val="tx1"/>
+                </a:solidFill>
+                <a:latin typeface="Roboto" panose="020B0604020202020204" charset="0"/>
+                <a:ea typeface="Roboto" panose="020B0604020202020204" charset="0"/>
+                <a:cs typeface="Roboto" panose="020B0604020202020204" charset="0"/>
+              </a:rPr>
               <a:t>Изменение параметров репозитория</a:t>
             </a:r>
           </a:p>
@@ -25620,18 +25535,7 @@
                 <a:ea typeface="Roboto" panose="020B0604020202020204" charset="0"/>
                 <a:cs typeface="Roboto" panose="020B0604020202020204" charset="0"/>
               </a:rPr>
-              <a:t>Встроенная торговая </a:t>
-            </a:r>
-            <a:r>
-              <a:rPr lang="ru-RU" sz="1900" dirty="0" smtClean="0">
-                <a:solidFill>
-                  <a:schemeClr val="tx1"/>
-                </a:solidFill>
-                <a:latin typeface="Roboto" panose="020B0604020202020204" charset="0"/>
-                <a:ea typeface="Roboto" panose="020B0604020202020204" charset="0"/>
-                <a:cs typeface="Roboto" panose="020B0604020202020204" charset="0"/>
-              </a:rPr>
-              <a:t>площадка</a:t>
+              <a:t>Встроенная торговая площадка</a:t>
             </a:r>
           </a:p>
           <a:p>
@@ -25653,14 +25557,6 @@
               </a:rPr>
               <a:t>Администрирование</a:t>
             </a:r>
-            <a:endParaRPr lang="ru-RU" sz="1900" dirty="0" smtClean="0">
-              <a:solidFill>
-                <a:schemeClr val="tx1"/>
-              </a:solidFill>
-              <a:latin typeface="Roboto" panose="020B0604020202020204" charset="0"/>
-              <a:ea typeface="Roboto" panose="020B0604020202020204" charset="0"/>
-              <a:cs typeface="Roboto" panose="020B0604020202020204" charset="0"/>
-            </a:endParaRPr>
           </a:p>
           <a:p>
             <a:pPr marL="285750" indent="-285750">

--- a/docs/Презентация диплом.pptx
+++ b/docs/Презентация диплом.pptx
@@ -30,22 +30,22 @@
   <p:notesSz cx="6858000" cy="9144000"/>
   <p:embeddedFontLst>
     <p:embeddedFont>
-      <p:font typeface="Roboto Mono" panose="020B0604020202020204" charset="0"/>
+      <p:font typeface="Roboto" panose="020B0604020202020204" charset="0"/>
       <p:regular r:id="rId18"/>
       <p:bold r:id="rId19"/>
       <p:italic r:id="rId20"/>
       <p:boldItalic r:id="rId21"/>
     </p:embeddedFont>
     <p:embeddedFont>
-      <p:font typeface="Abril Fatface" panose="020B0604020202020204" charset="0"/>
+      <p:font typeface="Roboto Mono" panose="020B0604020202020204" charset="0"/>
       <p:regular r:id="rId22"/>
+      <p:bold r:id="rId23"/>
+      <p:italic r:id="rId24"/>
+      <p:boldItalic r:id="rId25"/>
     </p:embeddedFont>
     <p:embeddedFont>
-      <p:font typeface="Roboto" panose="020B0604020202020204" charset="0"/>
-      <p:regular r:id="rId23"/>
-      <p:bold r:id="rId24"/>
-      <p:italic r:id="rId25"/>
-      <p:boldItalic r:id="rId26"/>
+      <p:font typeface="Abril Fatface" panose="020B0604020202020204" charset="0"/>
+      <p:regular r:id="rId26"/>
     </p:embeddedFont>
     <p:embeddedFont>
       <p:font typeface="Calibri" panose="020F0502020204030204" pitchFamily="34" charset="0"/>
@@ -388,7 +388,7 @@
           <a:p>
             <a:fld id="{2BD7265C-1BA8-4D75-9E43-960B942DDB64}" type="datetimeFigureOut">
               <a:rPr lang="ru-RU" smtClean="0"/>
-              <a:t>20.05.2024</a:t>
+              <a:t>21.05.2024</a:t>
             </a:fld>
             <a:endParaRPr lang="ru-RU"/>
           </a:p>
@@ -19249,7 +19249,7 @@
         </p:blipFill>
         <p:spPr>
           <a:xfrm>
-            <a:off x="1410628" y="861836"/>
+            <a:off x="1293091" y="1000382"/>
             <a:ext cx="9084652" cy="5562031"/>
           </a:xfrm>
           <a:prstGeom prst="rect">
@@ -19414,13 +19414,13 @@
         </p:nvPicPr>
         <p:blipFill rotWithShape="1">
           <a:blip r:embed="rId3"/>
-          <a:srcRect t="559" b="1"/>
+          <a:srcRect l="4467" t="559" r="4564" b="1"/>
           <a:stretch/>
         </p:blipFill>
         <p:spPr>
           <a:xfrm>
-            <a:off x="716718" y="874069"/>
-            <a:ext cx="10833579" cy="5232092"/>
+            <a:off x="1293091" y="960943"/>
+            <a:ext cx="9855200" cy="5232092"/>
           </a:xfrm>
           <a:prstGeom prst="rect">
             <a:avLst/>
@@ -22604,7 +22604,18 @@
                   </a:schemeClr>
                 </a:solidFill>
               </a:rPr>
-              <a:t>Шифрование данных</a:t>
+              <a:t>Шифрование </a:t>
+            </a:r>
+            <a:r>
+              <a:rPr lang="ru-RU" sz="2400" dirty="0" smtClean="0">
+                <a:solidFill>
+                  <a:schemeClr val="accent6">
+                    <a:lumMod val="60000"/>
+                    <a:lumOff val="40000"/>
+                  </a:schemeClr>
+                </a:solidFill>
+              </a:rPr>
+              <a:t>данных</a:t>
             </a:r>
           </a:p>
           <a:p>
@@ -22618,11 +22629,8 @@
                   </a:schemeClr>
                 </a:solidFill>
               </a:rPr>
-              <a:t>Автокоммит</a:t>
+              <a:t>Выбор </a:t>
             </a:r>
-          </a:p>
-          <a:p>
-            <a:pPr marL="285750" indent="-285750"/>
             <a:r>
               <a:rPr lang="ru-RU" sz="2400" dirty="0" smtClean="0">
                 <a:solidFill>
@@ -22632,7 +22640,7 @@
                   </a:schemeClr>
                 </a:solidFill>
               </a:rPr>
-              <a:t>Выбор сервера для хранения данных</a:t>
+              <a:t>сервера для хранения данных</a:t>
             </a:r>
           </a:p>
           <a:p>

--- a/docs/Презентация диплом.pptx
+++ b/docs/Презентация диплом.pptx
@@ -37,22 +37,22 @@
       <p:boldItalic r:id="rId21"/>
     </p:embeddedFont>
     <p:embeddedFont>
-      <p:font typeface="Roboto Mono" panose="020B0604020202020204" charset="0"/>
+      <p:font typeface="Calibri" panose="020F0502020204030204" pitchFamily="34" charset="0"/>
       <p:regular r:id="rId22"/>
       <p:bold r:id="rId23"/>
       <p:italic r:id="rId24"/>
       <p:boldItalic r:id="rId25"/>
     </p:embeddedFont>
     <p:embeddedFont>
-      <p:font typeface="Abril Fatface" panose="020B0604020202020204" charset="0"/>
+      <p:font typeface="Roboto Mono" panose="020B0604020202020204" charset="0"/>
       <p:regular r:id="rId26"/>
+      <p:bold r:id="rId27"/>
+      <p:italic r:id="rId28"/>
+      <p:boldItalic r:id="rId29"/>
     </p:embeddedFont>
     <p:embeddedFont>
-      <p:font typeface="Calibri" panose="020F0502020204030204" pitchFamily="34" charset="0"/>
-      <p:regular r:id="rId27"/>
-      <p:bold r:id="rId28"/>
-      <p:italic r:id="rId29"/>
-      <p:boldItalic r:id="rId30"/>
+      <p:font typeface="Abril Fatface" panose="020B0604020202020204" charset="0"/>
+      <p:regular r:id="rId30"/>
     </p:embeddedFont>
   </p:embeddedFontLst>
   <p:defaultTextStyle>
@@ -388,7 +388,7 @@
           <a:p>
             <a:fld id="{2BD7265C-1BA8-4D75-9E43-960B942DDB64}" type="datetimeFigureOut">
               <a:rPr lang="ru-RU" smtClean="0"/>
-              <a:t>21.05.2024</a:t>
+              <a:t>22.05.2024</a:t>
             </a:fld>
             <a:endParaRPr lang="ru-RU"/>
           </a:p>
@@ -20519,28 +20519,6 @@
           </a:p>
         </p:txBody>
       </p:sp>
-      <p:pic>
-        <p:nvPicPr>
-          <p:cNvPr id="16" name="Рисунок 15"/>
-          <p:cNvPicPr/>
-          <p:nvPr/>
-        </p:nvPicPr>
-        <p:blipFill>
-          <a:blip r:embed="rId3"/>
-          <a:stretch>
-            <a:fillRect/>
-          </a:stretch>
-        </p:blipFill>
-        <p:spPr>
-          <a:xfrm>
-            <a:off x="5232292" y="1764148"/>
-            <a:ext cx="6718207" cy="4171277"/>
-          </a:xfrm>
-          <a:prstGeom prst="rect">
-            <a:avLst/>
-          </a:prstGeom>
-        </p:spPr>
-      </p:pic>
       <p:sp>
         <p:nvSpPr>
           <p:cNvPr id="11" name="TextBox 10"/>
@@ -20592,6 +20570,32 @@
           </a:p>
         </p:txBody>
       </p:sp>
+      <p:pic>
+        <p:nvPicPr>
+          <p:cNvPr id="2" name="Рисунок 1"/>
+          <p:cNvPicPr>
+            <a:picLocks noChangeAspect="1"/>
+          </p:cNvPicPr>
+          <p:nvPr/>
+        </p:nvPicPr>
+        <p:blipFill rotWithShape="1">
+          <a:blip r:embed="rId3"/>
+          <a:srcRect l="4049" r="5094"/>
+          <a:stretch/>
+        </p:blipFill>
+        <p:spPr>
+          <a:xfrm>
+            <a:off x="5283200" y="1832284"/>
+            <a:ext cx="6614160" cy="4076700"/>
+          </a:xfrm>
+          <a:prstGeom prst="rect">
+            <a:avLst/>
+          </a:prstGeom>
+          <a:effectLst>
+            <a:softEdge rad="0"/>
+          </a:effectLst>
+        </p:spPr>
+      </p:pic>
     </p:spTree>
     <p:extLst>
       <p:ext uri="{BB962C8B-B14F-4D97-AF65-F5344CB8AC3E}">
@@ -22604,18 +22608,7 @@
                   </a:schemeClr>
                 </a:solidFill>
               </a:rPr>
-              <a:t>Шифрование </a:t>
-            </a:r>
-            <a:r>
-              <a:rPr lang="ru-RU" sz="2400" dirty="0" smtClean="0">
-                <a:solidFill>
-                  <a:schemeClr val="accent6">
-                    <a:lumMod val="60000"/>
-                    <a:lumOff val="40000"/>
-                  </a:schemeClr>
-                </a:solidFill>
-              </a:rPr>
-              <a:t>данных</a:t>
+              <a:t>Шифрование данных</a:t>
             </a:r>
           </a:p>
           <a:p>
@@ -22629,18 +22622,7 @@
                   </a:schemeClr>
                 </a:solidFill>
               </a:rPr>
-              <a:t>Выбор </a:t>
-            </a:r>
-            <a:r>
-              <a:rPr lang="ru-RU" sz="2400" dirty="0" smtClean="0">
-                <a:solidFill>
-                  <a:schemeClr val="accent6">
-                    <a:lumMod val="60000"/>
-                    <a:lumOff val="40000"/>
-                  </a:schemeClr>
-                </a:solidFill>
-              </a:rPr>
-              <a:t>сервера для хранения данных</a:t>
+              <a:t>Выбор сервера для хранения данных</a:t>
             </a:r>
           </a:p>
           <a:p>
@@ -26689,7 +26671,7 @@
         </p:blipFill>
         <p:spPr bwMode="auto">
           <a:xfrm>
-            <a:off x="8201751" y="1302885"/>
+            <a:off x="4619286" y="1308956"/>
             <a:ext cx="2718825" cy="1699266"/>
           </a:xfrm>
           <a:prstGeom prst="rect">
@@ -26730,7 +26712,7 @@
         </p:blipFill>
         <p:spPr bwMode="auto">
           <a:xfrm>
-            <a:off x="3552560" y="3002151"/>
+            <a:off x="3703542" y="3212524"/>
             <a:ext cx="4550312" cy="1349097"/>
           </a:xfrm>
           <a:prstGeom prst="rect">
@@ -26777,7 +26759,7 @@
         </p:blipFill>
         <p:spPr bwMode="auto">
           <a:xfrm>
-            <a:off x="1055672" y="4104007"/>
+            <a:off x="991017" y="4203757"/>
             <a:ext cx="2188482" cy="2188482"/>
           </a:xfrm>
           <a:prstGeom prst="rect">
@@ -26869,7 +26851,7 @@
         </p:blipFill>
         <p:spPr bwMode="auto">
           <a:xfrm>
-            <a:off x="4487911" y="4682786"/>
+            <a:off x="842028" y="1448960"/>
             <a:ext cx="2947843" cy="1397769"/>
           </a:xfrm>
           <a:prstGeom prst="rect">
@@ -26918,7 +26900,7 @@
         </p:blipFill>
         <p:spPr bwMode="auto">
           <a:xfrm>
-            <a:off x="8712440" y="4727903"/>
+            <a:off x="9216056" y="4621672"/>
             <a:ext cx="1697446" cy="1352652"/>
           </a:xfrm>
           <a:prstGeom prst="rect">
@@ -26957,8 +26939,49 @@
         </p:blipFill>
         <p:spPr bwMode="auto">
           <a:xfrm>
-            <a:off x="906683" y="1556422"/>
+            <a:off x="8102870" y="1638597"/>
             <a:ext cx="3923817" cy="1192192"/>
+          </a:xfrm>
+          <a:prstGeom prst="rect">
+            <a:avLst/>
+          </a:prstGeom>
+          <a:noFill/>
+          <a:extLst>
+            <a:ext uri="{909E8E84-426E-40DD-AFC4-6F175D3DCCD1}">
+              <a14:hiddenFill xmlns:a14="http://schemas.microsoft.com/office/drawing/2010/main">
+                <a:solidFill>
+                  <a:srgbClr val="FFFFFF"/>
+                </a:solidFill>
+              </a14:hiddenFill>
+            </a:ext>
+          </a:extLst>
+        </p:spPr>
+      </p:pic>
+      <p:pic>
+        <p:nvPicPr>
+          <p:cNvPr id="1032" name="Picture 8" descr="File:Postman (software).png - Wikimedia Commons"/>
+          <p:cNvPicPr>
+            <a:picLocks noChangeAspect="1" noChangeArrowheads="1"/>
+          </p:cNvPicPr>
+          <p:nvPr/>
+        </p:nvPicPr>
+        <p:blipFill>
+          <a:blip r:embed="rId9">
+            <a:extLst>
+              <a:ext uri="{28A0092B-C50C-407E-A947-70E740481C1C}">
+                <a14:useLocalDpi xmlns:a14="http://schemas.microsoft.com/office/drawing/2010/main" val="0"/>
+              </a:ext>
+            </a:extLst>
+          </a:blip>
+          <a:srcRect/>
+          <a:stretch>
+            <a:fillRect/>
+          </a:stretch>
+        </p:blipFill>
+        <p:spPr bwMode="auto">
+          <a:xfrm>
+            <a:off x="4619286" y="5038237"/>
+            <a:ext cx="3084407" cy="936087"/>
           </a:xfrm>
           <a:prstGeom prst="rect">
             <a:avLst/>

--- a/docs/Презентация диплом.pptx
+++ b/docs/Презентация диплом.pptx
@@ -30,29 +30,29 @@
   <p:notesSz cx="6858000" cy="9144000"/>
   <p:embeddedFontLst>
     <p:embeddedFont>
-      <p:font typeface="Roboto" panose="020B0604020202020204" charset="0"/>
+      <p:font typeface="Roboto Mono" panose="020B0604020202020204" charset="0"/>
       <p:regular r:id="rId18"/>
       <p:bold r:id="rId19"/>
       <p:italic r:id="rId20"/>
       <p:boldItalic r:id="rId21"/>
     </p:embeddedFont>
     <p:embeddedFont>
-      <p:font typeface="Calibri" panose="020F0502020204030204" pitchFamily="34" charset="0"/>
+      <p:font typeface="Abril Fatface" panose="020B0604020202020204" charset="0"/>
       <p:regular r:id="rId22"/>
-      <p:bold r:id="rId23"/>
-      <p:italic r:id="rId24"/>
-      <p:boldItalic r:id="rId25"/>
     </p:embeddedFont>
     <p:embeddedFont>
-      <p:font typeface="Roboto Mono" panose="020B0604020202020204" charset="0"/>
-      <p:regular r:id="rId26"/>
-      <p:bold r:id="rId27"/>
-      <p:italic r:id="rId28"/>
-      <p:boldItalic r:id="rId29"/>
+      <p:font typeface="Roboto" panose="020B0604020202020204" charset="0"/>
+      <p:regular r:id="rId23"/>
+      <p:bold r:id="rId24"/>
+      <p:italic r:id="rId25"/>
+      <p:boldItalic r:id="rId26"/>
     </p:embeddedFont>
     <p:embeddedFont>
-      <p:font typeface="Abril Fatface" panose="020B0604020202020204" charset="0"/>
-      <p:regular r:id="rId30"/>
+      <p:font typeface="Calibri" panose="020F0502020204030204" pitchFamily="34" charset="0"/>
+      <p:regular r:id="rId27"/>
+      <p:bold r:id="rId28"/>
+      <p:italic r:id="rId29"/>
+      <p:boldItalic r:id="rId30"/>
     </p:embeddedFont>
   </p:embeddedFontLst>
   <p:defaultTextStyle>
@@ -388,7 +388,7 @@
           <a:p>
             <a:fld id="{2BD7265C-1BA8-4D75-9E43-960B942DDB64}" type="datetimeFigureOut">
               <a:rPr lang="ru-RU" smtClean="0"/>
-              <a:t>22.05.2024</a:t>
+              <a:t>26.05.2024</a:t>
             </a:fld>
             <a:endParaRPr lang="ru-RU"/>
           </a:p>
@@ -18903,7 +18903,7 @@
               <a:buNone/>
             </a:pPr>
             <a:r>
-              <a:rPr lang="ru-RU" dirty="0" smtClean="0">
+              <a:rPr lang="ru-RU" smtClean="0">
                 <a:solidFill>
                   <a:schemeClr val="accent6">
                     <a:lumMod val="60000"/>
@@ -18912,6 +18912,17 @@
                 </a:solidFill>
               </a:rPr>
               <a:t>Система </a:t>
+            </a:r>
+            <a:r>
+              <a:rPr lang="ru-RU" dirty="0" smtClean="0">
+                <a:solidFill>
+                  <a:schemeClr val="accent6">
+                    <a:lumMod val="60000"/>
+                    <a:lumOff val="40000"/>
+                  </a:schemeClr>
+                </a:solidFill>
+              </a:rPr>
+              <a:t/>
             </a:r>
             <a:br>
               <a:rPr lang="ru-RU" dirty="0" smtClean="0">
@@ -27494,39 +27505,6 @@
           </p:txBody>
         </p:sp>
       </p:grpSp>
-      <p:pic>
-        <p:nvPicPr>
-          <p:cNvPr id="9" name="Рисунок 8" descr="C:\Users\Админ\Downloads\rkib-appointment-main\docs\Копия Схема репо.drawio.png"/>
-          <p:cNvPicPr/>
-          <p:nvPr/>
-        </p:nvPicPr>
-        <p:blipFill>
-          <a:blip r:embed="rId3">
-            <a:extLst>
-              <a:ext uri="{28A0092B-C50C-407E-A947-70E740481C1C}">
-                <a14:useLocalDpi xmlns:a14="http://schemas.microsoft.com/office/drawing/2010/main" val="0"/>
-              </a:ext>
-            </a:extLst>
-          </a:blip>
-          <a:srcRect/>
-          <a:stretch>
-            <a:fillRect/>
-          </a:stretch>
-        </p:blipFill>
-        <p:spPr bwMode="auto">
-          <a:xfrm>
-            <a:off x="1479865" y="1329098"/>
-            <a:ext cx="9481652" cy="5270939"/>
-          </a:xfrm>
-          <a:prstGeom prst="rect">
-            <a:avLst/>
-          </a:prstGeom>
-          <a:noFill/>
-          <a:ln>
-            <a:noFill/>
-          </a:ln>
-        </p:spPr>
-      </p:pic>
       <p:sp>
         <p:nvSpPr>
           <p:cNvPr id="12" name="TextBox 11"/>
@@ -27578,6 +27556,36 @@
           </a:p>
         </p:txBody>
       </p:sp>
+      <p:pic>
+        <p:nvPicPr>
+          <p:cNvPr id="2" name="Рисунок 1"/>
+          <p:cNvPicPr>
+            <a:picLocks noChangeAspect="1"/>
+          </p:cNvPicPr>
+          <p:nvPr/>
+        </p:nvPicPr>
+        <p:blipFill>
+          <a:blip r:embed="rId3">
+            <a:extLst>
+              <a:ext uri="{28A0092B-C50C-407E-A947-70E740481C1C}">
+                <a14:useLocalDpi xmlns:a14="http://schemas.microsoft.com/office/drawing/2010/main" val="0"/>
+              </a:ext>
+            </a:extLst>
+          </a:blip>
+          <a:stretch>
+            <a:fillRect/>
+          </a:stretch>
+        </p:blipFill>
+        <p:spPr>
+          <a:xfrm>
+            <a:off x="1470514" y="1366982"/>
+            <a:ext cx="9483812" cy="5194926"/>
+          </a:xfrm>
+          <a:prstGeom prst="rect">
+            <a:avLst/>
+          </a:prstGeom>
+        </p:spPr>
+      </p:pic>
     </p:spTree>
     <p:extLst>
       <p:ext uri="{BB962C8B-B14F-4D97-AF65-F5344CB8AC3E}">

--- a/docs/Презентация диплом.pptx
+++ b/docs/Презентация диплом.pptx
@@ -41,14 +41,14 @@
       <p:regular r:id="rId22"/>
     </p:embeddedFont>
     <p:embeddedFont>
-      <p:font typeface="Roboto" panose="020B0604020202020204" charset="0"/>
+      <p:font typeface="Calibri" panose="020F0502020204030204" pitchFamily="34" charset="0"/>
       <p:regular r:id="rId23"/>
       <p:bold r:id="rId24"/>
       <p:italic r:id="rId25"/>
       <p:boldItalic r:id="rId26"/>
     </p:embeddedFont>
     <p:embeddedFont>
-      <p:font typeface="Calibri" panose="020F0502020204030204" pitchFamily="34" charset="0"/>
+      <p:font typeface="Roboto" panose="020B0604020202020204" charset="0"/>
       <p:regular r:id="rId27"/>
       <p:bold r:id="rId28"/>
       <p:italic r:id="rId29"/>
@@ -388,7 +388,7 @@
           <a:p>
             <a:fld id="{2BD7265C-1BA8-4D75-9E43-960B942DDB64}" type="datetimeFigureOut">
               <a:rPr lang="ru-RU" smtClean="0"/>
-              <a:t>26.05.2024</a:t>
+              <a:t>29.05.2024</a:t>
             </a:fld>
             <a:endParaRPr lang="ru-RU"/>
           </a:p>
@@ -18880,8 +18880,8 @@
         </p:nvSpPr>
         <p:spPr>
           <a:xfrm>
-            <a:off x="1884218" y="1607299"/>
-            <a:ext cx="8349673" cy="2902800"/>
+            <a:off x="1884218" y="1450109"/>
+            <a:ext cx="8349673" cy="3059990"/>
           </a:xfrm>
           <a:prstGeom prst="rect">
             <a:avLst/>
@@ -18903,7 +18903,7 @@
               <a:buNone/>
             </a:pPr>
             <a:r>
-              <a:rPr lang="ru-RU" smtClean="0">
+              <a:rPr lang="ru-RU" sz="6000" dirty="0" smtClean="0">
                 <a:solidFill>
                   <a:schemeClr val="accent6">
                     <a:lumMod val="60000"/>
@@ -18911,10 +18911,10 @@
                   </a:schemeClr>
                 </a:solidFill>
               </a:rPr>
-              <a:t>Система </a:t>
+              <a:t>Разработка</a:t>
             </a:r>
-            <a:r>
-              <a:rPr lang="ru-RU" dirty="0" smtClean="0">
+            <a:br>
+              <a:rPr lang="ru-RU" sz="6000" dirty="0" smtClean="0">
                 <a:solidFill>
                   <a:schemeClr val="accent6">
                     <a:lumMod val="60000"/>
@@ -18922,10 +18922,9 @@
                   </a:schemeClr>
                 </a:solidFill>
               </a:rPr>
-              <a:t/>
-            </a:r>
-            <a:br>
-              <a:rPr lang="ru-RU" dirty="0" smtClean="0">
+            </a:br>
+            <a:r>
+              <a:rPr lang="en-US" sz="6000" dirty="0" smtClean="0">
                 <a:solidFill>
                   <a:schemeClr val="accent6">
                     <a:lumMod val="60000"/>
@@ -18933,9 +18932,10 @@
                   </a:schemeClr>
                 </a:solidFill>
               </a:rPr>
-            </a:br>
+              <a:t>	</a:t>
+            </a:r>
             <a:r>
-              <a:rPr lang="ru-RU" dirty="0" smtClean="0">
+              <a:rPr lang="ru-RU" sz="6000" dirty="0" smtClean="0">
                 <a:solidFill>
                   <a:schemeClr val="accent6">
                     <a:lumMod val="60000"/>
@@ -18943,10 +18943,10 @@
                   </a:schemeClr>
                 </a:solidFill>
               </a:rPr>
-              <a:t>	контроля </a:t>
+              <a:t>с</a:t>
             </a:r>
-            <a:br>
-              <a:rPr lang="ru-RU" dirty="0" smtClean="0">
+            <a:r>
+              <a:rPr lang="ru-RU" sz="6000" dirty="0" smtClean="0">
                 <a:solidFill>
                   <a:schemeClr val="accent6">
                     <a:lumMod val="60000"/>
@@ -18954,9 +18954,10 @@
                   </a:schemeClr>
                 </a:solidFill>
               </a:rPr>
-            </a:br>
+              <a:t>истемы </a:t>
+            </a:r>
             <a:r>
-              <a:rPr lang="ru-RU" dirty="0" smtClean="0">
+              <a:rPr lang="ru-RU" sz="6000" dirty="0" smtClean="0">
                 <a:solidFill>
                   <a:schemeClr val="accent6">
                     <a:lumMod val="60000"/>
@@ -18964,10 +18965,10 @@
                   </a:schemeClr>
                 </a:solidFill>
               </a:rPr>
-              <a:t>		версий </a:t>
+              <a:t/>
             </a:r>
-            <a:r>
-              <a:rPr lang="ru-RU" sz="5400" dirty="0" smtClean="0">
+            <a:br>
+              <a:rPr lang="ru-RU" sz="6000" dirty="0" smtClean="0">
                 <a:solidFill>
                   <a:schemeClr val="accent6">
                     <a:lumMod val="60000"/>
@@ -18975,10 +18976,9 @@
                   </a:schemeClr>
                 </a:solidFill>
               </a:rPr>
-              <a:t>(</a:t>
-            </a:r>
+            </a:br>
             <a:r>
-              <a:rPr lang="en-US" sz="5400" dirty="0" smtClean="0">
+              <a:rPr lang="ru-RU" sz="6000" dirty="0" smtClean="0">
                 <a:solidFill>
                   <a:schemeClr val="accent6">
                     <a:lumMod val="60000"/>
@@ -18986,10 +18986,10 @@
                   </a:schemeClr>
                 </a:solidFill>
               </a:rPr>
-              <a:t>VCS</a:t>
+              <a:t>	</a:t>
             </a:r>
             <a:r>
-              <a:rPr lang="ru-RU" sz="5400" dirty="0" smtClean="0">
+              <a:rPr lang="en-US" sz="6000" dirty="0" smtClean="0">
                 <a:solidFill>
                   <a:schemeClr val="accent6">
                     <a:lumMod val="60000"/>
@@ -18997,9 +18997,107 @@
                   </a:schemeClr>
                 </a:solidFill>
               </a:rPr>
+              <a:t>	</a:t>
+            </a:r>
+            <a:r>
+              <a:rPr lang="ru-RU" sz="6000" dirty="0" smtClean="0">
+                <a:solidFill>
+                  <a:schemeClr val="accent6">
+                    <a:lumMod val="60000"/>
+                    <a:lumOff val="40000"/>
+                  </a:schemeClr>
+                </a:solidFill>
+              </a:rPr>
+              <a:t>контроля </a:t>
+            </a:r>
+            <a:r>
+              <a:rPr lang="ru-RU" sz="6000" dirty="0" smtClean="0">
+                <a:solidFill>
+                  <a:schemeClr val="accent6">
+                    <a:lumMod val="60000"/>
+                    <a:lumOff val="40000"/>
+                  </a:schemeClr>
+                </a:solidFill>
+              </a:rPr>
+              <a:t/>
+            </a:r>
+            <a:br>
+              <a:rPr lang="ru-RU" sz="6000" dirty="0" smtClean="0">
+                <a:solidFill>
+                  <a:schemeClr val="accent6">
+                    <a:lumMod val="60000"/>
+                    <a:lumOff val="40000"/>
+                  </a:schemeClr>
+                </a:solidFill>
+              </a:rPr>
+            </a:br>
+            <a:r>
+              <a:rPr lang="ru-RU" sz="6000" dirty="0" smtClean="0">
+                <a:solidFill>
+                  <a:schemeClr val="accent6">
+                    <a:lumMod val="60000"/>
+                    <a:lumOff val="40000"/>
+                  </a:schemeClr>
+                </a:solidFill>
+              </a:rPr>
+              <a:t>		</a:t>
+            </a:r>
+            <a:r>
+              <a:rPr lang="en-US" sz="6000" dirty="0" smtClean="0">
+                <a:solidFill>
+                  <a:schemeClr val="accent6">
+                    <a:lumMod val="60000"/>
+                    <a:lumOff val="40000"/>
+                  </a:schemeClr>
+                </a:solidFill>
+              </a:rPr>
+              <a:t>	</a:t>
+            </a:r>
+            <a:r>
+              <a:rPr lang="ru-RU" sz="6000" dirty="0" smtClean="0">
+                <a:solidFill>
+                  <a:schemeClr val="accent6">
+                    <a:lumMod val="60000"/>
+                    <a:lumOff val="40000"/>
+                  </a:schemeClr>
+                </a:solidFill>
+              </a:rPr>
+              <a:t>версий </a:t>
+            </a:r>
+            <a:r>
+              <a:rPr lang="ru-RU" sz="4400" dirty="0" smtClean="0">
+                <a:solidFill>
+                  <a:schemeClr val="accent6">
+                    <a:lumMod val="60000"/>
+                    <a:lumOff val="40000"/>
+                  </a:schemeClr>
+                </a:solidFill>
+              </a:rPr>
+              <a:t>(</a:t>
+            </a:r>
+            <a:r>
+              <a:rPr lang="en-US" sz="4400" dirty="0" smtClean="0">
+                <a:solidFill>
+                  <a:schemeClr val="accent6">
+                    <a:lumMod val="60000"/>
+                    <a:lumOff val="40000"/>
+                  </a:schemeClr>
+                </a:solidFill>
+              </a:rPr>
+              <a:t>VCS</a:t>
+            </a:r>
+            <a:r>
+              <a:rPr lang="ru-RU" sz="4400" dirty="0" smtClean="0">
+                <a:solidFill>
+                  <a:schemeClr val="accent6">
+                    <a:lumMod val="60000"/>
+                    <a:lumOff val="40000"/>
+                  </a:schemeClr>
+                </a:solidFill>
+              </a:rPr>
               <a:t>)</a:t>
             </a:r>
-            <a:endParaRPr sz="5000" dirty="0">
+            <a:endParaRPr sz="4400" dirty="0">
               <a:solidFill>
                 <a:schemeClr val="accent6">
                   <a:lumMod val="60000"/>
